--- a/Slides/Lesson 2.4 Testing.pptx
+++ b/Slides/Lesson 2.4 Testing.pptx
@@ -286,7 +286,7 @@
           <a:p>
             <a:fld id="{0FAC78B3-EDCE-4187-A1AE-28620314FA32}" type="datetimeFigureOut">
               <a:rPr lang="en-US" smtClean="0"/>
-              <a:t>8/5/2015</a:t>
+              <a:t>7/24/2016</a:t>
             </a:fld>
             <a:endParaRPr lang="en-US"/>
           </a:p>
@@ -350,38 +350,37 @@
           <a:p>
             <a:pPr lvl="0"/>
             <a:r>
-              <a:rPr lang="en-US" smtClean="0"/>
+              <a:rPr lang="en-US"/>
               <a:t>Click to edit Master text styles</a:t>
             </a:r>
           </a:p>
           <a:p>
             <a:pPr lvl="1"/>
             <a:r>
-              <a:rPr lang="en-US" smtClean="0"/>
+              <a:rPr lang="en-US"/>
               <a:t>Second level</a:t>
             </a:r>
           </a:p>
           <a:p>
             <a:pPr lvl="2"/>
             <a:r>
-              <a:rPr lang="en-US" smtClean="0"/>
+              <a:rPr lang="en-US"/>
               <a:t>Third level</a:t>
             </a:r>
           </a:p>
           <a:p>
             <a:pPr lvl="3"/>
             <a:r>
-              <a:rPr lang="en-US" smtClean="0"/>
+              <a:rPr lang="en-US"/>
               <a:t>Fourth level</a:t>
             </a:r>
           </a:p>
           <a:p>
             <a:pPr lvl="4"/>
             <a:r>
-              <a:rPr lang="en-US" smtClean="0"/>
+              <a:rPr lang="en-US"/>
               <a:t>Fifth level</a:t>
             </a:r>
-            <a:endParaRPr lang="en-US"/>
           </a:p>
         </p:txBody>
       </p:sp>
@@ -1207,10 +1206,9 @@
           <a:lstStyle/>
           <a:p>
             <a:r>
-              <a:rPr lang="en-US" smtClean="0"/>
+              <a:rPr lang="en-US"/>
               <a:t>Click to edit Master title style</a:t>
             </a:r>
-            <a:endParaRPr lang="en-US"/>
           </a:p>
         </p:txBody>
       </p:sp>
@@ -1326,10 +1324,9 @@
           </a:lstStyle>
           <a:p>
             <a:r>
-              <a:rPr lang="en-US" smtClean="0"/>
+              <a:rPr lang="en-US"/>
               <a:t>Click to edit Master subtitle style</a:t>
             </a:r>
-            <a:endParaRPr lang="en-US"/>
           </a:p>
         </p:txBody>
       </p:sp>
@@ -1357,7 +1354,7 @@
                 </a:solidFill>
               </a:rPr>
               <a:pPr/>
-              <a:t>8/5/2015</a:t>
+              <a:t>7/24/2016</a:t>
             </a:fld>
             <a:endParaRPr lang="en-US">
               <a:solidFill>
@@ -1440,13 +1437,6 @@
   <p:clrMapOvr>
     <a:masterClrMapping/>
   </p:clrMapOvr>
-  <p:timing>
-    <p:tnLst>
-      <p:par>
-        <p:cTn id="1" dur="indefinite" restart="never" nodeType="tmRoot"/>
-      </p:par>
-    </p:tnLst>
-  </p:timing>
 </p:sldLayout>
 </file>
 
@@ -1491,7 +1481,7 @@
                 </a:solidFill>
               </a:rPr>
               <a:pPr/>
-              <a:t>8/5/2015</a:t>
+              <a:t>7/24/2016</a:t>
             </a:fld>
             <a:endParaRPr lang="en-US">
               <a:solidFill>
@@ -1619,10 +1609,9 @@
           </a:lstStyle>
           <a:p>
             <a:r>
-              <a:rPr lang="en-US" smtClean="0"/>
+              <a:rPr lang="en-US"/>
               <a:t>Click to edit Master title style</a:t>
             </a:r>
-            <a:endParaRPr lang="en-US"/>
           </a:p>
         </p:txBody>
       </p:sp>
@@ -1676,38 +1665,37 @@
           <a:p>
             <a:pPr lvl="0"/>
             <a:r>
-              <a:rPr lang="en-US" smtClean="0"/>
+              <a:rPr lang="en-US"/>
               <a:t>Click to edit Master text styles</a:t>
             </a:r>
           </a:p>
           <a:p>
             <a:pPr lvl="1"/>
             <a:r>
-              <a:rPr lang="en-US" smtClean="0"/>
+              <a:rPr lang="en-US"/>
               <a:t>Second level</a:t>
             </a:r>
           </a:p>
           <a:p>
             <a:pPr lvl="2"/>
             <a:r>
-              <a:rPr lang="en-US" smtClean="0"/>
+              <a:rPr lang="en-US"/>
               <a:t>Third level</a:t>
             </a:r>
           </a:p>
           <a:p>
             <a:pPr lvl="3"/>
             <a:r>
-              <a:rPr lang="en-US" smtClean="0"/>
+              <a:rPr lang="en-US"/>
               <a:t>Fourth level</a:t>
             </a:r>
           </a:p>
           <a:p>
             <a:pPr lvl="4"/>
             <a:r>
-              <a:rPr lang="en-US" smtClean="0"/>
+              <a:rPr lang="en-US"/>
               <a:t>Fifth level</a:t>
             </a:r>
-            <a:endParaRPr lang="en-US"/>
           </a:p>
         </p:txBody>
       </p:sp>
@@ -1770,7 +1758,7 @@
           <a:p>
             <a:pPr lvl="0"/>
             <a:r>
-              <a:rPr lang="en-US" smtClean="0"/>
+              <a:rPr lang="en-US"/>
               <a:t>Click to edit Master text styles</a:t>
             </a:r>
           </a:p>
@@ -1800,7 +1788,7 @@
                 </a:solidFill>
               </a:rPr>
               <a:pPr/>
-              <a:t>8/5/2015</a:t>
+              <a:t>7/24/2016</a:t>
             </a:fld>
             <a:endParaRPr lang="en-US">
               <a:solidFill>
@@ -1928,10 +1916,9 @@
           </a:lstStyle>
           <a:p>
             <a:r>
-              <a:rPr lang="en-US" smtClean="0"/>
+              <a:rPr lang="en-US"/>
               <a:t>Click to edit Master title style</a:t>
             </a:r>
-            <a:endParaRPr lang="en-US"/>
           </a:p>
         </p:txBody>
       </p:sp>
@@ -2055,7 +2042,7 @@
           <a:p>
             <a:pPr lvl="0"/>
             <a:r>
-              <a:rPr lang="en-US" smtClean="0"/>
+              <a:rPr lang="en-US"/>
               <a:t>Click to edit Master text styles</a:t>
             </a:r>
           </a:p>
@@ -2085,7 +2072,7 @@
                 </a:solidFill>
               </a:rPr>
               <a:pPr/>
-              <a:t>8/5/2015</a:t>
+              <a:t>7/24/2016</a:t>
             </a:fld>
             <a:endParaRPr lang="en-US">
               <a:solidFill>
@@ -2204,10 +2191,9 @@
           <a:lstStyle/>
           <a:p>
             <a:r>
-              <a:rPr lang="en-US" smtClean="0"/>
+              <a:rPr lang="en-US"/>
               <a:t>Click to edit Master title style</a:t>
             </a:r>
-            <a:endParaRPr lang="en-US"/>
           </a:p>
         </p:txBody>
       </p:sp>
@@ -2228,38 +2214,37 @@
           <a:p>
             <a:pPr lvl="0"/>
             <a:r>
-              <a:rPr lang="en-US" smtClean="0"/>
+              <a:rPr lang="en-US"/>
               <a:t>Click to edit Master text styles</a:t>
             </a:r>
           </a:p>
           <a:p>
             <a:pPr lvl="1"/>
             <a:r>
-              <a:rPr lang="en-US" smtClean="0"/>
+              <a:rPr lang="en-US"/>
               <a:t>Second level</a:t>
             </a:r>
           </a:p>
           <a:p>
             <a:pPr lvl="2"/>
             <a:r>
-              <a:rPr lang="en-US" smtClean="0"/>
+              <a:rPr lang="en-US"/>
               <a:t>Third level</a:t>
             </a:r>
           </a:p>
           <a:p>
             <a:pPr lvl="3"/>
             <a:r>
-              <a:rPr lang="en-US" smtClean="0"/>
+              <a:rPr lang="en-US"/>
               <a:t>Fourth level</a:t>
             </a:r>
           </a:p>
           <a:p>
             <a:pPr lvl="4"/>
             <a:r>
-              <a:rPr lang="en-US" smtClean="0"/>
+              <a:rPr lang="en-US"/>
               <a:t>Fifth level</a:t>
             </a:r>
-            <a:endParaRPr lang="en-US"/>
           </a:p>
         </p:txBody>
       </p:sp>
@@ -2287,7 +2272,7 @@
                 </a:solidFill>
               </a:rPr>
               <a:pPr/>
-              <a:t>8/5/2015</a:t>
+              <a:t>7/24/2016</a:t>
             </a:fld>
             <a:endParaRPr lang="en-US">
               <a:solidFill>
@@ -2411,10 +2396,9 @@
           <a:lstStyle/>
           <a:p>
             <a:r>
-              <a:rPr lang="en-US" smtClean="0"/>
+              <a:rPr lang="en-US"/>
               <a:t>Click to edit Master title style</a:t>
             </a:r>
-            <a:endParaRPr lang="en-US"/>
           </a:p>
         </p:txBody>
       </p:sp>
@@ -2440,38 +2424,37 @@
           <a:p>
             <a:pPr lvl="0"/>
             <a:r>
-              <a:rPr lang="en-US" smtClean="0"/>
+              <a:rPr lang="en-US"/>
               <a:t>Click to edit Master text styles</a:t>
             </a:r>
           </a:p>
           <a:p>
             <a:pPr lvl="1"/>
             <a:r>
-              <a:rPr lang="en-US" smtClean="0"/>
+              <a:rPr lang="en-US"/>
               <a:t>Second level</a:t>
             </a:r>
           </a:p>
           <a:p>
             <a:pPr lvl="2"/>
             <a:r>
-              <a:rPr lang="en-US" smtClean="0"/>
+              <a:rPr lang="en-US"/>
               <a:t>Third level</a:t>
             </a:r>
           </a:p>
           <a:p>
             <a:pPr lvl="3"/>
             <a:r>
-              <a:rPr lang="en-US" smtClean="0"/>
+              <a:rPr lang="en-US"/>
               <a:t>Fourth level</a:t>
             </a:r>
           </a:p>
           <a:p>
             <a:pPr lvl="4"/>
             <a:r>
-              <a:rPr lang="en-US" smtClean="0"/>
+              <a:rPr lang="en-US"/>
               <a:t>Fifth level</a:t>
             </a:r>
-            <a:endParaRPr lang="en-US"/>
           </a:p>
         </p:txBody>
       </p:sp>
@@ -2499,7 +2482,7 @@
                 </a:solidFill>
               </a:rPr>
               <a:pPr/>
-              <a:t>8/5/2015</a:t>
+              <a:t>7/24/2016</a:t>
             </a:fld>
             <a:endParaRPr lang="en-US">
               <a:solidFill>
@@ -2624,10 +2607,9 @@
           <a:lstStyle/>
           <a:p>
             <a:r>
-              <a:rPr lang="en-US" dirty="0" smtClean="0"/>
+              <a:rPr lang="en-US" dirty="0"/>
               <a:t>Click to edit Master title style</a:t>
             </a:r>
-            <a:endParaRPr lang="en-US" dirty="0"/>
           </a:p>
         </p:txBody>
       </p:sp>
@@ -2648,38 +2630,37 @@
           <a:p>
             <a:pPr lvl="0"/>
             <a:r>
-              <a:rPr lang="en-US" smtClean="0"/>
+              <a:rPr lang="en-US"/>
               <a:t>Click to edit Master text styles</a:t>
             </a:r>
           </a:p>
           <a:p>
             <a:pPr lvl="1"/>
             <a:r>
-              <a:rPr lang="en-US" smtClean="0"/>
+              <a:rPr lang="en-US"/>
               <a:t>Second level</a:t>
             </a:r>
           </a:p>
           <a:p>
             <a:pPr lvl="2"/>
             <a:r>
-              <a:rPr lang="en-US" smtClean="0"/>
+              <a:rPr lang="en-US"/>
               <a:t>Third level</a:t>
             </a:r>
           </a:p>
           <a:p>
             <a:pPr lvl="3"/>
             <a:r>
-              <a:rPr lang="en-US" smtClean="0"/>
+              <a:rPr lang="en-US"/>
               <a:t>Fourth level</a:t>
             </a:r>
           </a:p>
           <a:p>
             <a:pPr lvl="4"/>
             <a:r>
-              <a:rPr lang="en-US" smtClean="0"/>
+              <a:rPr lang="en-US"/>
               <a:t>Fifth level</a:t>
             </a:r>
-            <a:endParaRPr lang="en-US"/>
           </a:p>
         </p:txBody>
       </p:sp>
@@ -2707,7 +2688,7 @@
                 </a:solidFill>
               </a:rPr>
               <a:pPr/>
-              <a:t>8/5/2015</a:t>
+              <a:t>7/24/2016</a:t>
             </a:fld>
             <a:endParaRPr lang="en-US">
               <a:solidFill>
@@ -2790,13 +2771,6 @@
   <p:clrMapOvr>
     <a:masterClrMapping/>
   </p:clrMapOvr>
-  <p:timing>
-    <p:tnLst>
-      <p:par>
-        <p:cTn id="1" dur="indefinite" restart="never" nodeType="tmRoot"/>
-      </p:par>
-    </p:tnLst>
-  </p:timing>
 </p:sldLayout>
 </file>
 
@@ -2833,10 +2807,9 @@
           <a:lstStyle/>
           <a:p>
             <a:r>
-              <a:rPr lang="en-US" smtClean="0"/>
+              <a:rPr lang="en-US"/>
               <a:t>Click to edit Master title style</a:t>
             </a:r>
-            <a:endParaRPr lang="en-US"/>
           </a:p>
         </p:txBody>
       </p:sp>
@@ -2862,38 +2835,37 @@
           <a:p>
             <a:pPr lvl="0"/>
             <a:r>
-              <a:rPr lang="en-US" dirty="0" smtClean="0"/>
+              <a:rPr lang="en-US" dirty="0"/>
               <a:t>Click to edit Master text styles</a:t>
             </a:r>
           </a:p>
           <a:p>
             <a:pPr lvl="1"/>
             <a:r>
-              <a:rPr lang="en-US" dirty="0" smtClean="0"/>
+              <a:rPr lang="en-US" dirty="0"/>
               <a:t>Second level</a:t>
             </a:r>
           </a:p>
           <a:p>
             <a:pPr lvl="2"/>
             <a:r>
-              <a:rPr lang="en-US" dirty="0" smtClean="0"/>
+              <a:rPr lang="en-US" dirty="0"/>
               <a:t>Third level</a:t>
             </a:r>
           </a:p>
           <a:p>
             <a:pPr lvl="3"/>
             <a:r>
-              <a:rPr lang="en-US" dirty="0" smtClean="0"/>
+              <a:rPr lang="en-US" dirty="0"/>
               <a:t>Fourth level</a:t>
             </a:r>
           </a:p>
           <a:p>
             <a:pPr lvl="4"/>
             <a:r>
-              <a:rPr lang="en-US" dirty="0" smtClean="0"/>
+              <a:rPr lang="en-US" dirty="0"/>
               <a:t>Fifth level</a:t>
             </a:r>
-            <a:endParaRPr lang="en-US" dirty="0"/>
           </a:p>
         </p:txBody>
       </p:sp>
@@ -2921,7 +2893,7 @@
                 </a:solidFill>
               </a:rPr>
               <a:pPr/>
-              <a:t>8/5/2015</a:t>
+              <a:t>7/24/2016</a:t>
             </a:fld>
             <a:endParaRPr lang="en-US">
               <a:solidFill>
@@ -3036,7 +3008,7 @@
           <a:lstStyle/>
           <a:p>
             <a:pPr algn="ctr"/>
-            <a:endParaRPr lang="en-US" dirty="0" smtClean="0">
+            <a:endParaRPr lang="en-US" dirty="0">
               <a:solidFill>
                 <a:prstClr val="black"/>
               </a:solidFill>
@@ -3067,18 +3039,13 @@
           <a:lstStyle/>
           <a:p>
             <a:r>
-              <a:rPr lang="en-US" dirty="0" smtClean="0">
+              <a:rPr lang="en-US" dirty="0">
                 <a:solidFill>
                   <a:prstClr val="black"/>
                 </a:solidFill>
               </a:rPr>
               <a:t>Resize video to this box.</a:t>
             </a:r>
-            <a:endParaRPr lang="en-US" dirty="0">
-              <a:solidFill>
-                <a:prstClr val="black"/>
-              </a:solidFill>
-            </a:endParaRPr>
           </a:p>
         </p:txBody>
       </p:sp>
@@ -3092,13 +3059,6 @@
   <p:clrMapOvr>
     <a:masterClrMapping/>
   </p:clrMapOvr>
-  <p:timing>
-    <p:tnLst>
-      <p:par>
-        <p:cTn id="1" dur="indefinite" restart="never" nodeType="tmRoot"/>
-      </p:par>
-    </p:tnLst>
-  </p:timing>
 </p:sldLayout>
 </file>
 
@@ -3135,10 +3095,9 @@
           <a:lstStyle/>
           <a:p>
             <a:r>
-              <a:rPr lang="en-US" smtClean="0"/>
+              <a:rPr lang="en-US"/>
               <a:t>Click to edit Master title style</a:t>
             </a:r>
-            <a:endParaRPr lang="en-US"/>
           </a:p>
         </p:txBody>
       </p:sp>
@@ -3167,38 +3126,37 @@
           <a:p>
             <a:pPr lvl="0"/>
             <a:r>
-              <a:rPr lang="en-US" dirty="0" smtClean="0"/>
+              <a:rPr lang="en-US" dirty="0"/>
               <a:t>Click to edit Master text styles</a:t>
             </a:r>
           </a:p>
           <a:p>
             <a:pPr lvl="1"/>
             <a:r>
-              <a:rPr lang="en-US" dirty="0" smtClean="0"/>
+              <a:rPr lang="en-US" dirty="0"/>
               <a:t>Second level</a:t>
             </a:r>
           </a:p>
           <a:p>
             <a:pPr lvl="2"/>
             <a:r>
-              <a:rPr lang="en-US" dirty="0" smtClean="0"/>
+              <a:rPr lang="en-US" dirty="0"/>
               <a:t>Third level</a:t>
             </a:r>
           </a:p>
           <a:p>
             <a:pPr lvl="3"/>
             <a:r>
-              <a:rPr lang="en-US" dirty="0" smtClean="0"/>
+              <a:rPr lang="en-US" dirty="0"/>
               <a:t>Fourth level</a:t>
             </a:r>
           </a:p>
           <a:p>
             <a:pPr lvl="4"/>
             <a:r>
-              <a:rPr lang="en-US" dirty="0" smtClean="0"/>
+              <a:rPr lang="en-US" dirty="0"/>
               <a:t>Fifth level</a:t>
             </a:r>
-            <a:endParaRPr lang="en-US" dirty="0"/>
           </a:p>
         </p:txBody>
       </p:sp>
@@ -3226,7 +3184,7 @@
                 </a:solidFill>
               </a:rPr>
               <a:pPr/>
-              <a:t>8/5/2015</a:t>
+              <a:t>7/24/2016</a:t>
             </a:fld>
             <a:endParaRPr lang="en-US">
               <a:solidFill>
@@ -3309,13 +3267,6 @@
   <p:clrMapOvr>
     <a:masterClrMapping/>
   </p:clrMapOvr>
-  <p:timing>
-    <p:tnLst>
-      <p:par>
-        <p:cTn id="1" dur="indefinite" restart="never" nodeType="tmRoot"/>
-      </p:par>
-    </p:tnLst>
-  </p:timing>
 </p:sldLayout>
 </file>
 
@@ -3352,10 +3303,9 @@
           <a:lstStyle/>
           <a:p>
             <a:r>
-              <a:rPr lang="en-US" smtClean="0"/>
+              <a:rPr lang="en-US"/>
               <a:t>Click to edit Master title style</a:t>
             </a:r>
-            <a:endParaRPr lang="en-US"/>
           </a:p>
         </p:txBody>
       </p:sp>
@@ -3384,38 +3334,37 @@
           <a:p>
             <a:pPr lvl="0"/>
             <a:r>
-              <a:rPr lang="en-US" dirty="0" smtClean="0"/>
+              <a:rPr lang="en-US" dirty="0"/>
               <a:t>Click to edit Master text styles</a:t>
             </a:r>
           </a:p>
           <a:p>
             <a:pPr lvl="1"/>
             <a:r>
-              <a:rPr lang="en-US" dirty="0" smtClean="0"/>
+              <a:rPr lang="en-US" dirty="0"/>
               <a:t>Second level</a:t>
             </a:r>
           </a:p>
           <a:p>
             <a:pPr lvl="2"/>
             <a:r>
-              <a:rPr lang="en-US" dirty="0" smtClean="0"/>
+              <a:rPr lang="en-US" dirty="0"/>
               <a:t>Third level</a:t>
             </a:r>
           </a:p>
           <a:p>
             <a:pPr lvl="3"/>
             <a:r>
-              <a:rPr lang="en-US" dirty="0" smtClean="0"/>
+              <a:rPr lang="en-US" dirty="0"/>
               <a:t>Fourth level</a:t>
             </a:r>
           </a:p>
           <a:p>
             <a:pPr lvl="4"/>
             <a:r>
-              <a:rPr lang="en-US" dirty="0" smtClean="0"/>
+              <a:rPr lang="en-US" dirty="0"/>
               <a:t>Fifth level</a:t>
             </a:r>
-            <a:endParaRPr lang="en-US" dirty="0"/>
           </a:p>
         </p:txBody>
       </p:sp>
@@ -3443,7 +3392,7 @@
                 </a:solidFill>
               </a:rPr>
               <a:pPr/>
-              <a:t>8/5/2015</a:t>
+              <a:t>7/24/2016</a:t>
             </a:fld>
             <a:endParaRPr lang="en-US">
               <a:solidFill>
@@ -3575,13 +3524,6 @@
   <p:clrMapOvr>
     <a:masterClrMapping/>
   </p:clrMapOvr>
-  <p:timing>
-    <p:tnLst>
-      <p:par>
-        <p:cTn id="1" dur="indefinite" restart="never" nodeType="tmRoot"/>
-      </p:par>
-    </p:tnLst>
-  </p:timing>
 </p:sldLayout>
 </file>
 
@@ -3627,10 +3569,9 @@
           </a:lstStyle>
           <a:p>
             <a:r>
-              <a:rPr lang="en-US" smtClean="0"/>
+              <a:rPr lang="en-US"/>
               <a:t>Click to edit Master title style</a:t>
             </a:r>
-            <a:endParaRPr lang="en-US"/>
           </a:p>
         </p:txBody>
       </p:sp>
@@ -3747,7 +3688,7 @@
           <a:p>
             <a:pPr lvl="0"/>
             <a:r>
-              <a:rPr lang="en-US" smtClean="0"/>
+              <a:rPr lang="en-US"/>
               <a:t>Click to edit Master text styles</a:t>
             </a:r>
           </a:p>
@@ -3777,7 +3718,7 @@
                 </a:solidFill>
               </a:rPr>
               <a:pPr/>
-              <a:t>8/5/2015</a:t>
+              <a:t>7/24/2016</a:t>
             </a:fld>
             <a:endParaRPr lang="en-US">
               <a:solidFill>
@@ -3896,10 +3837,9 @@
           <a:lstStyle/>
           <a:p>
             <a:r>
-              <a:rPr lang="en-US" smtClean="0"/>
+              <a:rPr lang="en-US"/>
               <a:t>Click to edit Master title style</a:t>
             </a:r>
-            <a:endParaRPr lang="en-US"/>
           </a:p>
         </p:txBody>
       </p:sp>
@@ -3953,38 +3893,37 @@
           <a:p>
             <a:pPr lvl="0"/>
             <a:r>
-              <a:rPr lang="en-US" smtClean="0"/>
+              <a:rPr lang="en-US"/>
               <a:t>Click to edit Master text styles</a:t>
             </a:r>
           </a:p>
           <a:p>
             <a:pPr lvl="1"/>
             <a:r>
-              <a:rPr lang="en-US" smtClean="0"/>
+              <a:rPr lang="en-US"/>
               <a:t>Second level</a:t>
             </a:r>
           </a:p>
           <a:p>
             <a:pPr lvl="2"/>
             <a:r>
-              <a:rPr lang="en-US" smtClean="0"/>
+              <a:rPr lang="en-US"/>
               <a:t>Third level</a:t>
             </a:r>
           </a:p>
           <a:p>
             <a:pPr lvl="3"/>
             <a:r>
-              <a:rPr lang="en-US" smtClean="0"/>
+              <a:rPr lang="en-US"/>
               <a:t>Fourth level</a:t>
             </a:r>
           </a:p>
           <a:p>
             <a:pPr lvl="4"/>
             <a:r>
-              <a:rPr lang="en-US" smtClean="0"/>
+              <a:rPr lang="en-US"/>
               <a:t>Fifth level</a:t>
             </a:r>
-            <a:endParaRPr lang="en-US"/>
           </a:p>
         </p:txBody>
       </p:sp>
@@ -4038,38 +3977,37 @@
           <a:p>
             <a:pPr lvl="0"/>
             <a:r>
-              <a:rPr lang="en-US" smtClean="0"/>
+              <a:rPr lang="en-US"/>
               <a:t>Click to edit Master text styles</a:t>
             </a:r>
           </a:p>
           <a:p>
             <a:pPr lvl="1"/>
             <a:r>
-              <a:rPr lang="en-US" smtClean="0"/>
+              <a:rPr lang="en-US"/>
               <a:t>Second level</a:t>
             </a:r>
           </a:p>
           <a:p>
             <a:pPr lvl="2"/>
             <a:r>
-              <a:rPr lang="en-US" smtClean="0"/>
+              <a:rPr lang="en-US"/>
               <a:t>Third level</a:t>
             </a:r>
           </a:p>
           <a:p>
             <a:pPr lvl="3"/>
             <a:r>
-              <a:rPr lang="en-US" smtClean="0"/>
+              <a:rPr lang="en-US"/>
               <a:t>Fourth level</a:t>
             </a:r>
           </a:p>
           <a:p>
             <a:pPr lvl="4"/>
             <a:r>
-              <a:rPr lang="en-US" smtClean="0"/>
+              <a:rPr lang="en-US"/>
               <a:t>Fifth level</a:t>
             </a:r>
-            <a:endParaRPr lang="en-US"/>
           </a:p>
         </p:txBody>
       </p:sp>
@@ -4097,7 +4035,7 @@
                 </a:solidFill>
               </a:rPr>
               <a:pPr/>
-              <a:t>8/5/2015</a:t>
+              <a:t>7/24/2016</a:t>
             </a:fld>
             <a:endParaRPr lang="en-US">
               <a:solidFill>
@@ -4220,10 +4158,9 @@
           </a:lstStyle>
           <a:p>
             <a:r>
-              <a:rPr lang="en-US" smtClean="0"/>
+              <a:rPr lang="en-US"/>
               <a:t>Click to edit Master title style</a:t>
             </a:r>
-            <a:endParaRPr lang="en-US"/>
           </a:p>
         </p:txBody>
       </p:sp>
@@ -4286,7 +4223,7 @@
           <a:p>
             <a:pPr lvl="0"/>
             <a:r>
-              <a:rPr lang="en-US" smtClean="0"/>
+              <a:rPr lang="en-US"/>
               <a:t>Click to edit Master text styles</a:t>
             </a:r>
           </a:p>
@@ -4342,38 +4279,37 @@
           <a:p>
             <a:pPr lvl="0"/>
             <a:r>
-              <a:rPr lang="en-US" smtClean="0"/>
+              <a:rPr lang="en-US"/>
               <a:t>Click to edit Master text styles</a:t>
             </a:r>
           </a:p>
           <a:p>
             <a:pPr lvl="1"/>
             <a:r>
-              <a:rPr lang="en-US" smtClean="0"/>
+              <a:rPr lang="en-US"/>
               <a:t>Second level</a:t>
             </a:r>
           </a:p>
           <a:p>
             <a:pPr lvl="2"/>
             <a:r>
-              <a:rPr lang="en-US" smtClean="0"/>
+              <a:rPr lang="en-US"/>
               <a:t>Third level</a:t>
             </a:r>
           </a:p>
           <a:p>
             <a:pPr lvl="3"/>
             <a:r>
-              <a:rPr lang="en-US" smtClean="0"/>
+              <a:rPr lang="en-US"/>
               <a:t>Fourth level</a:t>
             </a:r>
           </a:p>
           <a:p>
             <a:pPr lvl="4"/>
             <a:r>
-              <a:rPr lang="en-US" smtClean="0"/>
+              <a:rPr lang="en-US"/>
               <a:t>Fifth level</a:t>
             </a:r>
-            <a:endParaRPr lang="en-US"/>
           </a:p>
         </p:txBody>
       </p:sp>
@@ -4436,7 +4372,7 @@
           <a:p>
             <a:pPr lvl="0"/>
             <a:r>
-              <a:rPr lang="en-US" smtClean="0"/>
+              <a:rPr lang="en-US"/>
               <a:t>Click to edit Master text styles</a:t>
             </a:r>
           </a:p>
@@ -4492,38 +4428,37 @@
           <a:p>
             <a:pPr lvl="0"/>
             <a:r>
-              <a:rPr lang="en-US" smtClean="0"/>
+              <a:rPr lang="en-US"/>
               <a:t>Click to edit Master text styles</a:t>
             </a:r>
           </a:p>
           <a:p>
             <a:pPr lvl="1"/>
             <a:r>
-              <a:rPr lang="en-US" smtClean="0"/>
+              <a:rPr lang="en-US"/>
               <a:t>Second level</a:t>
             </a:r>
           </a:p>
           <a:p>
             <a:pPr lvl="2"/>
             <a:r>
-              <a:rPr lang="en-US" smtClean="0"/>
+              <a:rPr lang="en-US"/>
               <a:t>Third level</a:t>
             </a:r>
           </a:p>
           <a:p>
             <a:pPr lvl="3"/>
             <a:r>
-              <a:rPr lang="en-US" smtClean="0"/>
+              <a:rPr lang="en-US"/>
               <a:t>Fourth level</a:t>
             </a:r>
           </a:p>
           <a:p>
             <a:pPr lvl="4"/>
             <a:r>
-              <a:rPr lang="en-US" smtClean="0"/>
+              <a:rPr lang="en-US"/>
               <a:t>Fifth level</a:t>
             </a:r>
-            <a:endParaRPr lang="en-US"/>
           </a:p>
         </p:txBody>
       </p:sp>
@@ -4551,7 +4486,7 @@
                 </a:solidFill>
               </a:rPr>
               <a:pPr/>
-              <a:t>8/5/2015</a:t>
+              <a:t>7/24/2016</a:t>
             </a:fld>
             <a:endParaRPr lang="en-US">
               <a:solidFill>
@@ -4670,10 +4605,9 @@
           <a:lstStyle/>
           <a:p>
             <a:r>
-              <a:rPr lang="en-US" smtClean="0"/>
+              <a:rPr lang="en-US"/>
               <a:t>Click to edit Master title style</a:t>
             </a:r>
-            <a:endParaRPr lang="en-US"/>
           </a:p>
         </p:txBody>
       </p:sp>
@@ -4701,7 +4635,7 @@
                 </a:solidFill>
               </a:rPr>
               <a:pPr/>
-              <a:t>8/5/2015</a:t>
+              <a:t>7/24/2016</a:t>
             </a:fld>
             <a:endParaRPr lang="en-US">
               <a:solidFill>
@@ -4784,13 +4718,6 @@
   <p:clrMapOvr>
     <a:masterClrMapping/>
   </p:clrMapOvr>
-  <p:timing>
-    <p:tnLst>
-      <p:par>
-        <p:cTn id="1" dur="indefinite" restart="never" nodeType="tmRoot"/>
-      </p:par>
-    </p:tnLst>
-  </p:timing>
 </p:sldLayout>
 </file>
 
@@ -4854,10 +4781,9 @@
           <a:lstStyle/>
           <a:p>
             <a:r>
-              <a:rPr lang="en-US" smtClean="0"/>
+              <a:rPr lang="en-US"/>
               <a:t>Click to edit Master title style</a:t>
             </a:r>
-            <a:endParaRPr lang="en-US"/>
           </a:p>
         </p:txBody>
       </p:sp>
@@ -4888,38 +4814,37 @@
           <a:p>
             <a:pPr lvl="0"/>
             <a:r>
-              <a:rPr lang="en-US" smtClean="0"/>
+              <a:rPr lang="en-US"/>
               <a:t>Click to edit Master text styles</a:t>
             </a:r>
           </a:p>
           <a:p>
             <a:pPr lvl="1"/>
             <a:r>
-              <a:rPr lang="en-US" smtClean="0"/>
+              <a:rPr lang="en-US"/>
               <a:t>Second level</a:t>
             </a:r>
           </a:p>
           <a:p>
             <a:pPr lvl="2"/>
             <a:r>
-              <a:rPr lang="en-US" smtClean="0"/>
+              <a:rPr lang="en-US"/>
               <a:t>Third level</a:t>
             </a:r>
           </a:p>
           <a:p>
             <a:pPr lvl="3"/>
             <a:r>
-              <a:rPr lang="en-US" smtClean="0"/>
+              <a:rPr lang="en-US"/>
               <a:t>Fourth level</a:t>
             </a:r>
           </a:p>
           <a:p>
             <a:pPr lvl="4"/>
             <a:r>
-              <a:rPr lang="en-US" smtClean="0"/>
+              <a:rPr lang="en-US"/>
               <a:t>Fifth level</a:t>
             </a:r>
-            <a:endParaRPr lang="en-US"/>
           </a:p>
         </p:txBody>
       </p:sp>
@@ -4965,7 +4890,7 @@
                 </a:solidFill>
               </a:rPr>
               <a:pPr/>
-              <a:t>8/5/2015</a:t>
+              <a:t>7/24/2016</a:t>
             </a:fld>
             <a:endParaRPr lang="en-US">
               <a:solidFill>
@@ -5098,13 +5023,6 @@
     <p:sldLayoutId id="2147483675" r:id="rId13"/>
     <p:sldLayoutId id="2147483676" r:id="rId14"/>
   </p:sldLayoutIdLst>
-  <p:timing>
-    <p:tnLst>
-      <p:par>
-        <p:cTn id="1" dur="indefinite" restart="never" nodeType="tmRoot"/>
-      </p:par>
-    </p:tnLst>
-  </p:timing>
   <p:hf hdr="0" ftr="0" dt="0"/>
   <p:txStyles>
     <p:titleStyle>
@@ -5392,10 +5310,9 @@
           <a:lstStyle/>
           <a:p>
             <a:r>
-              <a:rPr lang="en-US" dirty="0" smtClean="0"/>
+              <a:rPr lang="en-US" dirty="0"/>
               <a:t>Testing and Debugging</a:t>
             </a:r>
-            <a:endParaRPr lang="en-US" dirty="0"/>
           </a:p>
         </p:txBody>
       </p:sp>
@@ -5430,13 +5347,8 @@
           <a:p>
             <a:r>
               <a:rPr lang="en-US" dirty="0"/>
-              <a:t>Lesson </a:t>
-            </a:r>
-            <a:r>
-              <a:rPr lang="en-US" dirty="0" smtClean="0"/>
-              <a:t>2.4</a:t>
-            </a:r>
-            <a:endParaRPr lang="en-US" dirty="0"/>
+              <a:t>Lesson 2.4</a:t>
+            </a:r>
           </a:p>
           <a:p>
             <a:endParaRPr lang="en-US" dirty="0"/>
@@ -5535,27 +5447,13 @@
             <a:p>
               <a:r>
                 <a:rPr lang="en-US" sz="1000" dirty="0"/>
-                <a:t>© Mitchell Wand, </a:t>
-              </a:r>
-              <a:r>
-                <a:rPr lang="en-US" sz="1000" dirty="0" smtClean="0"/>
-                <a:t>2012-2014</a:t>
+                <a:t>© Mitchell Wand, 2012-2014</a:t>
               </a:r>
             </a:p>
             <a:p>
               <a:r>
-                <a:rPr lang="en-US" sz="1000" dirty="0" smtClean="0"/>
+                <a:rPr lang="en-US" sz="1000" dirty="0"/>
                 <a:t>This work is licensed under a </a:t>
-              </a:r>
-              <a:r>
-                <a:rPr lang="en-US" altLang="en-US" sz="1000" dirty="0" smtClean="0">
-                  <a:solidFill>
-                    <a:srgbClr val="4374B7"/>
-                  </a:solidFill>
-                  <a:latin typeface="Helvetica Neue"/>
-                  <a:hlinkClick r:id="rId3"/>
-                </a:rPr>
-                <a:t>Creative </a:t>
               </a:r>
               <a:r>
                 <a:rPr lang="en-US" altLang="en-US" sz="1000" dirty="0">
@@ -5565,7 +5463,7 @@
                   <a:latin typeface="Helvetica Neue"/>
                   <a:hlinkClick r:id="rId3"/>
                 </a:rPr>
-                <a:t>Commons Attribution-</a:t>
+                <a:t>Creative Commons Attribution-</a:t>
               </a:r>
               <a:r>
                 <a:rPr lang="en-US" altLang="en-US" sz="1000" dirty="0" err="1">
@@ -5588,10 +5486,9 @@
                 <a:t> 4.0 International License</a:t>
               </a:r>
               <a:r>
-                <a:rPr lang="en-US" sz="1000" dirty="0" smtClean="0"/>
+                <a:rPr lang="en-US" sz="1000" dirty="0"/>
                 <a:t>.</a:t>
               </a:r>
-              <a:endParaRPr lang="en-US" sz="1000" dirty="0"/>
             </a:p>
           </p:txBody>
         </p:sp>
@@ -5606,13 +5503,6 @@
   <p:clrMapOvr>
     <a:masterClrMapping/>
   </p:clrMapOvr>
-  <p:timing>
-    <p:tnLst>
-      <p:par>
-        <p:cTn id="1" dur="indefinite" restart="never" nodeType="tmRoot"/>
-      </p:par>
-    </p:tnLst>
-  </p:timing>
 </p:sld>
 </file>
 
@@ -5649,10 +5539,9 @@
           <a:lstStyle/>
           <a:p>
             <a:r>
-              <a:rPr lang="en-US" dirty="0" smtClean="0"/>
+              <a:rPr lang="en-US" dirty="0"/>
               <a:t>Equivalence Partitioning</a:t>
             </a:r>
-            <a:endParaRPr lang="en-US" dirty="0"/>
           </a:p>
         </p:txBody>
       </p:sp>
@@ -5674,49 +5563,48 @@
           <a:lstStyle/>
           <a:p>
             <a:r>
-              <a:rPr lang="en-US" dirty="0" smtClean="0"/>
+              <a:rPr lang="en-US" dirty="0"/>
               <a:t>Possible arguments to your function typically fall into classes for which the program yields similar results.</a:t>
             </a:r>
           </a:p>
           <a:p>
             <a:r>
-              <a:rPr lang="en-US" dirty="0" smtClean="0"/>
+              <a:rPr lang="en-US" dirty="0"/>
               <a:t>Example: f2c had only 1 partition.</a:t>
             </a:r>
           </a:p>
           <a:p>
             <a:r>
-              <a:rPr lang="en-US" dirty="0" smtClean="0"/>
+              <a:rPr lang="en-US" dirty="0"/>
               <a:t>Example: ball-after-mouse depends on</a:t>
             </a:r>
           </a:p>
           <a:p>
             <a:pPr lvl="1"/>
             <a:r>
-              <a:rPr lang="en-US" dirty="0" smtClean="0"/>
+              <a:rPr lang="en-US" dirty="0"/>
               <a:t>Which mouse event we’re dealing with</a:t>
             </a:r>
           </a:p>
           <a:p>
             <a:pPr lvl="1"/>
             <a:r>
-              <a:rPr lang="en-US" dirty="0" smtClean="0"/>
+              <a:rPr lang="en-US" dirty="0"/>
               <a:t>Whether the mouse event is inside or outside the ball</a:t>
             </a:r>
           </a:p>
           <a:p>
             <a:pPr lvl="1"/>
             <a:r>
-              <a:rPr lang="en-US" dirty="0" smtClean="0"/>
+              <a:rPr lang="en-US" dirty="0"/>
               <a:t>Whether the ball is selected</a:t>
             </a:r>
           </a:p>
           <a:p>
             <a:r>
-              <a:rPr lang="en-US" dirty="0" smtClean="0"/>
+              <a:rPr lang="en-US" dirty="0"/>
               <a:t>So we need 3 x 2 x 2 = 12 tests to cover all these combinations.</a:t>
             </a:r>
-            <a:endParaRPr lang="en-US" dirty="0"/>
           </a:p>
         </p:txBody>
       </p:sp>
@@ -5754,13 +5642,6 @@
   <p:clrMapOvr>
     <a:masterClrMapping/>
   </p:clrMapOvr>
-  <p:timing>
-    <p:tnLst>
-      <p:par>
-        <p:cTn id="1" dur="indefinite" restart="never" nodeType="tmRoot"/>
-      </p:par>
-    </p:tnLst>
-  </p:timing>
 </p:sld>
 </file>
 
@@ -5797,10 +5678,9 @@
           <a:lstStyle/>
           <a:p>
             <a:r>
-              <a:rPr lang="en-US" dirty="0" smtClean="0"/>
+              <a:rPr lang="en-US" dirty="0"/>
               <a:t>Equivalence Partitioning</a:t>
             </a:r>
-            <a:endParaRPr lang="en-US" dirty="0"/>
           </a:p>
         </p:txBody>
       </p:sp>
@@ -6022,10 +5902,9 @@
           <a:lstStyle/>
           <a:p>
             <a:r>
-              <a:rPr lang="en-US" dirty="0" smtClean="0"/>
+              <a:rPr lang="en-US" dirty="0"/>
               <a:t>Regions of similar behavior</a:t>
             </a:r>
-            <a:endParaRPr lang="en-US" dirty="0"/>
           </a:p>
         </p:txBody>
       </p:sp>
@@ -6134,10 +6013,9 @@
           <a:lstStyle/>
           <a:p>
             <a:r>
-              <a:rPr lang="en-US" dirty="0" smtClean="0"/>
+              <a:rPr lang="en-US" dirty="0"/>
               <a:t>A</a:t>
             </a:r>
-            <a:endParaRPr lang="en-US" dirty="0"/>
           </a:p>
         </p:txBody>
       </p:sp>
@@ -6164,10 +6042,9 @@
           <a:lstStyle/>
           <a:p>
             <a:r>
-              <a:rPr lang="en-US" dirty="0" smtClean="0"/>
+              <a:rPr lang="en-US" dirty="0"/>
               <a:t>B</a:t>
             </a:r>
-            <a:endParaRPr lang="en-US" dirty="0"/>
           </a:p>
         </p:txBody>
       </p:sp>
@@ -6207,10 +6084,9 @@
           <a:lstStyle/>
           <a:p>
             <a:r>
-              <a:rPr lang="en-US" dirty="0" smtClean="0"/>
+              <a:rPr lang="en-US" dirty="0"/>
               <a:t>If the program works for input A, it will probably work for input B</a:t>
             </a:r>
-            <a:endParaRPr lang="en-US" dirty="0"/>
           </a:p>
         </p:txBody>
       </p:sp>
@@ -6224,13 +6100,6 @@
   <p:clrMapOvr>
     <a:masterClrMapping/>
   </p:clrMapOvr>
-  <p:timing>
-    <p:tnLst>
-      <p:par>
-        <p:cTn id="1" dur="indefinite" restart="never" nodeType="tmRoot"/>
-      </p:par>
-    </p:tnLst>
-  </p:timing>
 </p:sld>
 </file>
 
@@ -6267,10 +6136,9 @@
           <a:lstStyle/>
           <a:p>
             <a:r>
-              <a:rPr lang="en-US" dirty="0" smtClean="0"/>
+              <a:rPr lang="en-US" dirty="0"/>
               <a:t>Boundary Testing</a:t>
             </a:r>
-            <a:endParaRPr lang="en-US" dirty="0"/>
           </a:p>
         </p:txBody>
       </p:sp>
@@ -6458,42 +6326,42 @@
           </a:lstStyle>
           <a:p>
             <a:r>
-              <a:rPr lang="en-US" dirty="0" smtClean="0"/>
+              <a:rPr lang="en-US" dirty="0"/>
               <a:t>Want to make sure that the boundaries between these equivalence classes are in the right place.</a:t>
             </a:r>
           </a:p>
           <a:p>
             <a:r>
-              <a:rPr lang="en-US" dirty="0" smtClean="0"/>
+              <a:rPr lang="en-US" dirty="0"/>
               <a:t>Example: </a:t>
             </a:r>
             <a:r>
-              <a:rPr lang="en-US" dirty="0" err="1" smtClean="0"/>
+              <a:rPr lang="en-US" dirty="0" err="1"/>
               <a:t>int</a:t>
             </a:r>
             <a:r>
-              <a:rPr lang="en-US" dirty="0" smtClean="0"/>
+              <a:rPr lang="en-US" dirty="0"/>
               <a:t>-square-root</a:t>
             </a:r>
           </a:p>
           <a:p>
             <a:pPr lvl="1"/>
             <a:r>
-              <a:rPr lang="en-US" b="1" dirty="0" smtClean="0">
+              <a:rPr lang="en-US" b="1" dirty="0">
                 <a:latin typeface="Consolas" pitchFamily="49" charset="0"/>
                 <a:cs typeface="Consolas" pitchFamily="49" charset="0"/>
               </a:rPr>
               <a:t>(</a:t>
             </a:r>
             <a:r>
-              <a:rPr lang="en-US" b="1" dirty="0" err="1" smtClean="0">
+              <a:rPr lang="en-US" b="1" dirty="0" err="1">
                 <a:latin typeface="Consolas" pitchFamily="49" charset="0"/>
                 <a:cs typeface="Consolas" pitchFamily="49" charset="0"/>
               </a:rPr>
               <a:t>int</a:t>
             </a:r>
             <a:r>
-              <a:rPr lang="en-US" b="1" dirty="0" smtClean="0">
+              <a:rPr lang="en-US" b="1" dirty="0">
                 <a:latin typeface="Consolas" pitchFamily="49" charset="0"/>
                 <a:cs typeface="Consolas" pitchFamily="49" charset="0"/>
               </a:rPr>
@@ -6503,21 +6371,21 @@
           <a:p>
             <a:pPr lvl="1"/>
             <a:r>
-              <a:rPr lang="en-US" b="1" dirty="0" smtClean="0">
+              <a:rPr lang="en-US" b="1" dirty="0">
                 <a:latin typeface="Consolas" pitchFamily="49" charset="0"/>
                 <a:cs typeface="Consolas" pitchFamily="49" charset="0"/>
               </a:rPr>
               <a:t>(</a:t>
             </a:r>
             <a:r>
-              <a:rPr lang="en-US" b="1" dirty="0" err="1" smtClean="0">
+              <a:rPr lang="en-US" b="1" dirty="0" err="1">
                 <a:latin typeface="Consolas" pitchFamily="49" charset="0"/>
                 <a:cs typeface="Consolas" pitchFamily="49" charset="0"/>
               </a:rPr>
               <a:t>int</a:t>
             </a:r>
             <a:r>
-              <a:rPr lang="en-US" b="1" dirty="0" smtClean="0">
+              <a:rPr lang="en-US" b="1" dirty="0">
                 <a:latin typeface="Consolas" pitchFamily="49" charset="0"/>
                 <a:cs typeface="Consolas" pitchFamily="49" charset="0"/>
               </a:rPr>
@@ -6527,21 +6395,21 @@
           <a:p>
             <a:pPr lvl="1"/>
             <a:r>
-              <a:rPr lang="en-US" b="1" dirty="0" smtClean="0">
+              <a:rPr lang="en-US" b="1" dirty="0">
                 <a:latin typeface="Consolas" pitchFamily="49" charset="0"/>
                 <a:cs typeface="Consolas" pitchFamily="49" charset="0"/>
               </a:rPr>
               <a:t>(</a:t>
             </a:r>
             <a:r>
-              <a:rPr lang="en-US" b="1" dirty="0" err="1" smtClean="0">
+              <a:rPr lang="en-US" b="1" dirty="0" err="1">
                 <a:latin typeface="Consolas" pitchFamily="49" charset="0"/>
                 <a:cs typeface="Consolas" pitchFamily="49" charset="0"/>
               </a:rPr>
               <a:t>int</a:t>
             </a:r>
             <a:r>
-              <a:rPr lang="en-US" b="1" dirty="0" smtClean="0">
+              <a:rPr lang="en-US" b="1" dirty="0">
                 <a:latin typeface="Consolas" pitchFamily="49" charset="0"/>
                 <a:cs typeface="Consolas" pitchFamily="49" charset="0"/>
               </a:rPr>
@@ -6551,7 +6419,7 @@
           <a:p>
             <a:pPr lvl="1"/>
             <a:r>
-              <a:rPr lang="en-US" b="1" dirty="0" smtClean="0">
+              <a:rPr lang="en-US" b="1" dirty="0">
                 <a:latin typeface="Consolas" pitchFamily="49" charset="0"/>
                 <a:cs typeface="Consolas" pitchFamily="49" charset="0"/>
               </a:rPr>
@@ -6561,21 +6429,21 @@
           <a:p>
             <a:pPr lvl="1"/>
             <a:r>
-              <a:rPr lang="en-US" b="1" dirty="0" smtClean="0">
+              <a:rPr lang="en-US" b="1" dirty="0">
                 <a:latin typeface="Consolas" pitchFamily="49" charset="0"/>
                 <a:cs typeface="Consolas" pitchFamily="49" charset="0"/>
               </a:rPr>
               <a:t>(</a:t>
             </a:r>
             <a:r>
-              <a:rPr lang="en-US" b="1" dirty="0" err="1" smtClean="0">
+              <a:rPr lang="en-US" b="1" dirty="0" err="1">
                 <a:latin typeface="Consolas" pitchFamily="49" charset="0"/>
                 <a:cs typeface="Consolas" pitchFamily="49" charset="0"/>
               </a:rPr>
               <a:t>int</a:t>
             </a:r>
             <a:r>
-              <a:rPr lang="en-US" b="1" dirty="0" smtClean="0">
+              <a:rPr lang="en-US" b="1" dirty="0">
                 <a:latin typeface="Consolas" pitchFamily="49" charset="0"/>
                 <a:cs typeface="Consolas" pitchFamily="49" charset="0"/>
               </a:rPr>
@@ -6585,30 +6453,26 @@
           <a:p>
             <a:pPr lvl="1"/>
             <a:r>
-              <a:rPr lang="en-US" b="1" dirty="0" smtClean="0">
+              <a:rPr lang="en-US" b="1" dirty="0">
                 <a:latin typeface="Consolas" pitchFamily="49" charset="0"/>
                 <a:cs typeface="Consolas" pitchFamily="49" charset="0"/>
               </a:rPr>
               <a:t>(</a:t>
             </a:r>
             <a:r>
-              <a:rPr lang="en-US" b="1" dirty="0" err="1" smtClean="0">
+              <a:rPr lang="en-US" b="1" dirty="0" err="1">
                 <a:latin typeface="Consolas" pitchFamily="49" charset="0"/>
                 <a:cs typeface="Consolas" pitchFamily="49" charset="0"/>
               </a:rPr>
               <a:t>int</a:t>
             </a:r>
             <a:r>
-              <a:rPr lang="en-US" b="1" dirty="0" smtClean="0">
+              <a:rPr lang="en-US" b="1" dirty="0">
                 <a:latin typeface="Consolas" pitchFamily="49" charset="0"/>
                 <a:cs typeface="Consolas" pitchFamily="49" charset="0"/>
               </a:rPr>
               <a:t>-square-root 36) = 6</a:t>
             </a:r>
-            <a:endParaRPr lang="en-US" b="1" dirty="0">
-              <a:latin typeface="Consolas" pitchFamily="49" charset="0"/>
-              <a:cs typeface="Consolas" pitchFamily="49" charset="0"/>
-            </a:endParaRPr>
           </a:p>
         </p:txBody>
       </p:sp>
@@ -6661,10 +6525,9 @@
             <a:p>
               <a:pPr algn="ctr"/>
               <a:r>
-                <a:rPr lang="en-US" dirty="0" smtClean="0"/>
+                <a:rPr lang="en-US" dirty="0"/>
                 <a:t>boundary</a:t>
               </a:r>
-              <a:endParaRPr lang="en-US" dirty="0"/>
             </a:p>
           </p:txBody>
         </p:sp>
@@ -6756,10 +6619,9 @@
             <a:p>
               <a:pPr algn="ctr"/>
               <a:r>
-                <a:rPr lang="en-US" dirty="0" smtClean="0"/>
+                <a:rPr lang="en-US" dirty="0"/>
                 <a:t>boundary</a:t>
               </a:r>
-              <a:endParaRPr lang="en-US" dirty="0"/>
             </a:p>
           </p:txBody>
         </p:sp>
@@ -6812,13 +6674,6 @@
   <p:clrMapOvr>
     <a:masterClrMapping/>
   </p:clrMapOvr>
-  <p:timing>
-    <p:tnLst>
-      <p:par>
-        <p:cTn id="1" dur="indefinite" restart="never" nodeType="tmRoot"/>
-      </p:par>
-    </p:tnLst>
-  </p:timing>
 </p:sld>
 </file>
 
@@ -6855,10 +6710,9 @@
           <a:lstStyle/>
           <a:p>
             <a:r>
-              <a:rPr lang="en-US" dirty="0" smtClean="0"/>
+              <a:rPr lang="en-US" dirty="0"/>
               <a:t>Boundary Testing</a:t>
             </a:r>
-            <a:endParaRPr lang="en-US" dirty="0"/>
           </a:p>
         </p:txBody>
       </p:sp>
@@ -7080,10 +6934,9 @@
           <a:lstStyle/>
           <a:p>
             <a:r>
-              <a:rPr lang="en-US" dirty="0" smtClean="0"/>
+              <a:rPr lang="en-US" dirty="0"/>
               <a:t>Regions of similar behavior</a:t>
             </a:r>
-            <a:endParaRPr lang="en-US" dirty="0"/>
           </a:p>
         </p:txBody>
       </p:sp>
@@ -7425,13 +7278,6 @@
   <p:clrMapOvr>
     <a:masterClrMapping/>
   </p:clrMapOvr>
-  <p:timing>
-    <p:tnLst>
-      <p:par>
-        <p:cTn id="1" dur="indefinite" restart="never" nodeType="tmRoot"/>
-      </p:par>
-    </p:tnLst>
-  </p:timing>
 </p:sld>
 </file>
 
@@ -7470,10 +7316,9 @@
           <a:lstStyle/>
           <a:p>
             <a:r>
-              <a:rPr lang="en-US" dirty="0" smtClean="0"/>
+              <a:rPr lang="en-US" dirty="0"/>
               <a:t>Mechanics of Testing</a:t>
             </a:r>
-            <a:endParaRPr lang="en-US" dirty="0"/>
           </a:p>
         </p:txBody>
       </p:sp>
@@ -7495,28 +7340,24 @@
           <a:lstStyle/>
           <a:p>
             <a:r>
-              <a:rPr lang="en-US" dirty="0" smtClean="0"/>
+              <a:rPr lang="en-US" dirty="0"/>
               <a:t>We will give you a file called </a:t>
             </a:r>
             <a:r>
-              <a:rPr lang="en-US" b="1" dirty="0" err="1" smtClean="0">
+              <a:rPr lang="en-US" b="1" dirty="0" err="1">
                 <a:hlinkClick r:id="rId3" action="ppaction://hlinkfile"/>
               </a:rPr>
               <a:t>extras.rkt</a:t>
             </a:r>
             <a:r>
-              <a:rPr lang="en-US" dirty="0" smtClean="0"/>
+              <a:rPr lang="en-US" dirty="0"/>
               <a:t> that you should put in the folder with your work.</a:t>
             </a:r>
           </a:p>
           <a:p>
             <a:r>
-              <a:rPr lang="en-US" dirty="0" smtClean="0"/>
-              <a:t>Near </a:t>
-            </a:r>
-            <a:r>
-              <a:rPr lang="en-US" dirty="0"/>
-              <a:t>the top of your file, write</a:t>
+              <a:rPr lang="en-US" dirty="0"/>
+              <a:t>Near the top of your file, write</a:t>
             </a:r>
           </a:p>
           <a:p>
@@ -7554,33 +7395,22 @@
                 <a:latin typeface="Consolas" pitchFamily="49" charset="0"/>
                 <a:cs typeface="Consolas" pitchFamily="49" charset="0"/>
               </a:rPr>
-              <a:t>(require </a:t>
-            </a:r>
-            <a:r>
-              <a:rPr lang="en-US" sz="2400" b="1" dirty="0" smtClean="0">
+              <a:t>(require "</a:t>
+            </a:r>
+            <a:r>
+              <a:rPr lang="en-US" sz="2400" b="1" dirty="0" err="1">
                 <a:latin typeface="Consolas" pitchFamily="49" charset="0"/>
                 <a:cs typeface="Consolas" pitchFamily="49" charset="0"/>
               </a:rPr>
-              <a:t>"</a:t>
-            </a:r>
-            <a:r>
-              <a:rPr lang="en-US" sz="2400" b="1" dirty="0" err="1" smtClean="0">
+              <a:t>extras.rkt</a:t>
+            </a:r>
+            <a:r>
+              <a:rPr lang="en-US" sz="2400" b="1" dirty="0">
                 <a:latin typeface="Consolas" pitchFamily="49" charset="0"/>
                 <a:cs typeface="Consolas" pitchFamily="49" charset="0"/>
               </a:rPr>
-              <a:t>extras.rkt</a:t>
-            </a:r>
-            <a:r>
-              <a:rPr lang="en-US" sz="2400" b="1" dirty="0" smtClean="0">
-                <a:latin typeface="Consolas" pitchFamily="49" charset="0"/>
-                <a:cs typeface="Consolas" pitchFamily="49" charset="0"/>
-              </a:rPr>
               <a:t>")</a:t>
             </a:r>
-            <a:endParaRPr lang="en-US" sz="2400" b="1" dirty="0">
-              <a:latin typeface="Consolas" pitchFamily="49" charset="0"/>
-              <a:cs typeface="Consolas" pitchFamily="49" charset="0"/>
-            </a:endParaRPr>
           </a:p>
           <a:p>
             <a:pPr marL="0" indent="0">
@@ -7595,35 +7425,30 @@
           </a:p>
           <a:p>
             <a:r>
-              <a:rPr lang="en-US" dirty="0" smtClean="0"/>
-              <a:t>Tests </a:t>
-            </a:r>
-            <a:r>
-              <a:rPr lang="en-US" dirty="0"/>
-              <a:t>live in the file with the code </a:t>
-            </a:r>
-            <a:endParaRPr lang="en-US" dirty="0" smtClean="0"/>
-          </a:p>
-          <a:p>
-            <a:r>
-              <a:rPr lang="en-US" dirty="0" smtClean="0"/>
+              <a:rPr lang="en-US" dirty="0"/>
+              <a:t>Tests live in the file with the code </a:t>
+            </a:r>
+          </a:p>
+          <a:p>
+            <a:r>
+              <a:rPr lang="en-US" dirty="0"/>
               <a:t>That way they get run every time the code is loaded</a:t>
             </a:r>
           </a:p>
           <a:p>
             <a:pPr lvl="1"/>
             <a:r>
-              <a:rPr lang="en-US" dirty="0" smtClean="0"/>
+              <a:rPr lang="en-US" dirty="0"/>
               <a:t>This accomplishes regression testing.</a:t>
             </a:r>
           </a:p>
           <a:p>
             <a:r>
-              <a:rPr lang="en-US" dirty="0" smtClean="0"/>
+              <a:rPr lang="en-US" dirty="0"/>
               <a:t>Wrap your tests in </a:t>
             </a:r>
             <a:r>
-              <a:rPr lang="en-US" sz="2800" b="1" dirty="0" smtClean="0">
+              <a:rPr lang="en-US" sz="2800" b="1" dirty="0">
                 <a:latin typeface="Consolas" panose="020B0609020204030204" pitchFamily="49" charset="0"/>
                 <a:cs typeface="Consolas" panose="020B0609020204030204" pitchFamily="49" charset="0"/>
               </a:rPr>
@@ -7633,7 +7458,7 @@
           <a:p>
             <a:pPr lvl="1"/>
             <a:r>
-              <a:rPr lang="en-US" dirty="0" smtClean="0"/>
+              <a:rPr lang="en-US" dirty="0"/>
               <a:t>that way you can put the tests anywhere in your file, and they will be run at the end of the file</a:t>
             </a:r>
           </a:p>
@@ -7641,7 +7466,7 @@
             <a:pPr marL="0" indent="0">
               <a:buNone/>
             </a:pPr>
-            <a:endParaRPr lang="en-US" sz="2400" b="1" dirty="0" smtClean="0">
+            <a:endParaRPr lang="en-US" sz="2400" b="1" dirty="0">
               <a:latin typeface="Consolas" pitchFamily="49" charset="0"/>
               <a:cs typeface="Consolas" pitchFamily="49" charset="0"/>
             </a:endParaRPr>
@@ -7682,13 +7507,6 @@
   <p:clrMapOvr>
     <a:masterClrMapping/>
   </p:clrMapOvr>
-  <p:timing>
-    <p:tnLst>
-      <p:par>
-        <p:cTn id="1" dur="indefinite" restart="never" nodeType="tmRoot"/>
-      </p:par>
-    </p:tnLst>
-  </p:timing>
 </p:sld>
 </file>
 
@@ -7725,10 +7543,9 @@
           <a:lstStyle/>
           <a:p>
             <a:r>
-              <a:rPr lang="en-US" dirty="0" smtClean="0"/>
+              <a:rPr lang="en-US" dirty="0"/>
               <a:t>Choosing test cases</a:t>
             </a:r>
-            <a:endParaRPr lang="en-US" dirty="0"/>
           </a:p>
         </p:txBody>
       </p:sp>
@@ -7748,36 +7565,20 @@
           <a:lstStyle/>
           <a:p>
             <a:r>
-              <a:rPr lang="en-US" dirty="0" smtClean="0"/>
+              <a:rPr lang="en-US" dirty="0"/>
               <a:t>We’ll concentrate on the equivalence partitioning.</a:t>
             </a:r>
           </a:p>
           <a:p>
             <a:r>
               <a:rPr lang="en-US" dirty="0"/>
-              <a:t>The first step in choosing test cases is to divide your program into equivalence partitions</a:t>
-            </a:r>
-            <a:r>
-              <a:rPr lang="en-US" dirty="0" smtClean="0"/>
-              <a:t>.</a:t>
-            </a:r>
-          </a:p>
-          <a:p>
-            <a:r>
-              <a:rPr lang="en-US" dirty="0" smtClean="0"/>
-              <a:t>Then </a:t>
-            </a:r>
-            <a:r>
-              <a:rPr lang="en-US" dirty="0"/>
-              <a:t>give </a:t>
-            </a:r>
-            <a:r>
-              <a:rPr lang="en-US" dirty="0" smtClean="0"/>
-              <a:t>mnemonic names </a:t>
-            </a:r>
-            <a:r>
-              <a:rPr lang="en-US" dirty="0"/>
-              <a:t>to the input and output values in each partition.  You can put these definitions with your data definitions, so you can use the names in your examples.</a:t>
+              <a:t>The first step in choosing test cases is to divide your program into equivalence partitions.</a:t>
+            </a:r>
+          </a:p>
+          <a:p>
+            <a:r>
+              <a:rPr lang="en-US" dirty="0"/>
+              <a:t>Then give mnemonic names to the input and output values in each partition.  You can put these definitions with your data definitions, so you can use the names in your examples.</a:t>
             </a:r>
           </a:p>
         </p:txBody>
@@ -7816,13 +7617,6 @@
   <p:clrMapOvr>
     <a:masterClrMapping/>
   </p:clrMapOvr>
-  <p:timing>
-    <p:tnLst>
-      <p:par>
-        <p:cTn id="1" dur="indefinite" restart="never" nodeType="tmRoot"/>
-      </p:par>
-    </p:tnLst>
-  </p:timing>
 </p:sld>
 </file>
 
@@ -7859,10 +7653,9 @@
           <a:lstStyle/>
           <a:p>
             <a:r>
-              <a:rPr lang="en-US" dirty="0" smtClean="0"/>
+              <a:rPr lang="en-US" dirty="0"/>
               <a:t>Testing ball-after-mouse</a:t>
             </a:r>
-            <a:endParaRPr lang="en-US" dirty="0"/>
           </a:p>
         </p:txBody>
       </p:sp>
@@ -7888,16 +7681,8 @@
           </a:p>
           <a:p>
             <a:r>
-              <a:rPr lang="en-US" dirty="0" smtClean="0"/>
-              <a:t>So we create two </a:t>
-            </a:r>
-            <a:r>
-              <a:rPr lang="en-US" dirty="0"/>
-              <a:t>balls at position (20,30), with radius 10, one unselected and one </a:t>
-            </a:r>
-            <a:r>
-              <a:rPr lang="en-US" dirty="0" smtClean="0"/>
-              <a:t>selected, and define two points, one inside the ball and one outside.</a:t>
+              <a:rPr lang="en-US" dirty="0"/>
+              <a:t>So we create two balls at position (20,30), with radius 10, one unselected and one selected, and define two points, one inside the ball and one outside.</a:t>
             </a:r>
           </a:p>
           <a:p>
@@ -7942,13 +7727,6 @@
   <p:clrMapOvr>
     <a:masterClrMapping/>
   </p:clrMapOvr>
-  <p:timing>
-    <p:tnLst>
-      <p:par>
-        <p:cTn id="1" dur="indefinite" restart="never" nodeType="tmRoot"/>
-      </p:par>
-    </p:tnLst>
-  </p:timing>
 </p:sld>
 </file>
 
@@ -7985,10 +7763,9 @@
           <a:lstStyle/>
           <a:p>
             <a:r>
-              <a:rPr lang="en-US" dirty="0" smtClean="0"/>
+              <a:rPr lang="en-US" dirty="0"/>
               <a:t>Example (1)</a:t>
             </a:r>
-            <a:endParaRPr lang="en-US" dirty="0"/>
           </a:p>
         </p:txBody>
       </p:sp>
@@ -8013,30 +7790,11 @@
               <a:buNone/>
             </a:pPr>
             <a:r>
-              <a:rPr lang="en-US" sz="1800" b="1" dirty="0" smtClean="0">
-                <a:latin typeface="Consolas" pitchFamily="49" charset="0"/>
-                <a:cs typeface="Consolas" pitchFamily="49" charset="0"/>
-              </a:rPr>
-              <a:t>;; two balls at (20,30), one unselected and one selected</a:t>
-            </a:r>
-          </a:p>
-          <a:p>
-            <a:pPr marL="0" indent="0">
-              <a:buNone/>
-            </a:pPr>
-            <a:r>
-              <a:rPr lang="en-US" sz="1800" b="1" dirty="0" smtClean="0">
-                <a:latin typeface="Consolas" pitchFamily="49" charset="0"/>
-                <a:cs typeface="Consolas" pitchFamily="49" charset="0"/>
-              </a:rPr>
-              <a:t>(</a:t>
-            </a:r>
-            <a:r>
               <a:rPr lang="en-US" sz="1800" b="1" dirty="0">
                 <a:latin typeface="Consolas" pitchFamily="49" charset="0"/>
                 <a:cs typeface="Consolas" pitchFamily="49" charset="0"/>
               </a:rPr>
-              <a:t>define ball-unselected (make-ball 20 30 10 false))</a:t>
+              <a:t>;; two balls at (20,30), one unselected and one selected</a:t>
             </a:r>
           </a:p>
           <a:p>
@@ -8048,15 +7806,25 @@
                 <a:latin typeface="Consolas" pitchFamily="49" charset="0"/>
                 <a:cs typeface="Consolas" pitchFamily="49" charset="0"/>
               </a:rPr>
-              <a:t>(define ball-selected   (make-ball 20 30 10 true</a:t>
-            </a:r>
-            <a:r>
-              <a:rPr lang="en-US" sz="1800" b="1" dirty="0" smtClean="0">
+              <a:t>(define ball-unselected (make-ball 20 30 10 false))</a:t>
+            </a:r>
+          </a:p>
+          <a:p>
+            <a:pPr marL="0" indent="0">
+              <a:buNone/>
+            </a:pPr>
+            <a:r>
+              <a:rPr lang="en-US" sz="1800" b="1" dirty="0">
                 <a:latin typeface="Consolas" pitchFamily="49" charset="0"/>
                 <a:cs typeface="Consolas" pitchFamily="49" charset="0"/>
               </a:rPr>
-              <a:t>))</a:t>
-            </a:r>
+              <a:t>(define ball-selected   (make-ball 20 30 10 true))</a:t>
+            </a:r>
+          </a:p>
+          <a:p>
+            <a:pPr marL="0" indent="0">
+              <a:buNone/>
+            </a:pPr>
             <a:endParaRPr lang="en-US" sz="1800" b="1" dirty="0">
               <a:latin typeface="Consolas" pitchFamily="49" charset="0"/>
               <a:cs typeface="Consolas" pitchFamily="49" charset="0"/>
@@ -8066,22 +7834,42 @@
             <a:pPr marL="0" indent="0">
               <a:buNone/>
             </a:pPr>
-            <a:endParaRPr lang="en-US" sz="1800" b="1" dirty="0" smtClean="0">
-              <a:latin typeface="Consolas" pitchFamily="49" charset="0"/>
-              <a:cs typeface="Consolas" pitchFamily="49" charset="0"/>
-            </a:endParaRPr>
-          </a:p>
-          <a:p>
-            <a:pPr marL="0" indent="0">
-              <a:buNone/>
-            </a:pPr>
-            <a:r>
-              <a:rPr lang="en-US" sz="1800" b="1" dirty="0" smtClean="0">
+            <a:r>
+              <a:rPr lang="en-US" sz="1800" b="1" dirty="0">
                 <a:latin typeface="Consolas" pitchFamily="49" charset="0"/>
                 <a:cs typeface="Consolas" pitchFamily="49" charset="0"/>
               </a:rPr>
               <a:t>;; (22,28) is inside the ball at (20,30)</a:t>
             </a:r>
+          </a:p>
+          <a:p>
+            <a:pPr marL="0" indent="0">
+              <a:buNone/>
+            </a:pPr>
+            <a:r>
+              <a:rPr lang="en-US" sz="1800" b="1" dirty="0">
+                <a:latin typeface="Consolas" pitchFamily="49" charset="0"/>
+                <a:cs typeface="Consolas" pitchFamily="49" charset="0"/>
+              </a:rPr>
+              <a:t>(define point-inside-x 22)</a:t>
+            </a:r>
+          </a:p>
+          <a:p>
+            <a:pPr marL="0" indent="0">
+              <a:buNone/>
+            </a:pPr>
+            <a:r>
+              <a:rPr lang="en-US" sz="1800" b="1" dirty="0">
+                <a:latin typeface="Consolas" pitchFamily="49" charset="0"/>
+                <a:cs typeface="Consolas" pitchFamily="49" charset="0"/>
+              </a:rPr>
+              <a:t>(define point-inside-y 28)</a:t>
+            </a:r>
+          </a:p>
+          <a:p>
+            <a:pPr marL="0" indent="0">
+              <a:buNone/>
+            </a:pPr>
             <a:endParaRPr lang="en-US" sz="1800" b="1" dirty="0">
               <a:latin typeface="Consolas" pitchFamily="49" charset="0"/>
               <a:cs typeface="Consolas" pitchFamily="49" charset="0"/>
@@ -8096,56 +7884,8 @@
                 <a:latin typeface="Consolas" pitchFamily="49" charset="0"/>
                 <a:cs typeface="Consolas" pitchFamily="49" charset="0"/>
               </a:rPr>
-              <a:t>(define point-inside-x 22</a:t>
-            </a:r>
-            <a:r>
-              <a:rPr lang="en-US" sz="1800" b="1" dirty="0" smtClean="0">
-                <a:latin typeface="Consolas" pitchFamily="49" charset="0"/>
-                <a:cs typeface="Consolas" pitchFamily="49" charset="0"/>
-              </a:rPr>
-              <a:t>)</a:t>
-            </a:r>
-            <a:endParaRPr lang="en-US" sz="1800" b="1" dirty="0">
-              <a:latin typeface="Consolas" pitchFamily="49" charset="0"/>
-              <a:cs typeface="Consolas" pitchFamily="49" charset="0"/>
-            </a:endParaRPr>
-          </a:p>
-          <a:p>
-            <a:pPr marL="0" indent="0">
-              <a:buNone/>
-            </a:pPr>
-            <a:r>
-              <a:rPr lang="en-US" sz="1800" b="1" dirty="0">
-                <a:latin typeface="Consolas" pitchFamily="49" charset="0"/>
-                <a:cs typeface="Consolas" pitchFamily="49" charset="0"/>
-              </a:rPr>
-              <a:t>(define point-inside-y 28)</a:t>
-            </a:r>
-          </a:p>
-          <a:p>
-            <a:pPr marL="0" indent="0">
-              <a:buNone/>
-            </a:pPr>
-            <a:endParaRPr lang="en-US" sz="1800" b="1" dirty="0" smtClean="0">
-              <a:latin typeface="Consolas" pitchFamily="49" charset="0"/>
-              <a:cs typeface="Consolas" pitchFamily="49" charset="0"/>
-            </a:endParaRPr>
-          </a:p>
-          <a:p>
-            <a:pPr marL="0" indent="0">
-              <a:buNone/>
-            </a:pPr>
-            <a:r>
-              <a:rPr lang="en-US" sz="1800" b="1" dirty="0" smtClean="0">
-                <a:latin typeface="Consolas" pitchFamily="49" charset="0"/>
-                <a:cs typeface="Consolas" pitchFamily="49" charset="0"/>
-              </a:rPr>
               <a:t>;; (31,19) is outside the ball at (20,30)</a:t>
             </a:r>
-            <a:endParaRPr lang="en-US" sz="1800" b="1" dirty="0">
-              <a:latin typeface="Consolas" pitchFamily="49" charset="0"/>
-              <a:cs typeface="Consolas" pitchFamily="49" charset="0"/>
-            </a:endParaRPr>
           </a:p>
           <a:p>
             <a:pPr marL="0" indent="0">
@@ -8252,7 +7992,7 @@
           <a:lstStyle/>
           <a:p>
             <a:r>
-              <a:rPr lang="en-US" dirty="0" smtClean="0">
+              <a:rPr lang="en-US" dirty="0">
                 <a:solidFill>
                   <a:schemeClr val="tx1"/>
                 </a:solidFill>
@@ -8260,7 +8000,7 @@
               <a:t>The names of these values must be descriptive.  Calling them </a:t>
             </a:r>
             <a:r>
-              <a:rPr lang="en-US" b="1" dirty="0" smtClean="0">
+              <a:rPr lang="en-US" b="1" dirty="0">
                 <a:solidFill>
                   <a:schemeClr val="tx1"/>
                 </a:solidFill>
@@ -8268,7 +8008,7 @@
               <a:t>ball-1</a:t>
             </a:r>
             <a:r>
-              <a:rPr lang="en-US" dirty="0" smtClean="0">
+              <a:rPr lang="en-US" dirty="0">
                 <a:solidFill>
                   <a:schemeClr val="tx1"/>
                 </a:solidFill>
@@ -8276,7 +8016,7 @@
               <a:t> and </a:t>
             </a:r>
             <a:r>
-              <a:rPr lang="en-US" b="1" dirty="0" smtClean="0">
+              <a:rPr lang="en-US" b="1" dirty="0">
                 <a:solidFill>
                   <a:schemeClr val="tx1"/>
                 </a:solidFill>
@@ -8284,18 +8024,13 @@
               <a:t>ball-2</a:t>
             </a:r>
             <a:r>
-              <a:rPr lang="en-US" dirty="0" smtClean="0">
+              <a:rPr lang="en-US" dirty="0">
                 <a:solidFill>
                   <a:schemeClr val="tx1"/>
                 </a:solidFill>
               </a:rPr>
               <a:t> is not acceptable.</a:t>
             </a:r>
-            <a:endParaRPr lang="en-US" dirty="0">
-              <a:solidFill>
-                <a:schemeClr val="tx1"/>
-              </a:solidFill>
-            </a:endParaRPr>
           </a:p>
         </p:txBody>
       </p:sp>
@@ -8309,13 +8044,6 @@
   <p:clrMapOvr>
     <a:masterClrMapping/>
   </p:clrMapOvr>
-  <p:timing>
-    <p:tnLst>
-      <p:par>
-        <p:cTn id="1" dur="indefinite" restart="never" nodeType="tmRoot"/>
-      </p:par>
-    </p:tnLst>
-  </p:timing>
 </p:sld>
 </file>
 
@@ -8352,10 +8080,9 @@
           <a:lstStyle/>
           <a:p>
             <a:r>
-              <a:rPr lang="en-US" dirty="0" smtClean="0"/>
+              <a:rPr lang="en-US" dirty="0"/>
               <a:t>Example (2)</a:t>
             </a:r>
-            <a:endParaRPr lang="en-US" dirty="0"/>
           </a:p>
         </p:txBody>
       </p:sp>
@@ -8380,7 +8107,7 @@
               <a:buNone/>
             </a:pPr>
             <a:r>
-              <a:rPr lang="en-US" sz="1800" b="1" dirty="0" smtClean="0">
+              <a:rPr lang="en-US" sz="1800" b="1" dirty="0">
                 <a:latin typeface="Consolas" pitchFamily="49" charset="0"/>
                 <a:cs typeface="Consolas" pitchFamily="49" charset="0"/>
               </a:rPr>
@@ -8392,7 +8119,7 @@
               <a:buNone/>
             </a:pPr>
             <a:r>
-              <a:rPr lang="en-US" sz="1800" b="1" dirty="0" smtClean="0">
+              <a:rPr lang="en-US" sz="1800" b="1" dirty="0">
                 <a:latin typeface="Consolas" pitchFamily="49" charset="0"/>
                 <a:cs typeface="Consolas" pitchFamily="49" charset="0"/>
               </a:rPr>
@@ -8403,7 +8130,7 @@
             <a:pPr marL="0" indent="0">
               <a:buNone/>
             </a:pPr>
-            <a:endParaRPr lang="en-US" sz="1800" b="1" dirty="0" smtClean="0">
+            <a:endParaRPr lang="en-US" sz="1800" b="1" dirty="0">
               <a:latin typeface="Consolas" pitchFamily="49" charset="0"/>
               <a:cs typeface="Consolas" pitchFamily="49" charset="0"/>
             </a:endParaRPr>
@@ -8413,7 +8140,7 @@
               <a:buNone/>
             </a:pPr>
             <a:r>
-              <a:rPr lang="en-US" sz="1800" b="1" dirty="0" smtClean="0">
+              <a:rPr lang="en-US" sz="1800" b="1" dirty="0">
                 <a:latin typeface="Consolas" pitchFamily="49" charset="0"/>
                 <a:cs typeface="Consolas" pitchFamily="49" charset="0"/>
               </a:rPr>
@@ -8425,7 +8152,7 @@
               <a:buNone/>
             </a:pPr>
             <a:r>
-              <a:rPr lang="en-US" sz="1800" b="1" dirty="0" smtClean="0">
+              <a:rPr lang="en-US" sz="1800" b="1" dirty="0">
                 <a:latin typeface="Consolas" pitchFamily="49" charset="0"/>
                 <a:cs typeface="Consolas" pitchFamily="49" charset="0"/>
               </a:rPr>
@@ -8436,7 +8163,7 @@
             <a:pPr marL="0" indent="0">
               <a:buNone/>
             </a:pPr>
-            <a:endParaRPr lang="en-US" sz="1800" b="1" dirty="0" smtClean="0">
+            <a:endParaRPr lang="en-US" sz="1800" b="1" dirty="0">
               <a:latin typeface="Consolas" pitchFamily="49" charset="0"/>
               <a:cs typeface="Consolas" pitchFamily="49" charset="0"/>
             </a:endParaRPr>
@@ -8446,18 +8173,11 @@
               <a:buNone/>
             </a:pPr>
             <a:r>
-              <a:rPr lang="en-US" sz="1800" b="1" dirty="0" smtClean="0">
-                <a:latin typeface="Consolas" pitchFamily="49" charset="0"/>
-                <a:cs typeface="Consolas" pitchFamily="49" charset="0"/>
-              </a:rPr>
-              <a:t>(</a:t>
-            </a:r>
-            <a:r>
               <a:rPr lang="en-US" sz="1800" b="1" dirty="0">
                 <a:latin typeface="Consolas" pitchFamily="49" charset="0"/>
                 <a:cs typeface="Consolas" pitchFamily="49" charset="0"/>
               </a:rPr>
-              <a:t>define ball-moved-to-point-inside </a:t>
+              <a:t>(define ball-moved-to-point-inside </a:t>
             </a:r>
           </a:p>
           <a:p>
@@ -8541,13 +8261,6 @@
   <p:clrMapOvr>
     <a:masterClrMapping/>
   </p:clrMapOvr>
-  <p:timing>
-    <p:tnLst>
-      <p:par>
-        <p:cTn id="1" dur="indefinite" restart="never" nodeType="tmRoot"/>
-      </p:par>
-    </p:tnLst>
-  </p:timing>
 </p:sld>
 </file>
 
@@ -8584,10 +8297,9 @@
           <a:lstStyle/>
           <a:p>
             <a:r>
-              <a:rPr lang="en-US" dirty="0" smtClean="0"/>
+              <a:rPr lang="en-US" dirty="0"/>
               <a:t>Example</a:t>
             </a:r>
-            <a:endParaRPr lang="en-US" dirty="0"/>
           </a:p>
         </p:txBody>
       </p:sp>
@@ -8620,18 +8332,11 @@
               <a:buNone/>
             </a:pPr>
             <a:r>
-              <a:rPr lang="en-US" sz="1400" b="1" dirty="0" smtClean="0">
-                <a:latin typeface="Consolas" pitchFamily="49" charset="0"/>
-                <a:cs typeface="Consolas" pitchFamily="49" charset="0"/>
-              </a:rPr>
-              <a:t>(</a:t>
-            </a:r>
-            <a:r>
               <a:rPr lang="en-US" sz="1400" b="1" dirty="0">
                 <a:latin typeface="Consolas" pitchFamily="49" charset="0"/>
                 <a:cs typeface="Consolas" pitchFamily="49" charset="0"/>
               </a:rPr>
-              <a:t>check-equal?</a:t>
+              <a:t>(check-equal?</a:t>
             </a:r>
           </a:p>
           <a:p>
@@ -8646,72 +8351,8 @@
                 <a:latin typeface="Consolas" pitchFamily="49" charset="0"/>
                 <a:cs typeface="Consolas" pitchFamily="49" charset="0"/>
               </a:rPr>
-              <a:t>  </a:t>
-            </a:r>
-            <a:r>
-              <a:rPr lang="en-US" sz="1400" b="1" dirty="0" smtClean="0">
-                <a:latin typeface="Consolas" pitchFamily="49" charset="0"/>
-                <a:cs typeface="Consolas" pitchFamily="49" charset="0"/>
-              </a:rPr>
-              <a:t>(ball-after-mouse </a:t>
-            </a:r>
-            <a:r>
-              <a:rPr lang="en-US" sz="1400" b="1" dirty="0" smtClean="0">
-                <a:solidFill>
-                  <a:srgbClr val="FF0000"/>
-                </a:solidFill>
-                <a:latin typeface="Consolas" pitchFamily="49" charset="0"/>
-                <a:cs typeface="Consolas" pitchFamily="49" charset="0"/>
-              </a:rPr>
-              <a:t>ball-unselected </a:t>
-            </a:r>
-            <a:r>
-              <a:rPr lang="en-US" sz="1400" b="1" dirty="0" smtClean="0">
-                <a:latin typeface="Consolas" pitchFamily="49" charset="0"/>
-                <a:cs typeface="Consolas" pitchFamily="49" charset="0"/>
-              </a:rPr>
-              <a:t>point-inside-x point-inside-y "button-down</a:t>
-            </a:r>
-            <a:r>
-              <a:rPr lang="en-US" sz="1400" b="1" dirty="0">
-                <a:latin typeface="Consolas" pitchFamily="49" charset="0"/>
-                <a:cs typeface="Consolas" pitchFamily="49" charset="0"/>
-              </a:rPr>
-              <a:t>")</a:t>
-            </a:r>
-          </a:p>
-          <a:p>
-            <a:pPr marL="0" indent="0">
-              <a:spcBef>
-                <a:spcPts val="0"/>
-              </a:spcBef>
-              <a:buNone/>
-            </a:pPr>
-            <a:r>
-              <a:rPr lang="en-US" sz="1400" b="1" dirty="0">
-                <a:latin typeface="Consolas" pitchFamily="49" charset="0"/>
-                <a:cs typeface="Consolas" pitchFamily="49" charset="0"/>
-              </a:rPr>
-              <a:t>  </a:t>
-            </a:r>
-            <a:r>
-              <a:rPr lang="en-US" sz="1400" b="1" dirty="0" smtClean="0">
-                <a:solidFill>
-                  <a:srgbClr val="FF0000"/>
-                </a:solidFill>
-                <a:latin typeface="Consolas" pitchFamily="49" charset="0"/>
-                <a:cs typeface="Consolas" pitchFamily="49" charset="0"/>
-              </a:rPr>
-              <a:t>ball-selected</a:t>
-            </a:r>
-          </a:p>
-          <a:p>
-            <a:pPr marL="0" indent="0">
-              <a:spcBef>
-                <a:spcPts val="0"/>
-              </a:spcBef>
-              <a:buNone/>
-            </a:pPr>
+              <a:t>  (ball-after-mouse </a:t>
+            </a:r>
             <a:r>
               <a:rPr lang="en-US" sz="1400" b="1" dirty="0">
                 <a:solidFill>
@@ -8720,24 +8361,14 @@
                 <a:latin typeface="Consolas" pitchFamily="49" charset="0"/>
                 <a:cs typeface="Consolas" pitchFamily="49" charset="0"/>
               </a:rPr>
-              <a:t> </a:t>
-            </a:r>
-            <a:r>
-              <a:rPr lang="en-US" sz="1400" b="1" dirty="0" smtClean="0">
-                <a:solidFill>
-                  <a:srgbClr val="FF0000"/>
-                </a:solidFill>
+              <a:t>ball-unselected </a:t>
+            </a:r>
+            <a:r>
+              <a:rPr lang="en-US" sz="1400" b="1" dirty="0">
                 <a:latin typeface="Consolas" pitchFamily="49" charset="0"/>
                 <a:cs typeface="Consolas" pitchFamily="49" charset="0"/>
               </a:rPr>
-              <a:t> </a:t>
-            </a:r>
-            <a:r>
-              <a:rPr lang="en-US" sz="1400" b="1" dirty="0" smtClean="0">
-                <a:latin typeface="Consolas" pitchFamily="49" charset="0"/>
-                <a:cs typeface="Consolas" pitchFamily="49" charset="0"/>
-              </a:rPr>
-              <a:t>"button-down inside the ball failed to select it")</a:t>
+              <a:t>point-inside-x point-inside-y "button-down")</a:t>
             </a:r>
           </a:p>
           <a:p>
@@ -8747,111 +8378,13 @@
               </a:spcBef>
               <a:buNone/>
             </a:pPr>
-            <a:endParaRPr lang="en-US" sz="1400" b="1" dirty="0" smtClean="0">
-              <a:latin typeface="Consolas" pitchFamily="49" charset="0"/>
-              <a:cs typeface="Consolas" pitchFamily="49" charset="0"/>
-            </a:endParaRPr>
-          </a:p>
-          <a:p>
-            <a:pPr marL="0" indent="0">
-              <a:spcBef>
-                <a:spcPts val="0"/>
-              </a:spcBef>
-              <a:buNone/>
-            </a:pPr>
-            <a:r>
-              <a:rPr lang="en-US" sz="1400" b="1" dirty="0" smtClean="0">
-                <a:latin typeface="Consolas" pitchFamily="49" charset="0"/>
-                <a:cs typeface="Consolas" pitchFamily="49" charset="0"/>
-              </a:rPr>
-              <a:t>(</a:t>
-            </a:r>
             <a:r>
               <a:rPr lang="en-US" sz="1400" b="1" dirty="0">
                 <a:latin typeface="Consolas" pitchFamily="49" charset="0"/>
                 <a:cs typeface="Consolas" pitchFamily="49" charset="0"/>
               </a:rPr>
-              <a:t>check-equal?</a:t>
-            </a:r>
-          </a:p>
-          <a:p>
-            <a:pPr marL="0" indent="0">
-              <a:spcBef>
-                <a:spcPts val="0"/>
-              </a:spcBef>
-              <a:buNone/>
-            </a:pPr>
-            <a:r>
-              <a:rPr lang="en-US" sz="1400" b="1" dirty="0">
-                <a:latin typeface="Consolas" pitchFamily="49" charset="0"/>
-                <a:cs typeface="Consolas" pitchFamily="49" charset="0"/>
-              </a:rPr>
               <a:t>  </a:t>
             </a:r>
-            <a:r>
-              <a:rPr lang="en-US" sz="1400" b="1" dirty="0" smtClean="0">
-                <a:latin typeface="Consolas" pitchFamily="49" charset="0"/>
-                <a:cs typeface="Consolas" pitchFamily="49" charset="0"/>
-              </a:rPr>
-              <a:t>(ball-after-mouse </a:t>
-            </a:r>
-            <a:r>
-              <a:rPr lang="en-US" sz="1400" b="1" dirty="0" smtClean="0">
-                <a:solidFill>
-                  <a:srgbClr val="FF0000"/>
-                </a:solidFill>
-                <a:latin typeface="Consolas" pitchFamily="49" charset="0"/>
-                <a:cs typeface="Consolas" pitchFamily="49" charset="0"/>
-              </a:rPr>
-              <a:t>ball-unselected</a:t>
-            </a:r>
-            <a:r>
-              <a:rPr lang="en-US" sz="1400" b="1" dirty="0" smtClean="0">
-                <a:latin typeface="Consolas" pitchFamily="49" charset="0"/>
-                <a:cs typeface="Consolas" pitchFamily="49" charset="0"/>
-              </a:rPr>
-              <a:t> point-outside-x point-outside-y "</a:t>
-            </a:r>
-            <a:r>
-              <a:rPr lang="en-US" sz="1400" b="1" dirty="0">
-                <a:latin typeface="Consolas" pitchFamily="49" charset="0"/>
-                <a:cs typeface="Consolas" pitchFamily="49" charset="0"/>
-              </a:rPr>
-              <a:t>button-down")</a:t>
-            </a:r>
-          </a:p>
-          <a:p>
-            <a:pPr marL="0" indent="0">
-              <a:spcBef>
-                <a:spcPts val="0"/>
-              </a:spcBef>
-              <a:buNone/>
-            </a:pPr>
-            <a:r>
-              <a:rPr lang="en-US" sz="1400" b="1" dirty="0">
-                <a:latin typeface="Consolas" pitchFamily="49" charset="0"/>
-                <a:cs typeface="Consolas" pitchFamily="49" charset="0"/>
-              </a:rPr>
-              <a:t>  </a:t>
-            </a:r>
-            <a:r>
-              <a:rPr lang="en-US" sz="1400" b="1" dirty="0" smtClean="0">
-                <a:solidFill>
-                  <a:srgbClr val="FF0000"/>
-                </a:solidFill>
-                <a:latin typeface="Consolas" pitchFamily="49" charset="0"/>
-                <a:cs typeface="Consolas" pitchFamily="49" charset="0"/>
-              </a:rPr>
-              <a:t>ball-unselected</a:t>
-            </a:r>
-          </a:p>
-          <a:p>
-            <a:pPr marL="0" indent="0">
-              <a:spcBef>
-                <a:spcPts val="0"/>
-              </a:spcBef>
-              <a:buNone/>
-            </a:pPr>
             <a:r>
               <a:rPr lang="en-US" sz="1400" b="1" dirty="0">
                 <a:solidFill>
@@ -8860,29 +8393,142 @@
                 <a:latin typeface="Consolas" pitchFamily="49" charset="0"/>
                 <a:cs typeface="Consolas" pitchFamily="49" charset="0"/>
               </a:rPr>
-              <a:t> </a:t>
-            </a:r>
-            <a:r>
-              <a:rPr lang="en-US" sz="1400" b="1" dirty="0" smtClean="0">
+              <a:t>ball-selected</a:t>
+            </a:r>
+          </a:p>
+          <a:p>
+            <a:pPr marL="0" indent="0">
+              <a:spcBef>
+                <a:spcPts val="0"/>
+              </a:spcBef>
+              <a:buNone/>
+            </a:pPr>
+            <a:r>
+              <a:rPr lang="en-US" sz="1400" b="1" dirty="0">
                 <a:solidFill>
                   <a:srgbClr val="FF0000"/>
                 </a:solidFill>
                 <a:latin typeface="Consolas" pitchFamily="49" charset="0"/>
                 <a:cs typeface="Consolas" pitchFamily="49" charset="0"/>
               </a:rPr>
-              <a:t> </a:t>
-            </a:r>
-            <a:r>
-              <a:rPr lang="en-US" sz="1400" b="1" dirty="0" smtClean="0">
+              <a:t>  </a:t>
+            </a:r>
+            <a:r>
+              <a:rPr lang="en-US" sz="1400" b="1" dirty="0">
                 <a:latin typeface="Consolas" pitchFamily="49" charset="0"/>
                 <a:cs typeface="Consolas" pitchFamily="49" charset="0"/>
               </a:rPr>
-              <a:t>"button-down outside the ball did not leave it unchanged")</a:t>
-            </a:r>
+              <a:t>"button-down inside the ball failed to select it")</a:t>
+            </a:r>
+          </a:p>
+          <a:p>
+            <a:pPr marL="0" indent="0">
+              <a:spcBef>
+                <a:spcPts val="0"/>
+              </a:spcBef>
+              <a:buNone/>
+            </a:pPr>
             <a:endParaRPr lang="en-US" sz="1400" b="1" dirty="0">
               <a:latin typeface="Consolas" pitchFamily="49" charset="0"/>
               <a:cs typeface="Consolas" pitchFamily="49" charset="0"/>
             </a:endParaRPr>
+          </a:p>
+          <a:p>
+            <a:pPr marL="0" indent="0">
+              <a:spcBef>
+                <a:spcPts val="0"/>
+              </a:spcBef>
+              <a:buNone/>
+            </a:pPr>
+            <a:r>
+              <a:rPr lang="en-US" sz="1400" b="1" dirty="0">
+                <a:latin typeface="Consolas" pitchFamily="49" charset="0"/>
+                <a:cs typeface="Consolas" pitchFamily="49" charset="0"/>
+              </a:rPr>
+              <a:t>(check-equal?</a:t>
+            </a:r>
+          </a:p>
+          <a:p>
+            <a:pPr marL="0" indent="0">
+              <a:spcBef>
+                <a:spcPts val="0"/>
+              </a:spcBef>
+              <a:buNone/>
+            </a:pPr>
+            <a:r>
+              <a:rPr lang="en-US" sz="1400" b="1" dirty="0">
+                <a:latin typeface="Consolas" pitchFamily="49" charset="0"/>
+                <a:cs typeface="Consolas" pitchFamily="49" charset="0"/>
+              </a:rPr>
+              <a:t>  (ball-after-mouse </a:t>
+            </a:r>
+            <a:r>
+              <a:rPr lang="en-US" sz="1400" b="1" dirty="0">
+                <a:solidFill>
+                  <a:srgbClr val="FF0000"/>
+                </a:solidFill>
+                <a:latin typeface="Consolas" pitchFamily="49" charset="0"/>
+                <a:cs typeface="Consolas" pitchFamily="49" charset="0"/>
+              </a:rPr>
+              <a:t>ball-unselected</a:t>
+            </a:r>
+            <a:r>
+              <a:rPr lang="en-US" sz="1400" b="1" dirty="0">
+                <a:latin typeface="Consolas" pitchFamily="49" charset="0"/>
+                <a:cs typeface="Consolas" pitchFamily="49" charset="0"/>
+              </a:rPr>
+              <a:t> point-outside-x point-outside-y "button-down")</a:t>
+            </a:r>
+          </a:p>
+          <a:p>
+            <a:pPr marL="0" indent="0">
+              <a:spcBef>
+                <a:spcPts val="0"/>
+              </a:spcBef>
+              <a:buNone/>
+            </a:pPr>
+            <a:r>
+              <a:rPr lang="en-US" sz="1400" b="1" dirty="0">
+                <a:latin typeface="Consolas" pitchFamily="49" charset="0"/>
+                <a:cs typeface="Consolas" pitchFamily="49" charset="0"/>
+              </a:rPr>
+              <a:t>  </a:t>
+            </a:r>
+            <a:r>
+              <a:rPr lang="en-US" sz="1400" b="1" dirty="0">
+                <a:solidFill>
+                  <a:srgbClr val="FF0000"/>
+                </a:solidFill>
+                <a:latin typeface="Consolas" pitchFamily="49" charset="0"/>
+                <a:cs typeface="Consolas" pitchFamily="49" charset="0"/>
+              </a:rPr>
+              <a:t>ball-unselected</a:t>
+            </a:r>
+          </a:p>
+          <a:p>
+            <a:pPr marL="0" indent="0">
+              <a:spcBef>
+                <a:spcPts val="0"/>
+              </a:spcBef>
+              <a:buNone/>
+            </a:pPr>
+            <a:r>
+              <a:rPr lang="en-US" sz="1400" b="1" dirty="0">
+                <a:solidFill>
+                  <a:srgbClr val="FF0000"/>
+                </a:solidFill>
+                <a:latin typeface="Consolas" pitchFamily="49" charset="0"/>
+                <a:cs typeface="Consolas" pitchFamily="49" charset="0"/>
+              </a:rPr>
+              <a:t>  </a:t>
+            </a:r>
+            <a:r>
+              <a:rPr lang="en-US" sz="1400" b="1" dirty="0">
+                <a:latin typeface="Consolas" pitchFamily="49" charset="0"/>
+                <a:cs typeface="Consolas" pitchFamily="49" charset="0"/>
+              </a:rPr>
+              <a:t>"button-down outside the ball did not leave it unchanged")</a:t>
+            </a:r>
           </a:p>
         </p:txBody>
       </p:sp>
@@ -8938,11 +8584,7 @@
             </a:pPr>
             <a:r>
               <a:rPr lang="en-US" dirty="0"/>
-              <a:t>check-equal? takes 3 arguments:  the expression to be tested, the value we believe is the correct answer, and an optional string that is printed if the test fails</a:t>
-            </a:r>
-            <a:r>
-              <a:rPr lang="en-US" dirty="0" smtClean="0"/>
-              <a:t>.</a:t>
+              <a:t>check-equal? takes 3 arguments:  the expression to be tested, the value we believe is the correct answer, and an optional string that is printed if the test fails.</a:t>
             </a:r>
           </a:p>
           <a:p>
@@ -8951,10 +8593,9 @@
               <a:buChar char="•"/>
             </a:pPr>
             <a:r>
-              <a:rPr lang="en-US" dirty="0" smtClean="0"/>
+              <a:rPr lang="en-US" dirty="0"/>
               <a:t>Supply an informative error message if you can.  An uninformative error message, like “wrong answer” is worse than no message at all.</a:t>
             </a:r>
-            <a:endParaRPr lang="en-US" dirty="0"/>
           </a:p>
         </p:txBody>
       </p:sp>
@@ -8968,13 +8609,6 @@
   <p:clrMapOvr>
     <a:masterClrMapping/>
   </p:clrMapOvr>
-  <p:timing>
-    <p:tnLst>
-      <p:par>
-        <p:cTn id="1" dur="indefinite" restart="never" nodeType="tmRoot"/>
-      </p:par>
-    </p:tnLst>
-  </p:timing>
 </p:sld>
 </file>
 
@@ -9011,10 +8645,9 @@
           <a:lstStyle/>
           <a:p>
             <a:r>
-              <a:rPr lang="en-US" dirty="0" smtClean="0"/>
+              <a:rPr lang="en-US" dirty="0"/>
               <a:t>Outline</a:t>
             </a:r>
-            <a:endParaRPr lang="en-US" dirty="0"/>
           </a:p>
         </p:txBody>
       </p:sp>
@@ -9034,45 +8667,44 @@
           <a:lstStyle/>
           <a:p>
             <a:r>
-              <a:rPr lang="en-US" dirty="0" smtClean="0"/>
+              <a:rPr lang="en-US" dirty="0"/>
               <a:t>This lesson covers testing in more detail</a:t>
             </a:r>
           </a:p>
           <a:p>
             <a:r>
-              <a:rPr lang="en-US" dirty="0" smtClean="0"/>
+              <a:rPr lang="en-US" dirty="0"/>
               <a:t>We will learn about</a:t>
             </a:r>
           </a:p>
           <a:p>
             <a:pPr lvl="1"/>
             <a:r>
-              <a:rPr lang="en-US" dirty="0" smtClean="0"/>
+              <a:rPr lang="en-US" dirty="0"/>
               <a:t>different kinds of testing</a:t>
             </a:r>
           </a:p>
           <a:p>
             <a:pPr lvl="1"/>
             <a:r>
-              <a:rPr lang="en-US" dirty="0" smtClean="0"/>
+              <a:rPr lang="en-US" dirty="0"/>
               <a:t>the </a:t>
             </a:r>
             <a:r>
-              <a:rPr lang="en-US" dirty="0" err="1" smtClean="0"/>
+              <a:rPr lang="en-US" dirty="0" err="1"/>
               <a:t>rackunit</a:t>
             </a:r>
             <a:r>
-              <a:rPr lang="en-US" dirty="0" smtClean="0"/>
+              <a:rPr lang="en-US" dirty="0"/>
               <a:t> test framework that we will use in this course</a:t>
             </a:r>
           </a:p>
           <a:p>
             <a:pPr lvl="1"/>
             <a:r>
-              <a:rPr lang="en-US" dirty="0" smtClean="0"/>
+              <a:rPr lang="en-US" dirty="0"/>
               <a:t>how to use testing to help in debugging.</a:t>
             </a:r>
-            <a:endParaRPr lang="en-US" dirty="0"/>
           </a:p>
         </p:txBody>
       </p:sp>
@@ -9110,13 +8742,6 @@
   <p:clrMapOvr>
     <a:masterClrMapping/>
   </p:clrMapOvr>
-  <p:timing>
-    <p:tnLst>
-      <p:par>
-        <p:cTn id="1" dur="indefinite" restart="never" nodeType="tmRoot"/>
-      </p:par>
-    </p:tnLst>
-  </p:timing>
 </p:sld>
 </file>
 
@@ -9153,10 +8778,9 @@
           <a:lstStyle/>
           <a:p>
             <a:r>
-              <a:rPr lang="en-US" dirty="0" smtClean="0"/>
+              <a:rPr lang="en-US" dirty="0"/>
               <a:t>Testing Pitfalls</a:t>
             </a:r>
-            <a:endParaRPr lang="en-US" dirty="0"/>
           </a:p>
         </p:txBody>
       </p:sp>
@@ -9176,35 +8800,35 @@
           <a:lstStyle/>
           <a:p>
             <a:r>
-              <a:rPr lang="en-US" dirty="0" smtClean="0"/>
+              <a:rPr lang="en-US" dirty="0"/>
               <a:t>DON’T just paste in the actual results of your function.  </a:t>
             </a:r>
           </a:p>
           <a:p>
             <a:r>
-              <a:rPr lang="en-US" dirty="0" smtClean="0"/>
+              <a:rPr lang="en-US" dirty="0"/>
               <a:t>Some functions may have more than one correct answer; </a:t>
             </a:r>
           </a:p>
           <a:p>
             <a:pPr lvl="1"/>
             <a:r>
-              <a:rPr lang="en-US" dirty="0" smtClean="0"/>
+              <a:rPr lang="en-US" dirty="0"/>
               <a:t>your tests should accept </a:t>
             </a:r>
             <a:r>
-              <a:rPr lang="en-US" i="1" dirty="0" smtClean="0"/>
+              <a:rPr lang="en-US" i="1" dirty="0"/>
               <a:t>any</a:t>
             </a:r>
             <a:r>
-              <a:rPr lang="en-US" dirty="0" smtClean="0"/>
+              <a:rPr lang="en-US" dirty="0"/>
               <a:t> correct answer, not just the one your solution happens to produce</a:t>
             </a:r>
           </a:p>
           <a:p>
             <a:pPr lvl="1"/>
             <a:r>
-              <a:rPr lang="en-US" dirty="0" smtClean="0"/>
+              <a:rPr lang="en-US" dirty="0"/>
               <a:t>will see how to do this later</a:t>
             </a:r>
           </a:p>
@@ -9244,13 +8868,6 @@
   <p:clrMapOvr>
     <a:masterClrMapping/>
   </p:clrMapOvr>
-  <p:timing>
-    <p:tnLst>
-      <p:par>
-        <p:cTn id="1" dur="indefinite" restart="never" nodeType="tmRoot"/>
-      </p:par>
-    </p:tnLst>
-  </p:timing>
 </p:sld>
 </file>
 
@@ -9287,10 +8904,9 @@
           <a:lstStyle/>
           <a:p>
             <a:r>
-              <a:rPr lang="en-US" dirty="0" smtClean="0"/>
+              <a:rPr lang="en-US" dirty="0"/>
               <a:t>Testing Pitfalls (2)</a:t>
             </a:r>
-            <a:endParaRPr lang="en-US" dirty="0"/>
           </a:p>
         </p:txBody>
       </p:sp>
@@ -9313,30 +8929,13 @@
           <a:p>
             <a:r>
               <a:rPr lang="en-US" dirty="0"/>
-              <a:t>Avoid coincidences in your </a:t>
-            </a:r>
-            <a:r>
-              <a:rPr lang="en-US" dirty="0" smtClean="0"/>
-              <a:t>tests, just as you did in your examples</a:t>
-            </a:r>
-            <a:endParaRPr lang="en-US" dirty="0"/>
-          </a:p>
-          <a:p>
-            <a:r>
-              <a:rPr lang="en-US" dirty="0" smtClean="0"/>
+              <a:t>Avoid coincidences in your tests, just as you did in your examples</a:t>
+            </a:r>
+          </a:p>
+          <a:p>
+            <a:r>
+              <a:rPr lang="en-US" dirty="0"/>
               <a:t>Bad:</a:t>
-            </a:r>
-          </a:p>
-          <a:p>
-            <a:pPr marL="400050" lvl="1" indent="0">
-              <a:buNone/>
-            </a:pPr>
-            <a:r>
-              <a:rPr lang="en-US" sz="1800" b="1" dirty="0" smtClean="0">
-                <a:latin typeface="Consolas" pitchFamily="49" charset="0"/>
-                <a:cs typeface="Consolas" pitchFamily="49" charset="0"/>
-              </a:rPr>
-              <a:t>(check-equal?</a:t>
             </a:r>
           </a:p>
           <a:p>
@@ -9348,51 +8947,31 @@
                 <a:latin typeface="Consolas" pitchFamily="49" charset="0"/>
                 <a:cs typeface="Consolas" pitchFamily="49" charset="0"/>
               </a:rPr>
-              <a:t> </a:t>
-            </a:r>
-            <a:r>
-              <a:rPr lang="en-US" sz="1800" b="1" dirty="0" smtClean="0">
-                <a:latin typeface="Consolas" pitchFamily="49" charset="0"/>
-                <a:cs typeface="Consolas" pitchFamily="49" charset="0"/>
-              </a:rPr>
-              <a:t>(book-profit-margin </a:t>
-            </a:r>
-            <a:endParaRPr lang="en-US" sz="1800" b="1" dirty="0">
-              <a:latin typeface="Consolas" pitchFamily="49" charset="0"/>
-              <a:cs typeface="Consolas" pitchFamily="49" charset="0"/>
-            </a:endParaRPr>
+              <a:t>(check-equal?</a:t>
+            </a:r>
           </a:p>
           <a:p>
             <a:pPr marL="400050" lvl="1" indent="0">
               <a:buNone/>
             </a:pPr>
-            <a:r>
-              <a:rPr lang="en-US" sz="1800" b="1" dirty="0" smtClean="0">
-                <a:latin typeface="Consolas" pitchFamily="49" charset="0"/>
-                <a:cs typeface="Consolas" pitchFamily="49" charset="0"/>
-              </a:rPr>
-              <a:t>  (</a:t>
-            </a:r>
             <a:r>
               <a:rPr lang="en-US" sz="1800" b="1" dirty="0">
                 <a:latin typeface="Consolas" pitchFamily="49" charset="0"/>
                 <a:cs typeface="Consolas" pitchFamily="49" charset="0"/>
               </a:rPr>
-              <a:t>make-book "Little Lisper" "Friedman" 2.00 </a:t>
-            </a:r>
-            <a:r>
-              <a:rPr lang="en-US" sz="1800" b="1" dirty="0" smtClean="0">
-                <a:latin typeface="Consolas" pitchFamily="49" charset="0"/>
-                <a:cs typeface="Consolas" pitchFamily="49" charset="0"/>
-              </a:rPr>
-              <a:t>4.00</a:t>
-            </a:r>
+              <a:t> (book-profit-margin </a:t>
+            </a:r>
+          </a:p>
+          <a:p>
+            <a:pPr marL="400050" lvl="1" indent="0">
+              <a:buNone/>
+            </a:pPr>
             <a:r>
               <a:rPr lang="en-US" sz="1800" b="1" dirty="0">
                 <a:latin typeface="Consolas" pitchFamily="49" charset="0"/>
                 <a:cs typeface="Consolas" pitchFamily="49" charset="0"/>
               </a:rPr>
-              <a:t>)) </a:t>
+              <a:t>  (make-book "Little Lisper" "Friedman" 2.00 4.00)) </a:t>
             </a:r>
           </a:p>
           <a:p>
@@ -9404,36 +8983,13 @@
                 <a:latin typeface="Consolas" pitchFamily="49" charset="0"/>
                 <a:cs typeface="Consolas" pitchFamily="49" charset="0"/>
               </a:rPr>
-              <a:t> </a:t>
-            </a:r>
-            <a:r>
-              <a:rPr lang="en-US" sz="1800" b="1" dirty="0" smtClean="0">
-                <a:latin typeface="Consolas" pitchFamily="49" charset="0"/>
-                <a:cs typeface="Consolas" pitchFamily="49" charset="0"/>
-              </a:rPr>
-              <a:t>2.00)</a:t>
-            </a:r>
-            <a:endParaRPr lang="en-US" sz="1800" b="1" dirty="0">
-              <a:latin typeface="Consolas" pitchFamily="49" charset="0"/>
-              <a:cs typeface="Consolas" pitchFamily="49" charset="0"/>
-            </a:endParaRPr>
-          </a:p>
-          <a:p>
-            <a:r>
-              <a:rPr lang="en-US" dirty="0" smtClean="0"/>
+              <a:t> 2.00)</a:t>
+            </a:r>
+          </a:p>
+          <a:p>
+            <a:r>
+              <a:rPr lang="en-US" dirty="0"/>
               <a:t>Better:</a:t>
-            </a:r>
-          </a:p>
-          <a:p>
-            <a:pPr marL="400050" lvl="1" indent="0">
-              <a:buNone/>
-            </a:pPr>
-            <a:r>
-              <a:rPr lang="en-US" sz="1800" b="1" dirty="0" smtClean="0">
-                <a:latin typeface="Consolas" pitchFamily="49" charset="0"/>
-                <a:cs typeface="Consolas" pitchFamily="49" charset="0"/>
-              </a:rPr>
-              <a:t>(check-equal?</a:t>
             </a:r>
           </a:p>
           <a:p>
@@ -9445,14 +9001,19 @@
                 <a:latin typeface="Consolas" pitchFamily="49" charset="0"/>
                 <a:cs typeface="Consolas" pitchFamily="49" charset="0"/>
               </a:rPr>
-              <a:t> </a:t>
-            </a:r>
-            <a:r>
-              <a:rPr lang="en-US" sz="1800" b="1" dirty="0" smtClean="0">
+              <a:t>(check-equal?</a:t>
+            </a:r>
+          </a:p>
+          <a:p>
+            <a:pPr marL="400050" lvl="1" indent="0">
+              <a:buNone/>
+            </a:pPr>
+            <a:r>
+              <a:rPr lang="en-US" sz="1800" b="1" dirty="0">
                 <a:latin typeface="Consolas" pitchFamily="49" charset="0"/>
                 <a:cs typeface="Consolas" pitchFamily="49" charset="0"/>
               </a:rPr>
-              <a:t>(book-profit-margin </a:t>
+              <a:t> (book-profit-margin </a:t>
             </a:r>
           </a:p>
           <a:p>
@@ -9460,7 +9021,7 @@
               <a:buNone/>
             </a:pPr>
             <a:r>
-              <a:rPr lang="en-US" sz="1800" b="1" dirty="0" smtClean="0">
+              <a:rPr lang="en-US" sz="1800" b="1" dirty="0">
                 <a:latin typeface="Consolas" pitchFamily="49" charset="0"/>
                 <a:cs typeface="Consolas" pitchFamily="49" charset="0"/>
               </a:rPr>
@@ -9472,16 +9033,12 @@
               <a:buNone/>
             </a:pPr>
             <a:r>
-              <a:rPr lang="en-US" sz="1800" b="1" dirty="0" smtClean="0">
+              <a:rPr lang="en-US" sz="1800" b="1" dirty="0">
                 <a:latin typeface="Consolas" pitchFamily="49" charset="0"/>
                 <a:cs typeface="Consolas" pitchFamily="49" charset="0"/>
               </a:rPr>
               <a:t> 3.00)</a:t>
             </a:r>
-            <a:endParaRPr lang="en-US" sz="1800" b="1" dirty="0">
-              <a:latin typeface="Consolas" pitchFamily="49" charset="0"/>
-              <a:cs typeface="Consolas" pitchFamily="49" charset="0"/>
-            </a:endParaRPr>
           </a:p>
           <a:p>
             <a:endParaRPr lang="en-US" dirty="0"/>
@@ -9522,13 +9079,6 @@
   <p:clrMapOvr>
     <a:masterClrMapping/>
   </p:clrMapOvr>
-  <p:timing>
-    <p:tnLst>
-      <p:par>
-        <p:cTn id="1" dur="indefinite" restart="never" nodeType="tmRoot"/>
-      </p:par>
-    </p:tnLst>
-  </p:timing>
 </p:sld>
 </file>
 
@@ -9565,10 +9115,9 @@
           <a:lstStyle/>
           <a:p>
             <a:r>
-              <a:rPr lang="en-US" dirty="0" smtClean="0"/>
+              <a:rPr lang="en-US" dirty="0"/>
               <a:t>Video: ball-after-mouse-with-tests </a:t>
             </a:r>
-            <a:endParaRPr lang="en-US" dirty="0"/>
           </a:p>
         </p:txBody>
       </p:sp>
@@ -9651,10 +9200,9 @@
           <a:lstStyle/>
           <a:p>
             <a:r>
-              <a:rPr lang="en-US" dirty="0" smtClean="0"/>
+              <a:rPr lang="en-US" dirty="0"/>
               <a:t>Note:  this video uses an older version of our testing technology.  The details are a little different, but the principles are the same.</a:t>
             </a:r>
-            <a:endParaRPr lang="en-US" dirty="0"/>
           </a:p>
         </p:txBody>
       </p:sp>
@@ -9681,7 +9229,7 @@
           <a:lstStyle/>
           <a:p>
             <a:r>
-              <a:rPr lang="en-US" dirty="0" smtClean="0">
+              <a:rPr lang="en-US" dirty="0">
                 <a:hlinkClick r:id="rId4"/>
               </a:rPr>
               <a:t>YouTube link</a:t>
@@ -9700,13 +9248,6 @@
   <p:clrMapOvr>
     <a:masterClrMapping/>
   </p:clrMapOvr>
-  <p:timing>
-    <p:tnLst>
-      <p:par>
-        <p:cTn id="1" dur="indefinite" restart="never" nodeType="tmRoot"/>
-      </p:par>
-    </p:tnLst>
-  </p:timing>
 </p:sld>
 </file>
 
@@ -9747,10 +9288,9 @@
           <a:lstStyle/>
           <a:p>
             <a:r>
-              <a:rPr lang="en-US" dirty="0" smtClean="0"/>
+              <a:rPr lang="en-US" dirty="0"/>
               <a:t>Using Tests</a:t>
             </a:r>
-            <a:endParaRPr lang="en-US" dirty="0"/>
           </a:p>
         </p:txBody>
       </p:sp>
@@ -9772,19 +9312,19 @@
           <a:lstStyle/>
           <a:p>
             <a:r>
-              <a:rPr lang="en-US" dirty="0" smtClean="0"/>
+              <a:rPr lang="en-US" dirty="0"/>
               <a:t>Run your program with its tests</a:t>
             </a:r>
           </a:p>
           <a:p>
             <a:r>
-              <a:rPr lang="en-US" dirty="0" smtClean="0"/>
+              <a:rPr lang="en-US" dirty="0"/>
               <a:t>Debug so that all your tests pass</a:t>
             </a:r>
           </a:p>
           <a:p>
             <a:r>
-              <a:rPr lang="en-US" dirty="0" smtClean="0"/>
+              <a:rPr lang="en-US" dirty="0"/>
               <a:t>If you didn't achieve 100% expression coverage, go back and add more tests.</a:t>
             </a:r>
           </a:p>
@@ -9798,14 +9338,14 @@
           <a:p>
             <a:pPr lvl="1"/>
             <a:r>
-              <a:rPr lang="en-US" dirty="0" smtClean="0"/>
+              <a:rPr lang="en-US" dirty="0"/>
               <a:t>But 100% expression coverage is our standard for this course.</a:t>
             </a:r>
           </a:p>
           <a:p>
             <a:pPr lvl="1"/>
             <a:r>
-              <a:rPr lang="en-US" dirty="0" smtClean="0"/>
+              <a:rPr lang="en-US" dirty="0"/>
               <a:t>Your workplace may have different standards. </a:t>
             </a:r>
           </a:p>
@@ -9849,13 +9389,6 @@
   <p:clrMapOvr>
     <a:masterClrMapping/>
   </p:clrMapOvr>
-  <p:timing>
-    <p:tnLst>
-      <p:par>
-        <p:cTn id="1" dur="indefinite" restart="never" nodeType="tmRoot"/>
-      </p:par>
-    </p:tnLst>
-  </p:timing>
 </p:sld>
 </file>
 
@@ -9892,10 +9425,9 @@
           <a:lstStyle/>
           <a:p>
             <a:r>
-              <a:rPr lang="en-US" dirty="0" smtClean="0"/>
+              <a:rPr lang="en-US" dirty="0"/>
               <a:t>Tests Written?</a:t>
             </a:r>
-            <a:endParaRPr lang="en-US" dirty="0"/>
           </a:p>
         </p:txBody>
       </p:sp>
@@ -9915,22 +9447,21 @@
           <a:lstStyle/>
           <a:p>
             <a:r>
-              <a:rPr lang="en-US" dirty="0" smtClean="0"/>
+              <a:rPr lang="en-US" dirty="0"/>
               <a:t>Once you’ve written the deliverables for the 6 steps of the design recipe, it’s time to run the program.</a:t>
             </a:r>
           </a:p>
           <a:p>
             <a:r>
-              <a:rPr lang="en-US" dirty="0" smtClean="0"/>
+              <a:rPr lang="en-US" dirty="0"/>
               <a:t>What could possibly go wrong?</a:t>
             </a:r>
           </a:p>
           <a:p>
             <a:r>
-              <a:rPr lang="en-US" dirty="0" smtClean="0"/>
+              <a:rPr lang="en-US" dirty="0"/>
               <a:t>Let’s make a short list...</a:t>
             </a:r>
-            <a:endParaRPr lang="en-US" dirty="0"/>
           </a:p>
         </p:txBody>
       </p:sp>
@@ -9968,13 +9499,6 @@
   <p:clrMapOvr>
     <a:masterClrMapping/>
   </p:clrMapOvr>
-  <p:timing>
-    <p:tnLst>
-      <p:par>
-        <p:cTn id="1" dur="indefinite" restart="never" nodeType="tmRoot"/>
-      </p:par>
-    </p:tnLst>
-  </p:timing>
 </p:sld>
 </file>
 
@@ -10011,10 +9535,9 @@
           <a:lstStyle/>
           <a:p>
             <a:r>
-              <a:rPr lang="en-US" dirty="0" smtClean="0"/>
+              <a:rPr lang="en-US" dirty="0"/>
               <a:t>What could go wrong?</a:t>
             </a:r>
-            <a:endParaRPr lang="en-US" dirty="0"/>
           </a:p>
         </p:txBody>
       </p:sp>
@@ -10036,104 +9559,84 @@
           <a:lstStyle/>
           <a:p>
             <a:r>
-              <a:rPr lang="en-US" dirty="0" smtClean="0"/>
+              <a:rPr lang="en-US" dirty="0"/>
               <a:t>Program fails to load</a:t>
             </a:r>
           </a:p>
           <a:p>
             <a:pPr lvl="1"/>
             <a:r>
-              <a:rPr lang="en-US" dirty="0" smtClean="0"/>
+              <a:rPr lang="en-US" dirty="0"/>
               <a:t>unbalanced </a:t>
             </a:r>
             <a:r>
-              <a:rPr lang="en-US" dirty="0" err="1" smtClean="0"/>
+              <a:rPr lang="en-US" dirty="0" err="1"/>
               <a:t>parens</a:t>
             </a:r>
             <a:r>
-              <a:rPr lang="en-US" dirty="0" smtClean="0"/>
+              <a:rPr lang="en-US" dirty="0"/>
               <a:t>?  The unmatched </a:t>
             </a:r>
             <a:r>
-              <a:rPr lang="en-US" dirty="0" err="1" smtClean="0"/>
+              <a:rPr lang="en-US" dirty="0" err="1"/>
               <a:t>paren</a:t>
             </a:r>
             <a:r>
-              <a:rPr lang="en-US" dirty="0" smtClean="0"/>
+              <a:rPr lang="en-US" dirty="0"/>
               <a:t> is highlighted in the interaction window.</a:t>
             </a:r>
           </a:p>
           <a:p>
             <a:pPr lvl="1"/>
             <a:r>
-              <a:rPr lang="en-US" dirty="0" smtClean="0"/>
+              <a:rPr lang="en-US" dirty="0"/>
               <a:t>missing function?</a:t>
             </a:r>
           </a:p>
           <a:p>
             <a:pPr lvl="2"/>
             <a:r>
-              <a:rPr lang="en-US" dirty="0" smtClean="0"/>
+              <a:rPr lang="en-US" dirty="0"/>
               <a:t>forgot to write definition</a:t>
             </a:r>
           </a:p>
           <a:p>
             <a:pPr lvl="2"/>
             <a:r>
-              <a:rPr lang="en-US" dirty="0" smtClean="0"/>
+              <a:rPr lang="en-US" dirty="0"/>
               <a:t>misspelled function name</a:t>
             </a:r>
           </a:p>
           <a:p>
             <a:pPr lvl="2"/>
             <a:r>
-              <a:rPr lang="en-US" dirty="0" smtClean="0"/>
+              <a:rPr lang="en-US" dirty="0"/>
               <a:t>forgot to </a:t>
             </a:r>
             <a:r>
-              <a:rPr lang="en-US" b="1" dirty="0" smtClean="0">
+              <a:rPr lang="en-US" b="1" dirty="0">
                 <a:latin typeface="Consolas" pitchFamily="49" charset="0"/>
                 <a:cs typeface="Consolas" pitchFamily="49" charset="0"/>
               </a:rPr>
               <a:t>require</a:t>
             </a:r>
             <a:r>
-              <a:rPr lang="en-US" dirty="0" smtClean="0"/>
+              <a:rPr lang="en-US" dirty="0"/>
               <a:t> the library module</a:t>
             </a:r>
           </a:p>
           <a:p>
             <a:pPr lvl="2"/>
             <a:r>
-              <a:rPr lang="en-US" dirty="0" smtClean="0"/>
+              <a:rPr lang="en-US" dirty="0"/>
               <a:t>misspelled library name</a:t>
             </a:r>
           </a:p>
           <a:p>
             <a:pPr lvl="3"/>
             <a:r>
-              <a:rPr lang="en-US" i="1" dirty="0" smtClean="0"/>
-              <a:t>the </a:t>
-            </a:r>
-            <a:r>
               <a:rPr lang="en-US" i="1" dirty="0"/>
-              <a:t>error message Racket gives you in this case is especially scary. But don't be </a:t>
-            </a:r>
-            <a:r>
-              <a:rPr lang="en-US" i="1" dirty="0" smtClean="0"/>
-              <a:t>frightened.  It </a:t>
-            </a:r>
-            <a:r>
-              <a:rPr lang="en-US" i="1" dirty="0"/>
-              <a:t>just </a:t>
-            </a:r>
-            <a:r>
-              <a:rPr lang="en-US" i="1" dirty="0" smtClean="0"/>
-              <a:t>means that </a:t>
-            </a:r>
-            <a:r>
-              <a:rPr lang="en-US" i="1" dirty="0"/>
-              <a:t>it couldn't find the library you told it to look for.</a:t>
+              <a:t>the error message Racket gives you in this case is especially scary. But don't be frightened.  It just means that it couldn't find the library you told it to look for.</a:t>
             </a:r>
           </a:p>
         </p:txBody>
@@ -10172,13 +9675,6 @@
   <p:clrMapOvr>
     <a:masterClrMapping/>
   </p:clrMapOvr>
-  <p:timing>
-    <p:tnLst>
-      <p:par>
-        <p:cTn id="1" dur="indefinite" restart="never" nodeType="tmRoot"/>
-      </p:par>
-    </p:tnLst>
-  </p:timing>
 </p:sld>
 </file>
 
@@ -10215,10 +9711,9 @@
           <a:lstStyle/>
           <a:p>
             <a:r>
-              <a:rPr lang="en-US" dirty="0" smtClean="0"/>
+              <a:rPr lang="en-US" dirty="0"/>
               <a:t>What could go wrong? (2)</a:t>
             </a:r>
-            <a:endParaRPr lang="en-US" dirty="0"/>
           </a:p>
         </p:txBody>
       </p:sp>
@@ -10239,21 +9734,8 @@
           <a:p>
             <a:r>
               <a:rPr lang="en-US" dirty="0"/>
-              <a:t>You could </a:t>
-            </a:r>
-            <a:r>
-              <a:rPr lang="en-US" dirty="0" smtClean="0"/>
-              <a:t>get an </a:t>
-            </a:r>
-            <a:r>
-              <a:rPr lang="en-US" dirty="0"/>
-              <a:t>error </a:t>
-            </a:r>
-            <a:r>
-              <a:rPr lang="en-US" dirty="0" smtClean="0"/>
-              <a:t>calling a Racket primitive.</a:t>
-            </a:r>
-            <a:endParaRPr lang="en-US" dirty="0"/>
+              <a:t>You could get an error calling a Racket primitive.</a:t>
+            </a:r>
           </a:p>
           <a:p>
             <a:pPr lvl="1"/>
@@ -10263,42 +9745,36 @@
             </a:r>
             <a:r>
               <a:rPr lang="en-US" dirty="0"/>
-              <a:t>: "can't apply string=? to </a:t>
-            </a:r>
-            <a:r>
-              <a:rPr lang="en-US" dirty="0" smtClean="0"/>
-              <a:t>1"</a:t>
+              <a:t>: "can't apply string=? to 1"</a:t>
             </a:r>
           </a:p>
           <a:p>
             <a:pPr lvl="1"/>
             <a:r>
-              <a:rPr lang="en-US" dirty="0" smtClean="0"/>
+              <a:rPr lang="en-US" dirty="0"/>
               <a:t>this may be something simple, like the wrong test,</a:t>
             </a:r>
           </a:p>
           <a:p>
             <a:pPr lvl="1"/>
             <a:r>
-              <a:rPr lang="en-US" dirty="0" smtClean="0"/>
+              <a:rPr lang="en-US" dirty="0"/>
               <a:t>or it may be more subtle--  "how did I manage to pass a 1 to string=?"</a:t>
             </a:r>
-            <a:endParaRPr lang="en-US" dirty="0"/>
           </a:p>
           <a:p>
             <a:pPr lvl="1"/>
             <a:r>
-              <a:rPr lang="en-US" dirty="0" smtClean="0"/>
+              <a:rPr lang="en-US" dirty="0"/>
               <a:t>Write more tests to see how you got to this.</a:t>
             </a:r>
           </a:p>
           <a:p>
             <a:pPr lvl="2"/>
             <a:r>
-              <a:rPr lang="en-US" dirty="0" smtClean="0"/>
+              <a:rPr lang="en-US" dirty="0"/>
               <a:t>We’ll see how to do this in a minute.</a:t>
             </a:r>
-            <a:endParaRPr lang="en-US" dirty="0"/>
           </a:p>
           <a:p>
             <a:endParaRPr lang="en-US" dirty="0"/>
@@ -10339,13 +9815,6 @@
   <p:clrMapOvr>
     <a:masterClrMapping/>
   </p:clrMapOvr>
-  <p:timing>
-    <p:tnLst>
-      <p:par>
-        <p:cTn id="1" dur="indefinite" restart="never" nodeType="tmRoot"/>
-      </p:par>
-    </p:tnLst>
-  </p:timing>
 </p:sld>
 </file>
 
@@ -10382,18 +9851,9 @@
           <a:lstStyle/>
           <a:p>
             <a:r>
-              <a:rPr lang="en-US" dirty="0" smtClean="0"/>
-              <a:t>What could go wrong</a:t>
-            </a:r>
-            <a:r>
-              <a:rPr lang="en-US" dirty="0"/>
-              <a:t> </a:t>
-            </a:r>
-            <a:r>
-              <a:rPr lang="en-US" dirty="0" smtClean="0"/>
-              <a:t>(3)</a:t>
-            </a:r>
-            <a:endParaRPr lang="en-US" dirty="0"/>
+              <a:rPr lang="en-US" dirty="0"/>
+              <a:t>What could go wrong (3)</a:t>
+            </a:r>
           </a:p>
         </p:txBody>
       </p:sp>
@@ -10415,7 +9875,7 @@
           <a:lstStyle/>
           <a:p>
             <a:r>
-              <a:rPr lang="en-US" dirty="0" smtClean="0"/>
+              <a:rPr lang="en-US" dirty="0"/>
               <a:t>A test fails</a:t>
             </a:r>
           </a:p>
@@ -10425,14 +9885,14 @@
               <a:buAutoNum type="arabicPeriod"/>
             </a:pPr>
             <a:r>
-              <a:rPr lang="en-US" dirty="0" smtClean="0"/>
+              <a:rPr lang="en-US" dirty="0"/>
               <a:t>Identify the test that failed</a:t>
             </a:r>
           </a:p>
           <a:p>
             <a:pPr marL="1200150" lvl="2" indent="-342900"/>
             <a:r>
-              <a:rPr lang="en-US" dirty="0" smtClean="0"/>
+              <a:rPr lang="en-US" dirty="0"/>
               <a:t>Racket will highlight the test that failed.  Having an informative error message will also help you identify the test</a:t>
             </a:r>
           </a:p>
@@ -10442,14 +9902,14 @@
               <a:buAutoNum type="arabicPeriod"/>
             </a:pPr>
             <a:r>
-              <a:rPr lang="en-US" dirty="0" smtClean="0"/>
+              <a:rPr lang="en-US" dirty="0"/>
               <a:t>Check the test: is the answer that it asked for really the right one?</a:t>
             </a:r>
           </a:p>
           <a:p>
             <a:pPr lvl="2"/>
             <a:r>
-              <a:rPr lang="en-US" dirty="0" smtClean="0"/>
+              <a:rPr lang="en-US" dirty="0"/>
               <a:t>If not, fix the test</a:t>
             </a:r>
           </a:p>
@@ -10466,28 +9926,28 @@
               <a:buAutoNum type="arabicPeriod"/>
             </a:pPr>
             <a:r>
-              <a:rPr lang="en-US" dirty="0" smtClean="0"/>
+              <a:rPr lang="en-US" dirty="0"/>
               <a:t>If the test is right, play detective by adding new tests. </a:t>
             </a:r>
           </a:p>
           <a:p>
             <a:pPr lvl="2"/>
             <a:r>
-              <a:rPr lang="en-US" dirty="0" smtClean="0"/>
+              <a:rPr lang="en-US" dirty="0"/>
               <a:t>Did your function call the right helper?</a:t>
             </a:r>
           </a:p>
           <a:p>
             <a:pPr lvl="3"/>
             <a:r>
-              <a:rPr lang="en-US" dirty="0" smtClean="0"/>
+              <a:rPr lang="en-US" dirty="0"/>
               <a:t>yes: test the helper</a:t>
             </a:r>
           </a:p>
           <a:p>
             <a:pPr lvl="3"/>
             <a:r>
-              <a:rPr lang="en-US" dirty="0" smtClean="0"/>
+              <a:rPr lang="en-US" dirty="0"/>
               <a:t>no: test the predicate</a:t>
             </a:r>
           </a:p>
@@ -10527,13 +9987,6 @@
   <p:clrMapOvr>
     <a:masterClrMapping/>
   </p:clrMapOvr>
-  <p:timing>
-    <p:tnLst>
-      <p:par>
-        <p:cTn id="1" dur="indefinite" restart="never" nodeType="tmRoot"/>
-      </p:par>
-    </p:tnLst>
-  </p:timing>
 </p:sld>
 </file>
 
@@ -10572,10 +10025,9 @@
           <a:lstStyle/>
           <a:p>
             <a:r>
-              <a:rPr lang="en-US" dirty="0" smtClean="0"/>
+              <a:rPr lang="en-US" dirty="0"/>
               <a:t>Example: Debugging by Testing</a:t>
             </a:r>
-            <a:endParaRPr lang="en-US" dirty="0"/>
           </a:p>
         </p:txBody>
       </p:sp>
@@ -10600,67 +10052,11 @@
               <a:buNone/>
             </a:pPr>
             <a:r>
-              <a:rPr lang="en-US" sz="1800" dirty="0" smtClean="0">
+              <a:rPr lang="en-US" sz="1800" dirty="0">
                 <a:latin typeface="+mj-lt"/>
                 <a:cs typeface="Consolas" pitchFamily="49" charset="0"/>
               </a:rPr>
               <a:t>Code:</a:t>
-            </a:r>
-            <a:endParaRPr lang="en-US" sz="1800" b="1" dirty="0" smtClean="0">
-              <a:latin typeface="Consolas" pitchFamily="49" charset="0"/>
-              <a:cs typeface="Consolas" pitchFamily="49" charset="0"/>
-            </a:endParaRPr>
-          </a:p>
-          <a:p>
-            <a:pPr marL="0" indent="0">
-              <a:buNone/>
-            </a:pPr>
-            <a:r>
-              <a:rPr lang="en-US" sz="1800" b="1" dirty="0" smtClean="0">
-                <a:latin typeface="Consolas" pitchFamily="49" charset="0"/>
-                <a:cs typeface="Consolas" pitchFamily="49" charset="0"/>
-              </a:rPr>
-              <a:t>(</a:t>
-            </a:r>
-            <a:r>
-              <a:rPr lang="en-US" sz="1800" b="1" dirty="0">
-                <a:latin typeface="Consolas" pitchFamily="49" charset="0"/>
-                <a:cs typeface="Consolas" pitchFamily="49" charset="0"/>
-              </a:rPr>
-              <a:t>define (ball-after-mouse b mx my </a:t>
-            </a:r>
-            <a:r>
-              <a:rPr lang="en-US" sz="1800" b="1" dirty="0" err="1">
-                <a:latin typeface="Consolas" pitchFamily="49" charset="0"/>
-                <a:cs typeface="Consolas" pitchFamily="49" charset="0"/>
-              </a:rPr>
-              <a:t>mev</a:t>
-            </a:r>
-            <a:r>
-              <a:rPr lang="en-US" sz="1800" b="1" dirty="0">
-                <a:latin typeface="Consolas" pitchFamily="49" charset="0"/>
-                <a:cs typeface="Consolas" pitchFamily="49" charset="0"/>
-              </a:rPr>
-              <a:t>)</a:t>
-            </a:r>
-          </a:p>
-          <a:p>
-            <a:pPr marL="0" indent="0">
-              <a:buNone/>
-            </a:pPr>
-            <a:r>
-              <a:rPr lang="en-US" sz="1800" b="1" dirty="0">
-                <a:latin typeface="Consolas" pitchFamily="49" charset="0"/>
-                <a:cs typeface="Consolas" pitchFamily="49" charset="0"/>
-              </a:rPr>
-              <a:t>  (</a:t>
-            </a:r>
-            <a:r>
-              <a:rPr lang="en-US" sz="1800" b="1" dirty="0" err="1">
-                <a:latin typeface="Consolas" pitchFamily="49" charset="0"/>
-                <a:cs typeface="Consolas" pitchFamily="49" charset="0"/>
-              </a:rPr>
-              <a:t>cond</a:t>
             </a:r>
             <a:endParaRPr lang="en-US" sz="1800" b="1" dirty="0">
               <a:latin typeface="Consolas" pitchFamily="49" charset="0"/>
@@ -10676,7 +10072,7 @@
                 <a:latin typeface="Consolas" pitchFamily="49" charset="0"/>
                 <a:cs typeface="Consolas" pitchFamily="49" charset="0"/>
               </a:rPr>
-              <a:t>    [(mouse=? </a:t>
+              <a:t>(define (ball-after-mouse b mx my </a:t>
             </a:r>
             <a:r>
               <a:rPr lang="en-US" sz="1800" b="1" dirty="0" err="1">
@@ -10690,9 +10086,28 @@
                 <a:latin typeface="Consolas" pitchFamily="49" charset="0"/>
                 <a:cs typeface="Consolas" pitchFamily="49" charset="0"/>
               </a:rPr>
-              <a:t> "button-down") </a:t>
-            </a:r>
-            <a:endParaRPr lang="en-US" sz="1800" b="1" dirty="0" smtClean="0">
+              <a:t>)</a:t>
+            </a:r>
+          </a:p>
+          <a:p>
+            <a:pPr marL="0" indent="0">
+              <a:buNone/>
+            </a:pPr>
+            <a:r>
+              <a:rPr lang="en-US" sz="1800" b="1" dirty="0">
+                <a:latin typeface="Consolas" pitchFamily="49" charset="0"/>
+                <a:cs typeface="Consolas" pitchFamily="49" charset="0"/>
+              </a:rPr>
+              <a:t>  (</a:t>
+            </a:r>
+            <a:r>
+              <a:rPr lang="en-US" sz="1800" b="1" dirty="0" err="1">
+                <a:latin typeface="Consolas" pitchFamily="49" charset="0"/>
+                <a:cs typeface="Consolas" pitchFamily="49" charset="0"/>
+              </a:rPr>
+              <a:t>cond</a:t>
+            </a:r>
+            <a:endParaRPr lang="en-US" sz="1800" b="1" dirty="0">
               <a:latin typeface="Consolas" pitchFamily="49" charset="0"/>
               <a:cs typeface="Consolas" pitchFamily="49" charset="0"/>
             </a:endParaRPr>
@@ -10706,21 +10121,21 @@
                 <a:latin typeface="Consolas" pitchFamily="49" charset="0"/>
                 <a:cs typeface="Consolas" pitchFamily="49" charset="0"/>
               </a:rPr>
-              <a:t> </a:t>
-            </a:r>
-            <a:r>
-              <a:rPr lang="en-US" sz="1800" b="1" dirty="0" smtClean="0">
+              <a:t>    [(mouse=? </a:t>
+            </a:r>
+            <a:r>
+              <a:rPr lang="en-US" sz="1800" b="1" dirty="0" err="1">
                 <a:latin typeface="Consolas" pitchFamily="49" charset="0"/>
                 <a:cs typeface="Consolas" pitchFamily="49" charset="0"/>
               </a:rPr>
-              <a:t>    (</a:t>
+              <a:t>mev</a:t>
             </a:r>
             <a:r>
               <a:rPr lang="en-US" sz="1800" b="1" dirty="0">
                 <a:latin typeface="Consolas" pitchFamily="49" charset="0"/>
                 <a:cs typeface="Consolas" pitchFamily="49" charset="0"/>
               </a:rPr>
-              <a:t>ball-after-button-down b mx my)]</a:t>
+              <a:t> "button-down") </a:t>
             </a:r>
           </a:p>
           <a:p>
@@ -10732,6 +10147,18 @@
                 <a:latin typeface="Consolas" pitchFamily="49" charset="0"/>
                 <a:cs typeface="Consolas" pitchFamily="49" charset="0"/>
               </a:rPr>
+              <a:t>     (ball-after-button-down b mx my)]</a:t>
+            </a:r>
+          </a:p>
+          <a:p>
+            <a:pPr marL="0" indent="0">
+              <a:buNone/>
+            </a:pPr>
+            <a:r>
+              <a:rPr lang="en-US" sz="1800" b="1" dirty="0">
+                <a:latin typeface="Consolas" pitchFamily="49" charset="0"/>
+                <a:cs typeface="Consolas" pitchFamily="49" charset="0"/>
+              </a:rPr>
               <a:t>    [(mouse=? </a:t>
             </a:r>
             <a:r>
@@ -10784,21 +10211,14 @@
                 <a:latin typeface="Consolas" pitchFamily="49" charset="0"/>
                 <a:cs typeface="Consolas" pitchFamily="49" charset="0"/>
               </a:rPr>
-              <a:t>    [else b</a:t>
-            </a:r>
-            <a:r>
-              <a:rPr lang="en-US" sz="1800" b="1" dirty="0" smtClean="0">
-                <a:latin typeface="Consolas" pitchFamily="49" charset="0"/>
-                <a:cs typeface="Consolas" pitchFamily="49" charset="0"/>
-              </a:rPr>
-              <a:t>]))</a:t>
+              <a:t>    [else b]))</a:t>
             </a:r>
           </a:p>
           <a:p>
             <a:pPr marL="0" indent="0">
               <a:buNone/>
             </a:pPr>
-            <a:endParaRPr lang="en-US" sz="1800" b="1" dirty="0" smtClean="0">
+            <a:endParaRPr lang="en-US" sz="1800" b="1" dirty="0">
               <a:latin typeface="Consolas" pitchFamily="49" charset="0"/>
               <a:cs typeface="Consolas" pitchFamily="49" charset="0"/>
             </a:endParaRPr>
@@ -10951,10 +10371,9 @@
           <a:lstStyle/>
           <a:p>
             <a:r>
-              <a:rPr lang="en-US" dirty="0" smtClean="0"/>
+              <a:rPr lang="en-US" dirty="0"/>
               <a:t>Imagine we have this function definition and this failing test.</a:t>
             </a:r>
-            <a:endParaRPr lang="en-US" dirty="0"/>
           </a:p>
         </p:txBody>
       </p:sp>
@@ -11004,7 +10423,7 @@
           <a:lstStyle/>
           <a:p>
             <a:r>
-              <a:rPr lang="en-US" dirty="0" smtClean="0">
+              <a:rPr lang="en-US" dirty="0">
                 <a:solidFill>
                   <a:schemeClr val="tx1"/>
                 </a:solidFill>
@@ -11012,7 +10431,7 @@
               <a:t>This test checks the </a:t>
             </a:r>
             <a:r>
-              <a:rPr lang="en-US" i="1" dirty="0" smtClean="0">
+              <a:rPr lang="en-US" i="1" dirty="0">
                 <a:solidFill>
                   <a:schemeClr val="tx1"/>
                 </a:solidFill>
@@ -11020,7 +10439,7 @@
               <a:t>combination</a:t>
             </a:r>
             <a:r>
-              <a:rPr lang="en-US" dirty="0" smtClean="0">
+              <a:rPr lang="en-US" dirty="0">
                 <a:solidFill>
                   <a:schemeClr val="tx1"/>
                 </a:solidFill>
@@ -11028,7 +10447,7 @@
               <a:t> of </a:t>
             </a:r>
             <a:r>
-              <a:rPr lang="en-US" b="1" dirty="0" smtClean="0">
+              <a:rPr lang="en-US" b="1" dirty="0">
                 <a:solidFill>
                   <a:schemeClr val="tx1"/>
                 </a:solidFill>
@@ -11036,7 +10455,7 @@
               <a:t>ball-after-mouse</a:t>
             </a:r>
             <a:r>
-              <a:rPr lang="en-US" dirty="0" smtClean="0">
+              <a:rPr lang="en-US" dirty="0">
                 <a:solidFill>
                   <a:schemeClr val="tx1"/>
                 </a:solidFill>
@@ -11044,7 +10463,7 @@
               <a:t> and </a:t>
             </a:r>
             <a:r>
-              <a:rPr lang="en-US" b="1" dirty="0" smtClean="0">
+              <a:rPr lang="en-US" b="1" dirty="0">
                 <a:solidFill>
                   <a:schemeClr val="tx1"/>
                 </a:solidFill>
@@ -11052,18 +10471,13 @@
               <a:t>ball-after-button-down</a:t>
             </a:r>
             <a:r>
-              <a:rPr lang="en-US" dirty="0" smtClean="0">
+              <a:rPr lang="en-US" dirty="0">
                 <a:solidFill>
                   <a:schemeClr val="tx1"/>
                 </a:solidFill>
               </a:rPr>
               <a:t>.  If it fails, either procedure might be at fault. </a:t>
             </a:r>
-            <a:endParaRPr lang="en-US" dirty="0">
-              <a:solidFill>
-                <a:schemeClr val="tx1"/>
-              </a:solidFill>
-            </a:endParaRPr>
           </a:p>
         </p:txBody>
       </p:sp>
@@ -11077,13 +10491,6 @@
   <p:clrMapOvr>
     <a:masterClrMapping/>
   </p:clrMapOvr>
-  <p:timing>
-    <p:tnLst>
-      <p:par>
-        <p:cTn id="1" dur="indefinite" restart="never" nodeType="tmRoot"/>
-      </p:par>
-    </p:tnLst>
-  </p:timing>
 </p:sld>
 </file>
 
@@ -11122,10 +10529,9 @@
           <a:lstStyle/>
           <a:p>
             <a:r>
-              <a:rPr lang="en-US" dirty="0" smtClean="0"/>
+              <a:rPr lang="en-US" dirty="0"/>
               <a:t>Debugging by Testing (2)</a:t>
             </a:r>
-            <a:endParaRPr lang="en-US" dirty="0"/>
           </a:p>
         </p:txBody>
       </p:sp>
@@ -11229,14 +10635,7 @@
                 <a:latin typeface="Consolas" pitchFamily="49" charset="0"/>
                 <a:cs typeface="Consolas" pitchFamily="49" charset="0"/>
               </a:rPr>
-              <a:t>  (</a:t>
-            </a:r>
-            <a:r>
-              <a:rPr lang="en-US" sz="2000" b="1" dirty="0" smtClean="0">
-                <a:latin typeface="Consolas" pitchFamily="49" charset="0"/>
-                <a:cs typeface="Consolas" pitchFamily="49" charset="0"/>
-              </a:rPr>
-              <a:t>ball-after-button-down</a:t>
+              <a:t>  (ball-after-button-down</a:t>
             </a:r>
           </a:p>
           <a:p>
@@ -11244,7 +10643,7 @@
               <a:buNone/>
             </a:pPr>
             <a:r>
-              <a:rPr lang="en-US" sz="2000" b="1" dirty="0" smtClean="0">
+              <a:rPr lang="en-US" sz="2000" b="1" dirty="0">
                 <a:solidFill>
                   <a:srgbClr val="FF0000"/>
                 </a:solidFill>
@@ -11253,13 +10652,6 @@
               </a:rPr>
               <a:t>    ball-unselected </a:t>
             </a:r>
-            <a:endParaRPr lang="en-US" sz="2000" b="1" dirty="0">
-              <a:solidFill>
-                <a:srgbClr val="FF0000"/>
-              </a:solidFill>
-              <a:latin typeface="Consolas" pitchFamily="49" charset="0"/>
-              <a:cs typeface="Consolas" pitchFamily="49" charset="0"/>
-            </a:endParaRPr>
           </a:p>
           <a:p>
             <a:pPr marL="0" indent="0">
@@ -11270,14 +10662,7 @@
                 <a:latin typeface="Consolas" pitchFamily="49" charset="0"/>
                 <a:cs typeface="Consolas" pitchFamily="49" charset="0"/>
               </a:rPr>
-              <a:t>    </a:t>
-            </a:r>
-            <a:r>
-              <a:rPr lang="en-US" sz="2000" b="1" dirty="0" smtClean="0">
-                <a:latin typeface="Consolas" pitchFamily="49" charset="0"/>
-                <a:cs typeface="Consolas" pitchFamily="49" charset="0"/>
-              </a:rPr>
-              <a:t>point-inside-x point-inside-y))</a:t>
+              <a:t>    point-inside-x point-inside-y))</a:t>
             </a:r>
           </a:p>
           <a:p>
@@ -11297,65 +10682,33 @@
               <a:rPr lang="en-US" sz="2800" dirty="0">
                 <a:cs typeface="Consolas" pitchFamily="49" charset="0"/>
               </a:rPr>
-              <a:t>Test </a:t>
-            </a:r>
-            <a:r>
-              <a:rPr lang="en-US" sz="2800" dirty="0" smtClean="0">
+              <a:t>Test fails: problem is in </a:t>
+            </a:r>
+            <a:r>
+              <a:rPr lang="en-US" sz="2800" b="1" dirty="0">
+                <a:latin typeface="Consolas" pitchFamily="49" charset="0"/>
                 <a:cs typeface="Consolas" pitchFamily="49" charset="0"/>
               </a:rPr>
-              <a:t>fails: </a:t>
-            </a:r>
+              <a:t>ball-after-mouse</a:t>
+            </a:r>
+          </a:p>
+          <a:p>
+            <a:pPr marL="0" indent="0">
+              <a:buNone/>
+            </a:pPr>
             <a:r>
               <a:rPr lang="en-US" sz="2800" dirty="0">
                 <a:cs typeface="Consolas" pitchFamily="49" charset="0"/>
               </a:rPr>
-              <a:t>problem is in </a:t>
-            </a:r>
-            <a:r>
-              <a:rPr lang="en-US" sz="2800" b="1" dirty="0" smtClean="0">
+              <a:t>Test succeeds: problem is in </a:t>
+            </a:r>
+            <a:r>
+              <a:rPr lang="en-US" sz="2800" b="1" dirty="0">
                 <a:latin typeface="Consolas" pitchFamily="49" charset="0"/>
                 <a:cs typeface="Consolas" pitchFamily="49" charset="0"/>
               </a:rPr>
-              <a:t>ball-after-mouse</a:t>
-            </a:r>
-            <a:endParaRPr lang="en-US" sz="2800" b="1" dirty="0">
-              <a:latin typeface="Consolas" pitchFamily="49" charset="0"/>
-              <a:cs typeface="Consolas" pitchFamily="49" charset="0"/>
-            </a:endParaRPr>
-          </a:p>
-          <a:p>
-            <a:pPr marL="0" indent="0">
-              <a:buNone/>
-            </a:pPr>
-            <a:r>
-              <a:rPr lang="en-US" sz="2800" dirty="0">
-                <a:cs typeface="Consolas" pitchFamily="49" charset="0"/>
-              </a:rPr>
-              <a:t>Test </a:t>
-            </a:r>
-            <a:r>
-              <a:rPr lang="en-US" sz="2800" dirty="0" smtClean="0">
-                <a:cs typeface="Consolas" pitchFamily="49" charset="0"/>
-              </a:rPr>
-              <a:t>succeeds: </a:t>
-            </a:r>
-            <a:r>
-              <a:rPr lang="en-US" sz="2800" dirty="0">
-                <a:cs typeface="Consolas" pitchFamily="49" charset="0"/>
-              </a:rPr>
-              <a:t>problem is in </a:t>
-            </a:r>
-            <a:r>
-              <a:rPr lang="en-US" sz="2800" b="1" dirty="0" smtClean="0">
-                <a:latin typeface="Consolas" pitchFamily="49" charset="0"/>
-                <a:cs typeface="Consolas" pitchFamily="49" charset="0"/>
-              </a:rPr>
               <a:t>ball-after-button-down</a:t>
             </a:r>
-            <a:endParaRPr lang="en-US" sz="2800" b="1" dirty="0">
-              <a:latin typeface="Consolas" pitchFamily="49" charset="0"/>
-              <a:cs typeface="Consolas" pitchFamily="49" charset="0"/>
-            </a:endParaRPr>
           </a:p>
           <a:p>
             <a:pPr marL="0" indent="0">
@@ -11425,18 +10778,17 @@
           <a:lstStyle/>
           <a:p>
             <a:r>
-              <a:rPr lang="en-US" dirty="0" smtClean="0"/>
+              <a:rPr lang="en-US" dirty="0"/>
               <a:t>On a button-down, we were supposed to call </a:t>
             </a:r>
             <a:r>
-              <a:rPr lang="en-US" b="1" dirty="0" smtClean="0"/>
+              <a:rPr lang="en-US" b="1" dirty="0"/>
               <a:t>ball-after-button-down</a:t>
             </a:r>
             <a:r>
-              <a:rPr lang="en-US" dirty="0" smtClean="0"/>
+              <a:rPr lang="en-US" dirty="0"/>
               <a:t>.  So let’s create a test to see if that happened.</a:t>
             </a:r>
-            <a:endParaRPr lang="en-US" dirty="0"/>
           </a:p>
         </p:txBody>
       </p:sp>
@@ -11477,38 +10829,37 @@
           </a:lstStyle>
           <a:p>
             <a:r>
-              <a:rPr lang="en-US" sz="1400" dirty="0" smtClean="0"/>
+              <a:rPr lang="en-US" sz="1400" dirty="0"/>
               <a:t>We know that </a:t>
             </a:r>
             <a:r>
-              <a:rPr lang="en-US" sz="1400" b="1" dirty="0" smtClean="0"/>
+              <a:rPr lang="en-US" sz="1400" b="1" dirty="0"/>
               <a:t>ball-after-button-down</a:t>
             </a:r>
             <a:r>
-              <a:rPr lang="en-US" sz="1400" dirty="0" smtClean="0"/>
+              <a:rPr lang="en-US" sz="1400" dirty="0"/>
               <a:t> was supposed to be called, so these two expressions should return the same thing, even if it's the wrong thing.  So if this test fails, we know that </a:t>
             </a:r>
             <a:r>
-              <a:rPr lang="en-US" sz="1400" b="1" dirty="0" smtClean="0"/>
+              <a:rPr lang="en-US" sz="1400" b="1" dirty="0"/>
               <a:t>ball-after-mouse</a:t>
             </a:r>
             <a:r>
-              <a:rPr lang="en-US" sz="1400" dirty="0" smtClean="0"/>
+              <a:rPr lang="en-US" sz="1400" dirty="0"/>
               <a:t> didn't call ball-after-button-down correctly.  If the test succeeds, we know that </a:t>
             </a:r>
             <a:r>
-              <a:rPr lang="en-US" sz="1400" b="1" dirty="0" smtClean="0"/>
+              <a:rPr lang="en-US" sz="1400" b="1" dirty="0"/>
               <a:t>ball-after-button-down</a:t>
             </a:r>
             <a:r>
-              <a:rPr lang="en-US" sz="1400" dirty="0" smtClean="0"/>
+              <a:rPr lang="en-US" sz="1400" dirty="0"/>
               <a:t> was called, but it is returning the wrong thing, because the test on the previous slide is still failing</a:t>
             </a:r>
             <a:r>
-              <a:rPr lang="en-US" dirty="0" smtClean="0"/>
+              <a:rPr lang="en-US" dirty="0"/>
               <a:t>.  </a:t>
             </a:r>
-            <a:endParaRPr lang="en-US" dirty="0"/>
           </a:p>
         </p:txBody>
       </p:sp>
@@ -11522,13 +10873,6 @@
   <p:clrMapOvr>
     <a:masterClrMapping/>
   </p:clrMapOvr>
-  <p:timing>
-    <p:tnLst>
-      <p:par>
-        <p:cTn id="1" dur="indefinite" restart="never" nodeType="tmRoot"/>
-      </p:par>
-    </p:tnLst>
-  </p:timing>
 </p:sld>
 </file>
 
@@ -11565,10 +10909,9 @@
           <a:lstStyle/>
           <a:p>
             <a:r>
-              <a:rPr lang="en-US" dirty="0" smtClean="0"/>
+              <a:rPr lang="en-US" dirty="0"/>
               <a:t>Learning Objectives</a:t>
             </a:r>
-            <a:endParaRPr lang="en-US" dirty="0"/>
           </a:p>
         </p:txBody>
       </p:sp>
@@ -11588,47 +10931,46 @@
           <a:lstStyle/>
           <a:p>
             <a:r>
-              <a:rPr lang="en-US" dirty="0" smtClean="0"/>
+              <a:rPr lang="en-US" dirty="0"/>
               <a:t>At the end of this lesson, the student should be able to:</a:t>
             </a:r>
           </a:p>
           <a:p>
             <a:pPr lvl="1"/>
             <a:r>
-              <a:rPr lang="en-US" dirty="0" smtClean="0"/>
+              <a:rPr lang="en-US" dirty="0"/>
               <a:t>list and explain four different testing goals and two different kinds of testing.</a:t>
             </a:r>
           </a:p>
           <a:p>
             <a:pPr lvl="1"/>
             <a:r>
-              <a:rPr lang="en-US" dirty="0" smtClean="0"/>
+              <a:rPr lang="en-US" dirty="0"/>
               <a:t>use the </a:t>
             </a:r>
             <a:r>
-              <a:rPr lang="en-US" dirty="0" err="1" smtClean="0"/>
+              <a:rPr lang="en-US" dirty="0" err="1"/>
               <a:t>rackunit</a:t>
             </a:r>
             <a:r>
-              <a:rPr lang="en-US" dirty="0" smtClean="0"/>
+              <a:rPr lang="en-US" dirty="0"/>
               <a:t> framework to write test suites for simple programming problems</a:t>
             </a:r>
           </a:p>
           <a:p>
             <a:pPr lvl="1"/>
             <a:r>
-              <a:rPr lang="en-US" dirty="0" smtClean="0"/>
+              <a:rPr lang="en-US" dirty="0"/>
               <a:t>use the </a:t>
             </a:r>
             <a:r>
-              <a:rPr lang="en-US" dirty="0" err="1" smtClean="0"/>
+              <a:rPr lang="en-US" dirty="0" err="1"/>
               <a:t>rackunit</a:t>
             </a:r>
             <a:r>
-              <a:rPr lang="en-US" dirty="0" smtClean="0"/>
+              <a:rPr lang="en-US" dirty="0"/>
               <a:t> framework to help in debugging simple programs</a:t>
             </a:r>
-            <a:endParaRPr lang="en-US" dirty="0"/>
           </a:p>
         </p:txBody>
       </p:sp>
@@ -11666,13 +11008,6 @@
   <p:clrMapOvr>
     <a:masterClrMapping/>
   </p:clrMapOvr>
-  <p:timing>
-    <p:tnLst>
-      <p:par>
-        <p:cTn id="1" dur="indefinite" restart="never" nodeType="tmRoot"/>
-      </p:par>
-    </p:tnLst>
-  </p:timing>
 </p:sld>
 </file>
 
@@ -11709,10 +11044,9 @@
           <a:lstStyle/>
           <a:p>
             <a:r>
-              <a:rPr lang="en-US" dirty="0" smtClean="0"/>
+              <a:rPr lang="en-US" dirty="0"/>
               <a:t>Tracking down your bug</a:t>
             </a:r>
-            <a:endParaRPr lang="en-US" dirty="0"/>
           </a:p>
         </p:txBody>
       </p:sp>
@@ -11777,90 +11111,7 @@
                 <a:latin typeface="Consolas" pitchFamily="49" charset="0"/>
                 <a:cs typeface="Consolas" pitchFamily="49" charset="0"/>
               </a:rPr>
-              <a:t>    b</a:t>
-            </a:r>
-            <a:r>
-              <a:rPr lang="en-US" sz="1800" b="1" dirty="0" smtClean="0">
-                <a:latin typeface="Consolas" pitchFamily="49" charset="0"/>
-                <a:cs typeface="Consolas" pitchFamily="49" charset="0"/>
-              </a:rPr>
-              <a:t>))</a:t>
-            </a:r>
-          </a:p>
-          <a:p>
-            <a:pPr marL="0" indent="0">
-              <a:buNone/>
-            </a:pPr>
-            <a:endParaRPr lang="en-US" sz="1800" b="1" dirty="0" smtClean="0">
-              <a:latin typeface="Consolas" pitchFamily="49" charset="0"/>
-              <a:cs typeface="Consolas" pitchFamily="49" charset="0"/>
-            </a:endParaRPr>
-          </a:p>
-          <a:p>
-            <a:pPr marL="0" indent="0">
-              <a:buNone/>
-            </a:pPr>
-            <a:r>
-              <a:rPr lang="en-US" sz="1800" b="1" dirty="0">
-                <a:latin typeface="Consolas" pitchFamily="49" charset="0"/>
-                <a:cs typeface="Consolas" pitchFamily="49" charset="0"/>
-              </a:rPr>
-              <a:t>(check-equal?</a:t>
-            </a:r>
-          </a:p>
-          <a:p>
-            <a:pPr marL="0" indent="0">
-              <a:buNone/>
-            </a:pPr>
-            <a:r>
-              <a:rPr lang="en-US" sz="1800" b="1" dirty="0">
-                <a:latin typeface="Consolas" pitchFamily="49" charset="0"/>
-                <a:cs typeface="Consolas" pitchFamily="49" charset="0"/>
-              </a:rPr>
-              <a:t>  (ball-after-button-down</a:t>
-            </a:r>
-          </a:p>
-          <a:p>
-            <a:pPr marL="0" indent="0">
-              <a:buNone/>
-            </a:pPr>
-            <a:r>
-              <a:rPr lang="en-US" sz="1800" b="1" dirty="0">
-                <a:latin typeface="Consolas" pitchFamily="49" charset="0"/>
-                <a:cs typeface="Consolas" pitchFamily="49" charset="0"/>
-              </a:rPr>
-              <a:t>    ball-unselected </a:t>
-            </a:r>
-          </a:p>
-          <a:p>
-            <a:pPr marL="0" indent="0">
-              <a:buNone/>
-            </a:pPr>
-            <a:r>
-              <a:rPr lang="en-US" sz="1800" b="1" dirty="0">
-                <a:latin typeface="Consolas" pitchFamily="49" charset="0"/>
-                <a:cs typeface="Consolas" pitchFamily="49" charset="0"/>
-              </a:rPr>
-              <a:t>    point-inside-x point-inside-y)</a:t>
-            </a:r>
-          </a:p>
-          <a:p>
-            <a:pPr marL="0" indent="0">
-              <a:buNone/>
-            </a:pPr>
-            <a:r>
-              <a:rPr lang="en-US" sz="1800" b="1" dirty="0">
-                <a:latin typeface="Consolas" pitchFamily="49" charset="0"/>
-                <a:cs typeface="Consolas" pitchFamily="49" charset="0"/>
-              </a:rPr>
-              <a:t>  (ball-make-selected </a:t>
-            </a:r>
-            <a:r>
-              <a:rPr lang="en-US" sz="1800" b="1" dirty="0" smtClean="0">
-                <a:latin typeface="Consolas" pitchFamily="49" charset="0"/>
-                <a:cs typeface="Consolas" pitchFamily="49" charset="0"/>
-              </a:rPr>
-              <a:t>ball-unselected))</a:t>
+              <a:t>    b))</a:t>
             </a:r>
           </a:p>
           <a:p>
@@ -11877,17 +11128,11 @@
               <a:buNone/>
             </a:pPr>
             <a:r>
-              <a:rPr lang="en-US" sz="2800" dirty="0" smtClean="0">
-                <a:cs typeface="Consolas" pitchFamily="49" charset="0"/>
-              </a:rPr>
-              <a:t>Test succeeds: problem is in </a:t>
-            </a:r>
-            <a:r>
-              <a:rPr lang="en-US" sz="2800" b="1" dirty="0" smtClean="0">
+              <a:rPr lang="en-US" sz="1800" b="1" dirty="0">
                 <a:latin typeface="Consolas" pitchFamily="49" charset="0"/>
                 <a:cs typeface="Consolas" pitchFamily="49" charset="0"/>
               </a:rPr>
-              <a:t>ball-make-selected</a:t>
+              <a:t>(check-equal?</a:t>
             </a:r>
           </a:p>
           <a:p>
@@ -11895,22 +11140,93 @@
               <a:buNone/>
             </a:pPr>
             <a:r>
-              <a:rPr lang="en-US" sz="2800" dirty="0" smtClean="0">
-                <a:cs typeface="Consolas" pitchFamily="49" charset="0"/>
-              </a:rPr>
-              <a:t>Test fails: problem is in </a:t>
-            </a:r>
-            <a:r>
-              <a:rPr lang="en-US" sz="2800" b="1" dirty="0" smtClean="0">
+              <a:rPr lang="en-US" sz="1800" b="1" dirty="0">
                 <a:latin typeface="Consolas" pitchFamily="49" charset="0"/>
                 <a:cs typeface="Consolas" pitchFamily="49" charset="0"/>
               </a:rPr>
-              <a:t>inside-ball?</a:t>
-            </a:r>
-            <a:endParaRPr lang="en-US" sz="2800" b="1" dirty="0">
+              <a:t>  (ball-after-button-down</a:t>
+            </a:r>
+          </a:p>
+          <a:p>
+            <a:pPr marL="0" indent="0">
+              <a:buNone/>
+            </a:pPr>
+            <a:r>
+              <a:rPr lang="en-US" sz="1800" b="1" dirty="0">
+                <a:latin typeface="Consolas" pitchFamily="49" charset="0"/>
+                <a:cs typeface="Consolas" pitchFamily="49" charset="0"/>
+              </a:rPr>
+              <a:t>    ball-unselected </a:t>
+            </a:r>
+          </a:p>
+          <a:p>
+            <a:pPr marL="0" indent="0">
+              <a:buNone/>
+            </a:pPr>
+            <a:r>
+              <a:rPr lang="en-US" sz="1800" b="1" dirty="0">
+                <a:latin typeface="Consolas" pitchFamily="49" charset="0"/>
+                <a:cs typeface="Consolas" pitchFamily="49" charset="0"/>
+              </a:rPr>
+              <a:t>    point-inside-x point-inside-y)</a:t>
+            </a:r>
+          </a:p>
+          <a:p>
+            <a:pPr marL="0" indent="0">
+              <a:buNone/>
+            </a:pPr>
+            <a:r>
+              <a:rPr lang="en-US" sz="1800" b="1" dirty="0">
+                <a:latin typeface="Consolas" pitchFamily="49" charset="0"/>
+                <a:cs typeface="Consolas" pitchFamily="49" charset="0"/>
+              </a:rPr>
+              <a:t>  (ball-make-selected ball-unselected))</a:t>
+            </a:r>
+          </a:p>
+          <a:p>
+            <a:pPr marL="0" indent="0">
+              <a:buNone/>
+            </a:pPr>
+            <a:endParaRPr lang="en-US" sz="1800" b="1" dirty="0">
               <a:latin typeface="Consolas" pitchFamily="49" charset="0"/>
               <a:cs typeface="Consolas" pitchFamily="49" charset="0"/>
             </a:endParaRPr>
+          </a:p>
+          <a:p>
+            <a:pPr marL="0" indent="0">
+              <a:buNone/>
+            </a:pPr>
+            <a:r>
+              <a:rPr lang="en-US" sz="2800" dirty="0">
+                <a:cs typeface="Consolas" pitchFamily="49" charset="0"/>
+              </a:rPr>
+              <a:t>Test succeeds: problem is in </a:t>
+            </a:r>
+            <a:r>
+              <a:rPr lang="en-US" sz="2800" b="1" dirty="0">
+                <a:latin typeface="Consolas" pitchFamily="49" charset="0"/>
+                <a:cs typeface="Consolas" pitchFamily="49" charset="0"/>
+              </a:rPr>
+              <a:t>ball-make-selected</a:t>
+            </a:r>
+          </a:p>
+          <a:p>
+            <a:pPr marL="0" indent="0">
+              <a:buNone/>
+            </a:pPr>
+            <a:r>
+              <a:rPr lang="en-US" sz="2800" dirty="0">
+                <a:cs typeface="Consolas" pitchFamily="49" charset="0"/>
+              </a:rPr>
+              <a:t>Test fails: problem is in </a:t>
+            </a:r>
+            <a:r>
+              <a:rPr lang="en-US" sz="2800" b="1" dirty="0">
+                <a:latin typeface="Consolas" pitchFamily="49" charset="0"/>
+                <a:cs typeface="Consolas" pitchFamily="49" charset="0"/>
+              </a:rPr>
+              <a:t>inside-ball?</a:t>
+            </a:r>
           </a:p>
         </p:txBody>
       </p:sp>
@@ -11971,34 +11287,33 @@
           <a:lstStyle/>
           <a:p>
             <a:r>
-              <a:rPr lang="en-US" dirty="0" smtClean="0"/>
+              <a:rPr lang="en-US" dirty="0"/>
               <a:t>Let’s imagine we’ve identified </a:t>
             </a:r>
             <a:r>
-              <a:rPr lang="en-US" b="1" dirty="0" smtClean="0"/>
+              <a:rPr lang="en-US" b="1" dirty="0"/>
               <a:t>ball-after-button-down</a:t>
             </a:r>
             <a:r>
-              <a:rPr lang="en-US" dirty="0" smtClean="0"/>
+              <a:rPr lang="en-US" dirty="0"/>
               <a:t> as the likely culprit.  We could write another test to see whether </a:t>
             </a:r>
             <a:r>
-              <a:rPr lang="en-US" b="1" dirty="0" smtClean="0"/>
+              <a:rPr lang="en-US" b="1" dirty="0"/>
               <a:t>ball-after-button-down</a:t>
             </a:r>
             <a:r>
-              <a:rPr lang="en-US" dirty="0" smtClean="0"/>
+              <a:rPr lang="en-US" dirty="0"/>
               <a:t> is calling </a:t>
             </a:r>
             <a:r>
-              <a:rPr lang="en-US" b="1" dirty="0" smtClean="0"/>
+              <a:rPr lang="en-US" b="1" dirty="0"/>
               <a:t>ball-make-selected</a:t>
             </a:r>
             <a:r>
-              <a:rPr lang="en-US" dirty="0" smtClean="0"/>
+              <a:rPr lang="en-US" dirty="0"/>
               <a:t> correctly.</a:t>
             </a:r>
-            <a:endParaRPr lang="en-US" dirty="0"/>
           </a:p>
         </p:txBody>
       </p:sp>
@@ -12012,13 +11327,6 @@
   <p:clrMapOvr>
     <a:masterClrMapping/>
   </p:clrMapOvr>
-  <p:timing>
-    <p:tnLst>
-      <p:par>
-        <p:cTn id="1" dur="indefinite" restart="never" nodeType="tmRoot"/>
-      </p:par>
-    </p:tnLst>
-  </p:timing>
 </p:sld>
 </file>
 
@@ -12055,10 +11363,9 @@
           <a:lstStyle/>
           <a:p>
             <a:r>
-              <a:rPr lang="en-US" dirty="0" smtClean="0"/>
+              <a:rPr lang="en-US" dirty="0"/>
               <a:t>What else could have gone wrong?</a:t>
             </a:r>
-            <a:endParaRPr lang="en-US" dirty="0"/>
           </a:p>
         </p:txBody>
       </p:sp>
@@ -12080,13 +11387,13 @@
           <a:lstStyle/>
           <a:p>
             <a:r>
-              <a:rPr lang="en-US" dirty="0" smtClean="0"/>
+              <a:rPr lang="en-US" dirty="0"/>
               <a:t>You could have called your help function with the wrong arguments.</a:t>
             </a:r>
           </a:p>
           <a:p>
             <a:r>
-              <a:rPr lang="en-US" dirty="0" smtClean="0"/>
+              <a:rPr lang="en-US" dirty="0"/>
               <a:t>You can use the same techniques to identify this.</a:t>
             </a:r>
           </a:p>
@@ -12126,13 +11433,6 @@
   <p:clrMapOvr>
     <a:masterClrMapping/>
   </p:clrMapOvr>
-  <p:timing>
-    <p:tnLst>
-      <p:par>
-        <p:cTn id="1" dur="indefinite" restart="never" nodeType="tmRoot"/>
-      </p:par>
-    </p:tnLst>
-  </p:timing>
 </p:sld>
 </file>
 
@@ -12171,10 +11471,9 @@
           <a:lstStyle/>
           <a:p>
             <a:r>
-              <a:rPr lang="en-US" dirty="0" smtClean="0"/>
+              <a:rPr lang="en-US" dirty="0"/>
               <a:t>Keep your bug from re-appearing</a:t>
             </a:r>
-            <a:endParaRPr lang="en-US" dirty="0"/>
           </a:p>
         </p:txBody>
       </p:sp>
@@ -12194,20 +11493,15 @@
           <a:lstStyle/>
           <a:p>
             <a:r>
-              <a:rPr lang="en-US" dirty="0" smtClean="0"/>
+              <a:rPr lang="en-US" dirty="0"/>
               <a:t>Leave the extra tests in your file</a:t>
             </a:r>
           </a:p>
           <a:p>
             <a:r>
-              <a:rPr lang="en-US" dirty="0" smtClean="0"/>
-              <a:t>That </a:t>
-            </a:r>
-            <a:r>
-              <a:rPr lang="en-US" dirty="0" smtClean="0"/>
-              <a:t>way if your bug reappears you will have the detective work all set up.</a:t>
-            </a:r>
-            <a:endParaRPr lang="en-US" dirty="0"/>
+              <a:rPr lang="en-US" dirty="0"/>
+              <a:t>That way if your bug reappears you will have the detective work all set up.</a:t>
+            </a:r>
           </a:p>
         </p:txBody>
       </p:sp>
@@ -12245,13 +11539,6 @@
   <p:clrMapOvr>
     <a:masterClrMapping/>
   </p:clrMapOvr>
-  <p:timing>
-    <p:tnLst>
-      <p:par>
-        <p:cTn id="1" dur="indefinite" restart="never" nodeType="tmRoot"/>
-      </p:par>
-    </p:tnLst>
-  </p:timing>
 </p:sld>
 </file>
 
@@ -12288,10 +11575,9 @@
           <a:lstStyle/>
           <a:p>
             <a:r>
-              <a:rPr lang="en-US" dirty="0" smtClean="0"/>
+              <a:rPr lang="en-US" dirty="0"/>
               <a:t>Disclaimer</a:t>
             </a:r>
-            <a:endParaRPr lang="en-US" dirty="0"/>
           </a:p>
         </p:txBody>
       </p:sp>
@@ -12313,37 +11599,20 @@
           <a:lstStyle/>
           <a:p>
             <a:r>
-              <a:rPr lang="en-US" dirty="0" smtClean="0"/>
-              <a:t>Our presentation has been specific </a:t>
-            </a:r>
-            <a:r>
-              <a:rPr lang="en-US" dirty="0"/>
-              <a:t>to Racket and to this </a:t>
-            </a:r>
-            <a:r>
-              <a:rPr lang="en-US" dirty="0" smtClean="0"/>
-              <a:t>course, but the ideas and techniques are adaptable to other settings and other languages.</a:t>
-            </a:r>
-          </a:p>
-          <a:p>
-            <a:r>
-              <a:rPr lang="en-US" dirty="0" smtClean="0"/>
-              <a:t>Your </a:t>
-            </a:r>
-            <a:r>
-              <a:rPr lang="en-US" dirty="0"/>
-              <a:t>employer may have different conventions for managing tests.  </a:t>
-            </a:r>
-            <a:endParaRPr lang="en-US" dirty="0" smtClean="0"/>
-          </a:p>
-          <a:p>
-            <a:r>
-              <a:rPr lang="en-US" dirty="0" smtClean="0"/>
-              <a:t>If </a:t>
-            </a:r>
-            <a:r>
-              <a:rPr lang="en-US" dirty="0"/>
-              <a:t>your employer does not have conventions for systematic testing, you should urge him (or her) to introduce one.</a:t>
+              <a:rPr lang="en-US" dirty="0"/>
+              <a:t>Our presentation has been specific to Racket and to this course, but the ideas and techniques are adaptable to other settings and other languages.</a:t>
+            </a:r>
+          </a:p>
+          <a:p>
+            <a:r>
+              <a:rPr lang="en-US" dirty="0"/>
+              <a:t>Your employer may have different conventions for managing tests.  </a:t>
+            </a:r>
+          </a:p>
+          <a:p>
+            <a:r>
+              <a:rPr lang="en-US" dirty="0"/>
+              <a:t>If your employer does not have conventions for systematic testing, you should urge him (or her) to introduce one.</a:t>
             </a:r>
           </a:p>
           <a:p>
@@ -12385,13 +11654,6 @@
   <p:clrMapOvr>
     <a:masterClrMapping/>
   </p:clrMapOvr>
-  <p:timing>
-    <p:tnLst>
-      <p:par>
-        <p:cTn id="1" dur="indefinite" restart="never" nodeType="tmRoot"/>
-      </p:par>
-    </p:tnLst>
-  </p:timing>
 </p:sld>
 </file>
 
@@ -12428,10 +11690,9 @@
           <a:lstStyle/>
           <a:p>
             <a:r>
-              <a:rPr lang="en-US" dirty="0" smtClean="0"/>
+              <a:rPr lang="en-US" dirty="0"/>
               <a:t>Next Steps</a:t>
             </a:r>
-            <a:endParaRPr lang="en-US" dirty="0"/>
           </a:p>
         </p:txBody>
       </p:sp>
@@ -12451,30 +11712,25 @@
           <a:lstStyle/>
           <a:p>
             <a:r>
-              <a:rPr lang="en-US" smtClean="0"/>
+              <a:rPr lang="en-US"/>
               <a:t>Study 02-6-ball-after-mouse-with-tests.rkt </a:t>
             </a:r>
             <a:r>
-              <a:rPr lang="en-US" dirty="0" smtClean="0"/>
+              <a:rPr lang="en-US" dirty="0"/>
               <a:t>.</a:t>
             </a:r>
           </a:p>
           <a:p>
             <a:r>
-              <a:rPr lang="en-US" dirty="0" smtClean="0"/>
-              <a:t>If </a:t>
-            </a:r>
-            <a:r>
-              <a:rPr lang="en-US" dirty="0"/>
-              <a:t>you have questions or comments about this lesson, post them on the discussion board.</a:t>
-            </a:r>
-          </a:p>
-          <a:p>
-            <a:r>
-              <a:rPr lang="en-US" dirty="0" smtClean="0"/>
+              <a:rPr lang="en-US" dirty="0"/>
+              <a:t>If you have questions or comments about this lesson, post them on the discussion board.</a:t>
+            </a:r>
+          </a:p>
+          <a:p>
+            <a:r>
+              <a:rPr lang="en-US" dirty="0"/>
               <a:t>Go on to the next lesson.</a:t>
             </a:r>
-            <a:endParaRPr lang="en-US" dirty="0"/>
           </a:p>
         </p:txBody>
       </p:sp>
@@ -12512,13 +11768,6 @@
   <p:clrMapOvr>
     <a:masterClrMapping/>
   </p:clrMapOvr>
-  <p:timing>
-    <p:tnLst>
-      <p:par>
-        <p:cTn id="1" dur="indefinite" restart="never" nodeType="tmRoot"/>
-      </p:par>
-    </p:tnLst>
-  </p:timing>
 </p:sld>
 </file>
 
@@ -12555,10 +11804,9 @@
           <a:lstStyle/>
           <a:p>
             <a:r>
-              <a:rPr lang="en-US" dirty="0" smtClean="0"/>
+              <a:rPr lang="en-US" dirty="0"/>
               <a:t>Goals of Testing</a:t>
             </a:r>
-            <a:endParaRPr lang="en-US" dirty="0"/>
           </a:p>
         </p:txBody>
       </p:sp>
@@ -12580,7 +11828,7 @@
           <a:lstStyle/>
           <a:p>
             <a:r>
-              <a:rPr lang="en-US" i="1" dirty="0" smtClean="0">
+              <a:rPr lang="en-US" i="1" dirty="0">
                 <a:solidFill>
                   <a:srgbClr val="FF0000"/>
                 </a:solidFill>
@@ -12588,10 +11836,10 @@
               <a:t>Qualification Testing: </a:t>
             </a:r>
             <a:r>
-              <a:rPr lang="en-US" dirty="0" smtClean="0"/>
+              <a:rPr lang="en-US" dirty="0"/>
               <a:t>Make sure program is ready for more serious testing</a:t>
             </a:r>
-            <a:endParaRPr lang="en-US" i="1" dirty="0" smtClean="0">
+            <a:endParaRPr lang="en-US" i="1" dirty="0">
               <a:solidFill>
                 <a:srgbClr val="FF0000"/>
               </a:solidFill>
@@ -12599,7 +11847,7 @@
           </a:p>
           <a:p>
             <a:r>
-              <a:rPr lang="en-US" i="1" dirty="0" smtClean="0">
+              <a:rPr lang="en-US" i="1" dirty="0">
                 <a:solidFill>
                   <a:srgbClr val="FF0000"/>
                 </a:solidFill>
@@ -12607,10 +11855,10 @@
               <a:t>Acceptance Testing: </a:t>
             </a:r>
             <a:r>
-              <a:rPr lang="en-US" dirty="0" smtClean="0"/>
+              <a:rPr lang="en-US" dirty="0"/>
               <a:t>Make sure program works on the given examples or use cases</a:t>
             </a:r>
-            <a:endParaRPr lang="en-US" i="1" dirty="0" smtClean="0">
+            <a:endParaRPr lang="en-US" i="1" dirty="0">
               <a:solidFill>
                 <a:srgbClr val="FF0000"/>
               </a:solidFill>
@@ -12618,7 +11866,7 @@
           </a:p>
           <a:p>
             <a:r>
-              <a:rPr lang="en-US" i="1" dirty="0" smtClean="0">
+              <a:rPr lang="en-US" i="1" dirty="0">
                 <a:solidFill>
                   <a:srgbClr val="FF0000"/>
                 </a:solidFill>
@@ -12626,13 +11874,13 @@
               <a:t>Requirements Testing</a:t>
             </a:r>
             <a:r>
-              <a:rPr lang="en-US" dirty="0" smtClean="0"/>
+              <a:rPr lang="en-US" dirty="0"/>
               <a:t>: Make sure program works as intended on other examples</a:t>
             </a:r>
           </a:p>
           <a:p>
             <a:r>
-              <a:rPr lang="en-US" i="1" dirty="0" smtClean="0">
+              <a:rPr lang="en-US" i="1" dirty="0">
                 <a:solidFill>
                   <a:srgbClr val="FF0000"/>
                 </a:solidFill>
@@ -12640,13 +11888,13 @@
               <a:t>Regression Testing</a:t>
             </a:r>
             <a:r>
-              <a:rPr lang="en-US" dirty="0" smtClean="0"/>
+              <a:rPr lang="en-US" dirty="0"/>
               <a:t>: Make sure that a change hasn’t broken anything.</a:t>
             </a:r>
           </a:p>
           <a:p>
             <a:r>
-              <a:rPr lang="en-US" i="1" dirty="0" smtClean="0">
+              <a:rPr lang="en-US" i="1" dirty="0">
                 <a:solidFill>
                   <a:srgbClr val="FF0000"/>
                 </a:solidFill>
@@ -12654,13 +11902,13 @@
               <a:t>Stress Testing</a:t>
             </a:r>
             <a:r>
-              <a:rPr lang="en-US" dirty="0" smtClean="0"/>
+              <a:rPr lang="en-US" dirty="0"/>
               <a:t>: How does the program perform for large inputs, heavy loads, etc.?</a:t>
             </a:r>
           </a:p>
           <a:p>
             <a:r>
-              <a:rPr lang="en-US" i="1" dirty="0" smtClean="0">
+              <a:rPr lang="en-US" i="1" dirty="0">
                 <a:solidFill>
                   <a:srgbClr val="FF0000"/>
                 </a:solidFill>
@@ -12668,7 +11916,7 @@
               <a:t>Usability Testing</a:t>
             </a:r>
             <a:r>
-              <a:rPr lang="en-US" dirty="0" smtClean="0"/>
+              <a:rPr lang="en-US" dirty="0"/>
               <a:t>: Is the program usable by its intended audience?</a:t>
             </a:r>
           </a:p>
@@ -12708,13 +11956,6 @@
   <p:clrMapOvr>
     <a:masterClrMapping/>
   </p:clrMapOvr>
-  <p:timing>
-    <p:tnLst>
-      <p:par>
-        <p:cTn id="1" dur="indefinite" restart="never" nodeType="tmRoot"/>
-      </p:par>
-    </p:tnLst>
-  </p:timing>
 </p:sld>
 </file>
 
@@ -12751,10 +11992,9 @@
           <a:lstStyle/>
           <a:p>
             <a:r>
-              <a:rPr lang="en-US" dirty="0" smtClean="0"/>
+              <a:rPr lang="en-US" dirty="0"/>
               <a:t>Qualification Testing</a:t>
             </a:r>
-            <a:endParaRPr lang="en-US" dirty="0"/>
           </a:p>
         </p:txBody>
       </p:sp>
@@ -12774,13 +12014,13 @@
           <a:lstStyle/>
           <a:p>
             <a:r>
-              <a:rPr lang="en-US" dirty="0" smtClean="0"/>
+              <a:rPr lang="en-US" dirty="0"/>
               <a:t>Does the program provide the functions that are specified in the problem?</a:t>
             </a:r>
           </a:p>
           <a:p>
             <a:r>
-              <a:rPr lang="en-US" dirty="0" smtClean="0"/>
+              <a:rPr lang="en-US" dirty="0"/>
               <a:t>Do they take the right number and type of arguments?  Do they return the right type of result?</a:t>
             </a:r>
           </a:p>
@@ -12789,10 +12029,9 @@
               <a:buNone/>
             </a:pPr>
             <a:r>
-              <a:rPr lang="en-US" i="1" dirty="0" smtClean="0"/>
+              <a:rPr lang="en-US" i="1" dirty="0"/>
               <a:t>If they don’t, then the program is not ready for further testing...</a:t>
             </a:r>
-            <a:endParaRPr lang="en-US" i="1" dirty="0"/>
           </a:p>
         </p:txBody>
       </p:sp>
@@ -12830,13 +12069,6 @@
   <p:clrMapOvr>
     <a:masterClrMapping/>
   </p:clrMapOvr>
-  <p:timing>
-    <p:tnLst>
-      <p:par>
-        <p:cTn id="1" dur="indefinite" restart="never" nodeType="tmRoot"/>
-      </p:par>
-    </p:tnLst>
-  </p:timing>
 </p:sld>
 </file>
 
@@ -12873,10 +12105,9 @@
           <a:lstStyle/>
           <a:p>
             <a:r>
-              <a:rPr lang="en-US" dirty="0" smtClean="0"/>
+              <a:rPr lang="en-US" dirty="0"/>
               <a:t>Acceptance Testing</a:t>
             </a:r>
-            <a:endParaRPr lang="en-US" dirty="0"/>
           </a:p>
         </p:txBody>
       </p:sp>
@@ -12896,16 +12127,15 @@
           <a:lstStyle/>
           <a:p>
             <a:r>
-              <a:rPr lang="en-US" dirty="0" smtClean="0"/>
+              <a:rPr lang="en-US" dirty="0"/>
               <a:t>The requirements probably give some examples.  Be sure to test them!</a:t>
             </a:r>
           </a:p>
           <a:p>
             <a:r>
-              <a:rPr lang="en-US" dirty="0" smtClean="0"/>
+              <a:rPr lang="en-US" dirty="0"/>
               <a:t>Sometimes the requirements are more complicated, so you'll have to make up examples to check the requirements.</a:t>
             </a:r>
-            <a:endParaRPr lang="en-US" dirty="0"/>
           </a:p>
         </p:txBody>
       </p:sp>
@@ -12930,6 +12160,79 @@
               <a:t>6</a:t>
             </a:fld>
             <a:endParaRPr lang="en-US"/>
+          </a:p>
+        </p:txBody>
+      </p:sp>
+      <p:sp>
+        <p:nvSpPr>
+          <p:cNvPr id="5" name="Rectangle 4"/>
+          <p:cNvSpPr/>
+          <p:nvPr/>
+        </p:nvSpPr>
+        <p:spPr>
+          <a:xfrm>
+            <a:off x="2209800" y="4495800"/>
+            <a:ext cx="4648200" cy="1752600"/>
+          </a:xfrm>
+          <a:prstGeom prst="rect">
+            <a:avLst/>
+          </a:prstGeom>
+          <a:solidFill>
+            <a:schemeClr val="accent3">
+              <a:lumMod val="40000"/>
+              <a:lumOff val="60000"/>
+            </a:schemeClr>
+          </a:solidFill>
+          <a:ln/>
+        </p:spPr>
+        <p:style>
+          <a:lnRef idx="2">
+            <a:schemeClr val="accent1"/>
+          </a:lnRef>
+          <a:fillRef idx="1">
+            <a:schemeClr val="lt1"/>
+          </a:fillRef>
+          <a:effectRef idx="0">
+            <a:schemeClr val="accent1"/>
+          </a:effectRef>
+          <a:fontRef idx="minor">
+            <a:schemeClr val="dk1"/>
+          </a:fontRef>
+        </p:style>
+        <p:txBody>
+          <a:bodyPr rot="0" spcFirstLastPara="0" vertOverflow="overflow" horzOverflow="overflow" vert="horz" wrap="square" lIns="91440" tIns="45720" rIns="91440" bIns="45720" numCol="1" spcCol="0" rtlCol="0" fromWordArt="0" anchor="ctr" anchorCtr="0" forceAA="0" compatLnSpc="1">
+            <a:prstTxWarp prst="textNoShape">
+              <a:avLst/>
+            </a:prstTxWarp>
+            <a:noAutofit/>
+          </a:bodyPr>
+          <a:lstStyle/>
+          <a:p>
+            <a:pPr algn="ctr"/>
+            <a:r>
+              <a:rPr lang="en-US" dirty="0">
+                <a:solidFill>
+                  <a:schemeClr val="tx1"/>
+                </a:solidFill>
+              </a:rPr>
+              <a:t>Talk more about acceptance testing.  Exercise: write a tester for quadratic-root (tester a b c x) should return true </a:t>
+            </a:r>
+            <a:r>
+              <a:rPr lang="en-US" dirty="0" err="1">
+                <a:solidFill>
+                  <a:schemeClr val="tx1"/>
+                </a:solidFill>
+              </a:rPr>
+              <a:t>iff</a:t>
+            </a:r>
+            <a:r>
+              <a:rPr lang="en-US" dirty="0">
+                <a:solidFill>
+                  <a:schemeClr val="tx1"/>
+                </a:solidFill>
+              </a:rPr>
+              <a:t> ax^2+bx+c = 0.</a:t>
+            </a:r>
           </a:p>
         </p:txBody>
       </p:sp>
@@ -12943,13 +12246,6 @@
   <p:clrMapOvr>
     <a:masterClrMapping/>
   </p:clrMapOvr>
-  <p:timing>
-    <p:tnLst>
-      <p:par>
-        <p:cTn id="1" dur="indefinite" restart="never" nodeType="tmRoot"/>
-      </p:par>
-    </p:tnLst>
-  </p:timing>
 </p:sld>
 </file>
 
@@ -12988,10 +12284,9 @@
           <a:lstStyle/>
           <a:p>
             <a:r>
-              <a:rPr lang="en-US" dirty="0" smtClean="0"/>
+              <a:rPr lang="en-US" dirty="0"/>
               <a:t>Another classification: Kinds of Testing</a:t>
             </a:r>
-            <a:endParaRPr lang="en-US" dirty="0"/>
           </a:p>
         </p:txBody>
       </p:sp>
@@ -13013,7 +12308,7 @@
           <a:lstStyle/>
           <a:p>
             <a:r>
-              <a:rPr lang="en-US" i="1" dirty="0" smtClean="0">
+              <a:rPr lang="en-US" i="1" dirty="0">
                 <a:solidFill>
                   <a:srgbClr val="FF0000"/>
                 </a:solidFill>
@@ -13021,13 +12316,13 @@
               <a:t>Black-box testing</a:t>
             </a:r>
             <a:r>
-              <a:rPr lang="en-US" dirty="0" smtClean="0"/>
+              <a:rPr lang="en-US" dirty="0"/>
               <a:t>: Tests where we don’t know anything about the internals of the program</a:t>
             </a:r>
           </a:p>
           <a:p>
             <a:r>
-              <a:rPr lang="en-US" i="1" dirty="0" smtClean="0">
+              <a:rPr lang="en-US" i="1" dirty="0">
                 <a:solidFill>
                   <a:srgbClr val="FF0000"/>
                 </a:solidFill>
@@ -13035,25 +12330,25 @@
               <a:t>White-box testing</a:t>
             </a:r>
             <a:r>
-              <a:rPr lang="en-US" dirty="0" smtClean="0"/>
+              <a:rPr lang="en-US" dirty="0"/>
               <a:t>: Tests where we take advantage of what we know about the program or the requirements</a:t>
             </a:r>
           </a:p>
           <a:p>
             <a:pPr lvl="1"/>
             <a:r>
-              <a:rPr lang="en-US" dirty="0" smtClean="0"/>
+              <a:rPr lang="en-US" dirty="0"/>
               <a:t>Example: our tests for f2c took advantage of the fact that f2c was a linear relationship: if the program worked for two values, we can be confident that it will work for others </a:t>
             </a:r>
           </a:p>
           <a:p>
             <a:pPr lvl="2"/>
             <a:r>
-              <a:rPr lang="en-US" dirty="0" smtClean="0"/>
+              <a:rPr lang="en-US" dirty="0"/>
               <a:t>Except for overflow, etc. </a:t>
             </a:r>
             <a:r>
-              <a:rPr lang="en-US" dirty="0" smtClean="0">
+              <a:rPr lang="en-US" dirty="0">
                 <a:sym typeface="Wingdings" pitchFamily="2" charset="2"/>
               </a:rPr>
               <a:t></a:t>
@@ -13061,7 +12356,7 @@
           </a:p>
           <a:p>
             <a:r>
-              <a:rPr lang="en-US" dirty="0" smtClean="0">
+              <a:rPr lang="en-US" dirty="0">
                 <a:sym typeface="Wingdings" pitchFamily="2" charset="2"/>
               </a:rPr>
               <a:t>We will do mostly white-box testing.</a:t>
@@ -13104,13 +12399,6 @@
   <p:clrMapOvr>
     <a:masterClrMapping/>
   </p:clrMapOvr>
-  <p:timing>
-    <p:tnLst>
-      <p:par>
-        <p:cTn id="1" dur="indefinite" restart="never" nodeType="tmRoot"/>
-      </p:par>
-    </p:tnLst>
-  </p:timing>
 </p:sld>
 </file>
 
@@ -13149,10 +12437,9 @@
           <a:lstStyle/>
           <a:p>
             <a:r>
-              <a:rPr lang="en-US" dirty="0" smtClean="0"/>
+              <a:rPr lang="en-US" dirty="0"/>
               <a:t>Still another classification: unit testing vs. integration testing</a:t>
             </a:r>
-            <a:endParaRPr lang="en-US" dirty="0"/>
           </a:p>
         </p:txBody>
       </p:sp>
@@ -13174,7 +12461,7 @@
           <a:lstStyle/>
           <a:p>
             <a:r>
-              <a:rPr lang="en-US" i="1" dirty="0" smtClean="0">
+              <a:rPr lang="en-US" i="1" dirty="0">
                 <a:solidFill>
                   <a:srgbClr val="FF0000"/>
                 </a:solidFill>
@@ -13182,13 +12469,13 @@
               <a:t>Unit testing </a:t>
             </a:r>
             <a:r>
-              <a:rPr lang="en-US" dirty="0" smtClean="0"/>
+              <a:rPr lang="en-US" dirty="0"/>
               <a:t>is about testing single functions or small groups of functions.</a:t>
             </a:r>
           </a:p>
           <a:p>
             <a:r>
-              <a:rPr lang="en-US" i="1" dirty="0" smtClean="0">
+              <a:rPr lang="en-US" i="1" dirty="0">
                 <a:solidFill>
                   <a:srgbClr val="FF0000"/>
                 </a:solidFill>
@@ -13196,22 +12483,21 @@
               <a:t>Integration testing </a:t>
             </a:r>
             <a:r>
-              <a:rPr lang="en-US" dirty="0" smtClean="0"/>
+              <a:rPr lang="en-US" dirty="0"/>
               <a:t>is about checking to see that larger pieces of the system fit together.</a:t>
             </a:r>
           </a:p>
           <a:p>
             <a:r>
-              <a:rPr lang="en-US" dirty="0" smtClean="0"/>
+              <a:rPr lang="en-US" dirty="0"/>
               <a:t>We will do mostly unit testing.  For us, a unit is either a single function or a small group of functions.</a:t>
             </a:r>
           </a:p>
           <a:p>
             <a:r>
-              <a:rPr lang="en-US" dirty="0" smtClean="0"/>
+              <a:rPr lang="en-US" dirty="0"/>
               <a:t>It’s important to understand just what function(s) your test is testing.  More on this shortly.</a:t>
             </a:r>
-            <a:endParaRPr lang="en-US" dirty="0"/>
           </a:p>
         </p:txBody>
       </p:sp>
@@ -13297,10 +12583,9 @@
           <a:lstStyle/>
           <a:p>
             <a:r>
-              <a:rPr lang="en-US" dirty="0" smtClean="0"/>
+              <a:rPr lang="en-US" dirty="0"/>
               <a:t>Test Coverage</a:t>
             </a:r>
-            <a:endParaRPr lang="en-US" dirty="0"/>
           </a:p>
         </p:txBody>
       </p:sp>
@@ -13322,17 +12607,17 @@
           <a:lstStyle/>
           <a:p>
             <a:r>
-              <a:rPr lang="en-US" dirty="0" smtClean="0"/>
+              <a:rPr lang="en-US" dirty="0"/>
               <a:t>How much of the possible behaviors have we tested?</a:t>
             </a:r>
           </a:p>
           <a:p>
             <a:r>
-              <a:rPr lang="en-US" dirty="0" smtClean="0"/>
+              <a:rPr lang="en-US" dirty="0"/>
               <a:t>Want every line in the program exercised.  This is called </a:t>
             </a:r>
             <a:r>
-              <a:rPr lang="en-US" i="1" dirty="0" smtClean="0">
+              <a:rPr lang="en-US" i="1" dirty="0">
                 <a:solidFill>
                   <a:srgbClr val="FF0000"/>
                 </a:solidFill>
@@ -13340,37 +12625,37 @@
               <a:t>100% expression coverage</a:t>
             </a:r>
             <a:r>
-              <a:rPr lang="en-US" dirty="0" smtClean="0"/>
+              <a:rPr lang="en-US" dirty="0"/>
               <a:t>.</a:t>
             </a:r>
           </a:p>
           <a:p>
             <a:r>
-              <a:rPr lang="en-US" dirty="0" smtClean="0"/>
+              <a:rPr lang="en-US" dirty="0"/>
               <a:t>This is our </a:t>
             </a:r>
             <a:r>
-              <a:rPr lang="en-US" b="1" dirty="0" smtClean="0"/>
+              <a:rPr lang="en-US" b="1" dirty="0"/>
               <a:t>minimum</a:t>
             </a:r>
             <a:r>
-              <a:rPr lang="en-US" dirty="0" smtClean="0"/>
+              <a:rPr lang="en-US" dirty="0"/>
               <a:t> testing requirement.</a:t>
             </a:r>
           </a:p>
           <a:p>
             <a:r>
-              <a:rPr lang="en-US" dirty="0" smtClean="0"/>
+              <a:rPr lang="en-US" dirty="0"/>
               <a:t>But this doesn’t necessarily test all the desired behaviors of our program.</a:t>
             </a:r>
           </a:p>
           <a:p>
             <a:r>
-              <a:rPr lang="en-US" dirty="0" smtClean="0"/>
+              <a:rPr lang="en-US" dirty="0"/>
               <a:t>To get a better handle on this, we introduce the idea of </a:t>
             </a:r>
             <a:r>
-              <a:rPr lang="en-US" i="1" dirty="0" smtClean="0">
+              <a:rPr lang="en-US" i="1" dirty="0">
                 <a:solidFill>
                   <a:srgbClr val="FF0000"/>
                 </a:solidFill>
@@ -13378,10 +12663,9 @@
               <a:t>equivalence partitioning</a:t>
             </a:r>
             <a:r>
-              <a:rPr lang="en-US" dirty="0" smtClean="0"/>
+              <a:rPr lang="en-US" dirty="0"/>
               <a:t>.</a:t>
             </a:r>
-            <a:endParaRPr lang="en-US" dirty="0"/>
           </a:p>
         </p:txBody>
       </p:sp>
@@ -13419,13 +12703,6 @@
   <p:clrMapOvr>
     <a:masterClrMapping/>
   </p:clrMapOvr>
-  <p:timing>
-    <p:tnLst>
-      <p:par>
-        <p:cTn id="1" dur="indefinite" restart="never" nodeType="tmRoot"/>
-      </p:par>
-    </p:tnLst>
-  </p:timing>
 </p:sld>
 </file>
 

--- a/Slides/Lesson 2.4 Testing.pptx
+++ b/Slides/Lesson 2.4 Testing.pptx
@@ -11,17 +11,17 @@
     <p:sldId id="276" r:id="rId2"/>
     <p:sldId id="325" r:id="rId3"/>
     <p:sldId id="326" r:id="rId4"/>
-    <p:sldId id="339" r:id="rId5"/>
+    <p:sldId id="345" r:id="rId5"/>
     <p:sldId id="340" r:id="rId6"/>
     <p:sldId id="341" r:id="rId7"/>
-    <p:sldId id="342" r:id="rId8"/>
-    <p:sldId id="344" r:id="rId9"/>
-    <p:sldId id="343" r:id="rId10"/>
-    <p:sldId id="281" r:id="rId11"/>
-    <p:sldId id="282" r:id="rId12"/>
-    <p:sldId id="283" r:id="rId13"/>
-    <p:sldId id="284" r:id="rId14"/>
-    <p:sldId id="285" r:id="rId15"/>
+    <p:sldId id="285" r:id="rId8"/>
+    <p:sldId id="346" r:id="rId9"/>
+    <p:sldId id="348" r:id="rId10"/>
+    <p:sldId id="349" r:id="rId11"/>
+    <p:sldId id="350" r:id="rId12"/>
+    <p:sldId id="343" r:id="rId13"/>
+    <p:sldId id="281" r:id="rId14"/>
+    <p:sldId id="282" r:id="rId15"/>
     <p:sldId id="286" r:id="rId16"/>
     <p:sldId id="327" r:id="rId17"/>
     <p:sldId id="287" r:id="rId18"/>
@@ -38,9 +38,9 @@
     <p:sldId id="331" r:id="rId29"/>
     <p:sldId id="332" r:id="rId30"/>
     <p:sldId id="333" r:id="rId31"/>
-    <p:sldId id="335" r:id="rId32"/>
-    <p:sldId id="295" r:id="rId33"/>
-    <p:sldId id="296" r:id="rId34"/>
+    <p:sldId id="295" r:id="rId32"/>
+    <p:sldId id="296" r:id="rId33"/>
+    <p:sldId id="351" r:id="rId34"/>
     <p:sldId id="338" r:id="rId35"/>
   </p:sldIdLst>
   <p:sldSz cx="9144000" cy="6858000" type="screen4x3"/>
@@ -151,17 +151,17 @@
             <p14:sldId id="276"/>
             <p14:sldId id="325"/>
             <p14:sldId id="326"/>
-            <p14:sldId id="339"/>
+            <p14:sldId id="345"/>
             <p14:sldId id="340"/>
             <p14:sldId id="341"/>
-            <p14:sldId id="342"/>
-            <p14:sldId id="344"/>
+            <p14:sldId id="285"/>
+            <p14:sldId id="346"/>
+            <p14:sldId id="348"/>
+            <p14:sldId id="349"/>
+            <p14:sldId id="350"/>
             <p14:sldId id="343"/>
             <p14:sldId id="281"/>
             <p14:sldId id="282"/>
-            <p14:sldId id="283"/>
-            <p14:sldId id="284"/>
-            <p14:sldId id="285"/>
             <p14:sldId id="286"/>
             <p14:sldId id="327"/>
             <p14:sldId id="287"/>
@@ -178,9 +178,9 @@
             <p14:sldId id="331"/>
             <p14:sldId id="332"/>
             <p14:sldId id="333"/>
-            <p14:sldId id="335"/>
             <p14:sldId id="295"/>
             <p14:sldId id="296"/>
+            <p14:sldId id="351"/>
             <p14:sldId id="338"/>
           </p14:sldIdLst>
         </p14:section>
@@ -286,7 +286,7 @@
           <a:p>
             <a:fld id="{0FAC78B3-EDCE-4187-A1AE-28620314FA32}" type="datetimeFigureOut">
               <a:rPr lang="en-US" smtClean="0"/>
-              <a:t>7/24/2016</a:t>
+              <a:t>7/28/2016</a:t>
             </a:fld>
             <a:endParaRPr lang="en-US"/>
           </a:p>
@@ -619,7 +619,7 @@
             <a:fld id="{2579440B-E791-2640-8935-69975A005A8A}" type="slidenum">
               <a:rPr lang="en-US" smtClean="0"/>
               <a:pPr/>
-              <a:t>14</a:t>
+              <a:t>7</a:t>
             </a:fld>
             <a:endParaRPr lang="en-US"/>
           </a:p>
@@ -852,26 +852,6 @@
           <a:bodyPr/>
           <a:lstStyle/>
           <a:p>
-            <a:r>
-              <a:rPr lang="en-US" dirty="0"/>
-              <a:t>Now we're ready to run our program.  What are the things that could go wrong?  Well, first your program could fail to load.  This could be the result of unbalanced parentheses.  Luckily, the Racket interaction window will usually highlight the unmatched parenthesis.  It's up to you, of course, to figure out where the matching </a:t>
-            </a:r>
-            <a:r>
-              <a:rPr lang="en-US" dirty="0" err="1"/>
-              <a:t>paren</a:t>
-            </a:r>
-            <a:r>
-              <a:rPr lang="en-US" dirty="0"/>
-              <a:t> should be inserted.</a:t>
-            </a:r>
-          </a:p>
-          <a:p>
-            <a:r>
-              <a:rPr lang="en-US" dirty="0"/>
-              <a:t>Another possibility is that you have a missing or undefined function.  Maybe you just forgot to write the function definition, or you misspelled the function name, as we did in the last demonstration.  Or maybe you forgot to require the appropriate library. Or maybe you misspelled the library name—the error message Racket gives you in this case is especially scary. But don't be frightened, it just means it couldn't find the library you told it to look for.  All these are pretty easy to fix.</a:t>
-            </a:r>
-          </a:p>
-          <a:p>
             <a:endParaRPr lang="en-US" dirty="0"/>
           </a:p>
         </p:txBody>
@@ -1064,7 +1044,7 @@
             <a:fld id="{D1C3DFC0-C863-7E4E-9CF4-900F1AC70FCB}" type="slidenum">
               <a:rPr lang="en-US" smtClean="0"/>
               <a:pPr/>
-              <a:t>32</a:t>
+              <a:t>31</a:t>
             </a:fld>
             <a:endParaRPr lang="en-US"/>
           </a:p>
@@ -1149,7 +1129,7 @@
             <a:fld id="{D1C3DFC0-C863-7E4E-9CF4-900F1AC70FCB}" type="slidenum">
               <a:rPr lang="en-US" smtClean="0"/>
               <a:pPr/>
-              <a:t>33</a:t>
+              <a:t>32</a:t>
             </a:fld>
             <a:endParaRPr lang="en-US"/>
           </a:p>
@@ -1354,7 +1334,7 @@
                 </a:solidFill>
               </a:rPr>
               <a:pPr/>
-              <a:t>7/24/2016</a:t>
+              <a:t>7/28/2016</a:t>
             </a:fld>
             <a:endParaRPr lang="en-US">
               <a:solidFill>
@@ -1481,7 +1461,7 @@
                 </a:solidFill>
               </a:rPr>
               <a:pPr/>
-              <a:t>7/24/2016</a:t>
+              <a:t>7/28/2016</a:t>
             </a:fld>
             <a:endParaRPr lang="en-US">
               <a:solidFill>
@@ -1788,7 +1768,7 @@
                 </a:solidFill>
               </a:rPr>
               <a:pPr/>
-              <a:t>7/24/2016</a:t>
+              <a:t>7/28/2016</a:t>
             </a:fld>
             <a:endParaRPr lang="en-US">
               <a:solidFill>
@@ -2072,7 +2052,7 @@
                 </a:solidFill>
               </a:rPr>
               <a:pPr/>
-              <a:t>7/24/2016</a:t>
+              <a:t>7/28/2016</a:t>
             </a:fld>
             <a:endParaRPr lang="en-US">
               <a:solidFill>
@@ -2272,7 +2252,7 @@
                 </a:solidFill>
               </a:rPr>
               <a:pPr/>
-              <a:t>7/24/2016</a:t>
+              <a:t>7/28/2016</a:t>
             </a:fld>
             <a:endParaRPr lang="en-US">
               <a:solidFill>
@@ -2482,7 +2462,7 @@
                 </a:solidFill>
               </a:rPr>
               <a:pPr/>
-              <a:t>7/24/2016</a:t>
+              <a:t>7/28/2016</a:t>
             </a:fld>
             <a:endParaRPr lang="en-US">
               <a:solidFill>
@@ -2688,7 +2668,7 @@
                 </a:solidFill>
               </a:rPr>
               <a:pPr/>
-              <a:t>7/24/2016</a:t>
+              <a:t>7/28/2016</a:t>
             </a:fld>
             <a:endParaRPr lang="en-US">
               <a:solidFill>
@@ -2893,7 +2873,7 @@
                 </a:solidFill>
               </a:rPr>
               <a:pPr/>
-              <a:t>7/24/2016</a:t>
+              <a:t>7/28/2016</a:t>
             </a:fld>
             <a:endParaRPr lang="en-US">
               <a:solidFill>
@@ -3184,7 +3164,7 @@
                 </a:solidFill>
               </a:rPr>
               <a:pPr/>
-              <a:t>7/24/2016</a:t>
+              <a:t>7/28/2016</a:t>
             </a:fld>
             <a:endParaRPr lang="en-US">
               <a:solidFill>
@@ -3392,7 +3372,7 @@
                 </a:solidFill>
               </a:rPr>
               <a:pPr/>
-              <a:t>7/24/2016</a:t>
+              <a:t>7/28/2016</a:t>
             </a:fld>
             <a:endParaRPr lang="en-US">
               <a:solidFill>
@@ -3718,7 +3698,7 @@
                 </a:solidFill>
               </a:rPr>
               <a:pPr/>
-              <a:t>7/24/2016</a:t>
+              <a:t>7/28/2016</a:t>
             </a:fld>
             <a:endParaRPr lang="en-US">
               <a:solidFill>
@@ -4035,7 +4015,7 @@
                 </a:solidFill>
               </a:rPr>
               <a:pPr/>
-              <a:t>7/24/2016</a:t>
+              <a:t>7/28/2016</a:t>
             </a:fld>
             <a:endParaRPr lang="en-US">
               <a:solidFill>
@@ -4486,7 +4466,7 @@
                 </a:solidFill>
               </a:rPr>
               <a:pPr/>
-              <a:t>7/24/2016</a:t>
+              <a:t>7/28/2016</a:t>
             </a:fld>
             <a:endParaRPr lang="en-US">
               <a:solidFill>
@@ -4635,7 +4615,7 @@
                 </a:solidFill>
               </a:rPr>
               <a:pPr/>
-              <a:t>7/24/2016</a:t>
+              <a:t>7/28/2016</a:t>
             </a:fld>
             <a:endParaRPr lang="en-US">
               <a:solidFill>
@@ -4890,7 +4870,7 @@
                 </a:solidFill>
               </a:rPr>
               <a:pPr/>
-              <a:t>7/24/2016</a:t>
+              <a:t>7/28/2016</a:t>
             </a:fld>
             <a:endParaRPr lang="en-US">
               <a:solidFill>
@@ -5311,7 +5291,7 @@
           <a:p>
             <a:r>
               <a:rPr lang="en-US" dirty="0"/>
-              <a:t>Testing and Debugging</a:t>
+              <a:t>Testing</a:t>
             </a:r>
           </a:p>
         </p:txBody>
@@ -5447,7 +5427,7 @@
             <a:p>
               <a:r>
                 <a:rPr lang="en-US" sz="1000" dirty="0"/>
-                <a:t>© Mitchell Wand, 2012-2014</a:t>
+                <a:t>© Mitchell Wand, 2012-2016</a:t>
               </a:r>
             </a:p>
             <a:p>
@@ -5540,7 +5520,7 @@
           <a:p>
             <a:r>
               <a:rPr lang="en-US" dirty="0"/>
-              <a:t>Equivalence Partitioning</a:t>
+              <a:t>Property Testing</a:t>
             </a:r>
           </a:p>
         </p:txBody>
@@ -5558,53 +5538,51 @@
         <p:spPr/>
         <p:txBody>
           <a:bodyPr>
-            <a:normAutofit fontScale="92500" lnSpcReduction="20000"/>
+            <a:normAutofit lnSpcReduction="10000"/>
           </a:bodyPr>
           <a:lstStyle/>
           <a:p>
             <a:r>
               <a:rPr lang="en-US" dirty="0"/>
-              <a:t>Possible arguments to your function typically fall into classes for which the program yields similar results.</a:t>
-            </a:r>
-          </a:p>
-          <a:p>
-            <a:r>
-              <a:rPr lang="en-US" dirty="0"/>
-              <a:t>Example: f2c had only 1 partition.</a:t>
-            </a:r>
-          </a:p>
-          <a:p>
-            <a:r>
-              <a:rPr lang="en-US" dirty="0"/>
-              <a:t>Example: ball-after-mouse depends on</a:t>
-            </a:r>
-          </a:p>
-          <a:p>
-            <a:pPr lvl="1"/>
-            <a:r>
-              <a:rPr lang="en-US" dirty="0"/>
-              <a:t>Which mouse event we’re dealing with</a:t>
-            </a:r>
-          </a:p>
-          <a:p>
-            <a:pPr lvl="1"/>
-            <a:r>
-              <a:rPr lang="en-US" dirty="0"/>
-              <a:t>Whether the mouse event is inside or outside the ball</a:t>
-            </a:r>
-          </a:p>
-          <a:p>
-            <a:pPr lvl="1"/>
-            <a:r>
-              <a:rPr lang="en-US" dirty="0"/>
-              <a:t>Whether the ball is selected</a:t>
-            </a:r>
-          </a:p>
-          <a:p>
-            <a:r>
-              <a:rPr lang="en-US" dirty="0"/>
-              <a:t>So we need 3 x 2 x 2 = 12 tests to cover all these combinations.</a:t>
-            </a:r>
+              <a:t>Test a </a:t>
+            </a:r>
+            <a:r>
+              <a:rPr lang="en-US" i="1" dirty="0"/>
+              <a:t>property</a:t>
+            </a:r>
+            <a:r>
+              <a:rPr lang="en-US" dirty="0"/>
+              <a:t> of the answer</a:t>
+            </a:r>
+          </a:p>
+          <a:p>
+            <a:r>
+              <a:rPr lang="en-US" dirty="0"/>
+              <a:t>Sometimes all you care about is that the answer has some property</a:t>
+            </a:r>
+          </a:p>
+          <a:p>
+            <a:r>
+              <a:rPr lang="en-US" dirty="0"/>
+              <a:t>There could be more than one acceptable answer.</a:t>
+            </a:r>
+          </a:p>
+          <a:p>
+            <a:r>
+              <a:rPr lang="en-US" dirty="0"/>
+              <a:t>Maybe the answer is something really complicated, so </a:t>
+            </a:r>
+            <a:r>
+              <a:rPr lang="en-US" b="1" dirty="0"/>
+              <a:t>check-equal? </a:t>
+            </a:r>
+            <a:r>
+              <a:rPr lang="en-US" dirty="0"/>
+              <a:t>won’t do the job, and the best we can do is check to see whether the answer is “good enough.”</a:t>
+            </a:r>
+          </a:p>
+          <a:p>
+            <a:endParaRPr lang="en-US" dirty="0"/>
           </a:p>
         </p:txBody>
       </p:sp>
@@ -5623,19 +5601,31 @@
           <a:bodyPr/>
           <a:lstStyle/>
           <a:p>
-            <a:fld id="{B6F15528-21DE-4FAA-801E-634DDDAF4B2B}" type="slidenum">
-              <a:rPr lang="en-US" smtClean="0"/>
+            <a:fld id="{2AF3B5EA-18B6-4040-9F78-6052AF49C681}" type="slidenum">
+              <a:rPr lang="en-US" smtClean="0">
+                <a:solidFill>
+                  <a:prstClr val="black">
+                    <a:tint val="75000"/>
+                  </a:prstClr>
+                </a:solidFill>
+              </a:rPr>
               <a:pPr/>
               <a:t>10</a:t>
             </a:fld>
-            <a:endParaRPr lang="en-US"/>
+            <a:endParaRPr lang="en-US">
+              <a:solidFill>
+                <a:prstClr val="black">
+                  <a:tint val="75000"/>
+                </a:prstClr>
+              </a:solidFill>
+            </a:endParaRPr>
           </a:p>
         </p:txBody>
       </p:sp>
     </p:spTree>
     <p:extLst>
       <p:ext uri="{BB962C8B-B14F-4D97-AF65-F5344CB8AC3E}">
-        <p14:creationId xmlns:p14="http://schemas.microsoft.com/office/powerpoint/2010/main" val="1178833121"/>
+        <p14:creationId xmlns:p14="http://schemas.microsoft.com/office/powerpoint/2010/main" val="1402872492"/>
       </p:ext>
     </p:extLst>
   </p:cSld>
@@ -5679,14 +5669,379 @@
           <a:p>
             <a:r>
               <a:rPr lang="en-US" dirty="0"/>
-              <a:t>Equivalence Partitioning</a:t>
-            </a:r>
-          </a:p>
-        </p:txBody>
-      </p:sp>
-      <p:sp>
-        <p:nvSpPr>
-          <p:cNvPr id="3" name="Slide Number Placeholder 2"/>
+              <a:t>Example of Property Testing</a:t>
+            </a:r>
+          </a:p>
+        </p:txBody>
+      </p:sp>
+      <p:sp>
+        <p:nvSpPr>
+          <p:cNvPr id="5" name="Content Placeholder 4"/>
+          <p:cNvSpPr>
+            <a:spLocks noGrp="1"/>
+          </p:cNvSpPr>
+          <p:nvPr>
+            <p:ph idx="1"/>
+          </p:nvPr>
+        </p:nvSpPr>
+        <p:spPr/>
+        <p:txBody>
+          <a:bodyPr>
+            <a:normAutofit fontScale="47500" lnSpcReduction="20000"/>
+          </a:bodyPr>
+          <a:lstStyle/>
+          <a:p>
+            <a:r>
+              <a:rPr lang="en-US" dirty="0"/>
+              <a:t>;; zero-of-quadratic? : Real^4 -&gt; Boolean</a:t>
+            </a:r>
+          </a:p>
+          <a:p>
+            <a:r>
+              <a:rPr lang="en-US" dirty="0"/>
+              <a:t>;; RETURNS: whether abs(ax^2 + </a:t>
+            </a:r>
+            <a:r>
+              <a:rPr lang="en-US" dirty="0" err="1"/>
+              <a:t>bx</a:t>
+            </a:r>
+            <a:r>
+              <a:rPr lang="en-US" dirty="0"/>
+              <a:t> + c) &lt; .01</a:t>
+            </a:r>
+          </a:p>
+          <a:p>
+            <a:r>
+              <a:rPr lang="en-US" dirty="0"/>
+              <a:t>(define (zero-of-quadratic? a b c x)</a:t>
+            </a:r>
+          </a:p>
+          <a:p>
+            <a:r>
+              <a:rPr lang="en-US" dirty="0"/>
+              <a:t>  (&lt; (magnitude</a:t>
+            </a:r>
+          </a:p>
+          <a:p>
+            <a:r>
+              <a:rPr lang="en-US" dirty="0"/>
+              <a:t>      (+ (* a x x)</a:t>
+            </a:r>
+          </a:p>
+          <a:p>
+            <a:r>
+              <a:rPr lang="en-US" dirty="0"/>
+              <a:t>         (* b x)</a:t>
+            </a:r>
+          </a:p>
+          <a:p>
+            <a:r>
+              <a:rPr lang="en-US" dirty="0"/>
+              <a:t>         c))</a:t>
+            </a:r>
+          </a:p>
+          <a:p>
+            <a:r>
+              <a:rPr lang="en-US" dirty="0"/>
+              <a:t>     .01))</a:t>
+            </a:r>
+          </a:p>
+          <a:p>
+            <a:endParaRPr lang="en-US" dirty="0"/>
+          </a:p>
+          <a:p>
+            <a:r>
+              <a:rPr lang="en-US" dirty="0"/>
+              <a:t>(define (quadratic-solution1 a b c) ...)</a:t>
+            </a:r>
+          </a:p>
+          <a:p>
+            <a:r>
+              <a:rPr lang="en-US" dirty="0"/>
+              <a:t>(define (quadratic-solution2 a b c) ...)</a:t>
+            </a:r>
+          </a:p>
+          <a:p>
+            <a:endParaRPr lang="en-US" dirty="0"/>
+          </a:p>
+          <a:p>
+            <a:r>
+              <a:rPr lang="en-US" dirty="0"/>
+              <a:t>(begin-for-test</a:t>
+            </a:r>
+          </a:p>
+          <a:p>
+            <a:r>
+              <a:rPr lang="en-US" dirty="0"/>
+              <a:t>  (check-true (zero-of-quadratic? 1 0 4 (quadratic-solution1 1 0 4)))</a:t>
+            </a:r>
+          </a:p>
+          <a:p>
+            <a:r>
+              <a:rPr lang="en-US" dirty="0"/>
+              <a:t>  (check-true (zero-of-quadratic? 1 0 4 (quadratic-solution2 1 0 4)))</a:t>
+            </a:r>
+          </a:p>
+          <a:p>
+            <a:r>
+              <a:rPr lang="en-US" dirty="0"/>
+              <a:t>  (check-true (zero-of-quadratic? 1 0 1 (quadratic-solution1 1 0 1)))</a:t>
+            </a:r>
+          </a:p>
+          <a:p>
+            <a:r>
+              <a:rPr lang="en-US" dirty="0"/>
+              <a:t>  (check-true (zero-of-quadratic? 1 0 1 (quadratic-solution2 1 0 1)))</a:t>
+            </a:r>
+          </a:p>
+          <a:p>
+            <a:r>
+              <a:rPr lang="en-US" dirty="0"/>
+              <a:t>  (check-true (zero-of-quadratic? 13 58 6 (quadratic-solution1 13 58 6))))</a:t>
+            </a:r>
+          </a:p>
+          <a:p>
+            <a:endParaRPr lang="en-US" dirty="0"/>
+          </a:p>
+        </p:txBody>
+      </p:sp>
+      <p:sp>
+        <p:nvSpPr>
+          <p:cNvPr id="4" name="Slide Number Placeholder 3"/>
+          <p:cNvSpPr>
+            <a:spLocks noGrp="1"/>
+          </p:cNvSpPr>
+          <p:nvPr>
+            <p:ph type="sldNum" sz="quarter" idx="12"/>
+          </p:nvPr>
+        </p:nvSpPr>
+        <p:spPr/>
+        <p:txBody>
+          <a:bodyPr/>
+          <a:lstStyle/>
+          <a:p>
+            <a:fld id="{2AF3B5EA-18B6-4040-9F78-6052AF49C681}" type="slidenum">
+              <a:rPr lang="en-US" smtClean="0">
+                <a:solidFill>
+                  <a:prstClr val="black">
+                    <a:tint val="75000"/>
+                  </a:prstClr>
+                </a:solidFill>
+              </a:rPr>
+              <a:pPr/>
+              <a:t>11</a:t>
+            </a:fld>
+            <a:endParaRPr lang="en-US">
+              <a:solidFill>
+                <a:prstClr val="black">
+                  <a:tint val="75000"/>
+                </a:prstClr>
+              </a:solidFill>
+            </a:endParaRPr>
+          </a:p>
+        </p:txBody>
+      </p:sp>
+      <p:sp>
+        <p:nvSpPr>
+          <p:cNvPr id="6" name="Rectangle 5"/>
+          <p:cNvSpPr/>
+          <p:nvPr/>
+        </p:nvSpPr>
+        <p:spPr>
+          <a:xfrm>
+            <a:off x="5410200" y="2036787"/>
+            <a:ext cx="3048000" cy="1828800"/>
+          </a:xfrm>
+          <a:prstGeom prst="rect">
+            <a:avLst/>
+          </a:prstGeom>
+          <a:solidFill>
+            <a:schemeClr val="accent3">
+              <a:lumMod val="40000"/>
+              <a:lumOff val="60000"/>
+            </a:schemeClr>
+          </a:solidFill>
+          <a:ln/>
+        </p:spPr>
+        <p:style>
+          <a:lnRef idx="2">
+            <a:schemeClr val="accent1"/>
+          </a:lnRef>
+          <a:fillRef idx="1">
+            <a:schemeClr val="lt1"/>
+          </a:fillRef>
+          <a:effectRef idx="0">
+            <a:schemeClr val="accent1"/>
+          </a:effectRef>
+          <a:fontRef idx="minor">
+            <a:schemeClr val="dk1"/>
+          </a:fontRef>
+        </p:style>
+        <p:txBody>
+          <a:bodyPr rot="0" spcFirstLastPara="0" vertOverflow="overflow" horzOverflow="overflow" vert="horz" wrap="square" lIns="91440" tIns="45720" rIns="91440" bIns="45720" numCol="1" spcCol="0" rtlCol="0" fromWordArt="0" anchor="ctr" anchorCtr="0" forceAA="0" compatLnSpc="1">
+            <a:prstTxWarp prst="textNoShape">
+              <a:avLst/>
+            </a:prstTxWarp>
+            <a:noAutofit/>
+          </a:bodyPr>
+          <a:lstStyle/>
+          <a:p>
+            <a:r>
+              <a:rPr lang="en-US" dirty="0">
+                <a:solidFill>
+                  <a:schemeClr val="tx1"/>
+                </a:solidFill>
+              </a:rPr>
+              <a:t>I didn’t have to find the solution to these examples by hand (especially the last one!)</a:t>
+            </a:r>
+          </a:p>
+          <a:p>
+            <a:r>
+              <a:rPr lang="en-US" dirty="0">
+                <a:solidFill>
+                  <a:schemeClr val="tx1"/>
+                </a:solidFill>
+              </a:rPr>
+              <a:t>I don’t care what the solutions are.  I only care that they solve the given equations.</a:t>
+            </a:r>
+          </a:p>
+        </p:txBody>
+      </p:sp>
+    </p:spTree>
+    <p:extLst>
+      <p:ext uri="{BB962C8B-B14F-4D97-AF65-F5344CB8AC3E}">
+        <p14:creationId xmlns:p14="http://schemas.microsoft.com/office/powerpoint/2010/main" val="3012177988"/>
+      </p:ext>
+    </p:extLst>
+  </p:cSld>
+  <p:clrMapOvr>
+    <a:masterClrMapping/>
+  </p:clrMapOvr>
+</p:sld>
+</file>
+
+<file path=ppt/slides/slide12.xml><?xml version="1.0" encoding="utf-8"?>
+<p:sld xmlns:a="http://schemas.openxmlformats.org/drawingml/2006/main" xmlns:r="http://schemas.openxmlformats.org/officeDocument/2006/relationships" xmlns:p="http://schemas.openxmlformats.org/presentationml/2006/main">
+  <p:cSld>
+    <p:spTree>
+      <p:nvGrpSpPr>
+        <p:cNvPr id="1" name=""/>
+        <p:cNvGrpSpPr/>
+        <p:nvPr/>
+      </p:nvGrpSpPr>
+      <p:grpSpPr>
+        <a:xfrm>
+          <a:off x="0" y="0"/>
+          <a:ext cx="0" cy="0"/>
+          <a:chOff x="0" y="0"/>
+          <a:chExt cx="0" cy="0"/>
+        </a:xfrm>
+      </p:grpSpPr>
+      <p:sp>
+        <p:nvSpPr>
+          <p:cNvPr id="2" name="Title 1"/>
+          <p:cNvSpPr>
+            <a:spLocks noGrp="1"/>
+          </p:cNvSpPr>
+          <p:nvPr>
+            <p:ph type="title"/>
+          </p:nvPr>
+        </p:nvSpPr>
+        <p:spPr/>
+        <p:txBody>
+          <a:bodyPr/>
+          <a:lstStyle/>
+          <a:p>
+            <a:r>
+              <a:rPr lang="en-US" dirty="0"/>
+              <a:t>Test Coverage</a:t>
+            </a:r>
+          </a:p>
+        </p:txBody>
+      </p:sp>
+      <p:sp>
+        <p:nvSpPr>
+          <p:cNvPr id="3" name="Content Placeholder 2"/>
+          <p:cNvSpPr>
+            <a:spLocks noGrp="1"/>
+          </p:cNvSpPr>
+          <p:nvPr>
+            <p:ph idx="1"/>
+          </p:nvPr>
+        </p:nvSpPr>
+        <p:spPr/>
+        <p:txBody>
+          <a:bodyPr>
+            <a:normAutofit lnSpcReduction="10000"/>
+          </a:bodyPr>
+          <a:lstStyle/>
+          <a:p>
+            <a:r>
+              <a:rPr lang="en-US" dirty="0"/>
+              <a:t>How much of the possible behaviors have we tested?</a:t>
+            </a:r>
+          </a:p>
+          <a:p>
+            <a:r>
+              <a:rPr lang="en-US" dirty="0"/>
+              <a:t>Want every line in the program exercised.  This is called </a:t>
+            </a:r>
+            <a:r>
+              <a:rPr lang="en-US" i="1" dirty="0">
+                <a:solidFill>
+                  <a:srgbClr val="FF0000"/>
+                </a:solidFill>
+              </a:rPr>
+              <a:t>100% expression coverage</a:t>
+            </a:r>
+            <a:r>
+              <a:rPr lang="en-US" dirty="0"/>
+              <a:t>.</a:t>
+            </a:r>
+          </a:p>
+          <a:p>
+            <a:r>
+              <a:rPr lang="en-US" dirty="0"/>
+              <a:t>This is our </a:t>
+            </a:r>
+            <a:r>
+              <a:rPr lang="en-US" b="1" dirty="0"/>
+              <a:t>minimum</a:t>
+            </a:r>
+            <a:r>
+              <a:rPr lang="en-US" dirty="0"/>
+              <a:t> testing requirement.</a:t>
+            </a:r>
+          </a:p>
+          <a:p>
+            <a:r>
+              <a:rPr lang="en-US" dirty="0"/>
+              <a:t>But this doesn’t necessarily test all the desired behaviors of our program.</a:t>
+            </a:r>
+          </a:p>
+          <a:p>
+            <a:r>
+              <a:rPr lang="en-US" dirty="0"/>
+              <a:t>To get a better handle on this, we introduce the idea of </a:t>
+            </a:r>
+            <a:r>
+              <a:rPr lang="en-US" i="1" dirty="0">
+                <a:solidFill>
+                  <a:srgbClr val="FF0000"/>
+                </a:solidFill>
+              </a:rPr>
+              <a:t>equivalence partitioning</a:t>
+            </a:r>
+            <a:r>
+              <a:rPr lang="en-US" dirty="0"/>
+              <a:t>.</a:t>
+            </a:r>
+          </a:p>
+        </p:txBody>
+      </p:sp>
+      <p:sp>
+        <p:nvSpPr>
+          <p:cNvPr id="4" name="Slide Number Placeholder 3"/>
           <p:cNvSpPr>
             <a:spLocks noGrp="1"/>
           </p:cNvSpPr>
@@ -5702,7 +6057,222 @@
             <a:fld id="{B6F15528-21DE-4FAA-801E-634DDDAF4B2B}" type="slidenum">
               <a:rPr lang="en-US" smtClean="0"/>
               <a:pPr/>
-              <a:t>11</a:t>
+              <a:t>12</a:t>
+            </a:fld>
+            <a:endParaRPr lang="en-US"/>
+          </a:p>
+        </p:txBody>
+      </p:sp>
+    </p:spTree>
+    <p:extLst>
+      <p:ext uri="{BB962C8B-B14F-4D97-AF65-F5344CB8AC3E}">
+        <p14:creationId xmlns:p14="http://schemas.microsoft.com/office/powerpoint/2010/main" val="2299138388"/>
+      </p:ext>
+    </p:extLst>
+  </p:cSld>
+  <p:clrMapOvr>
+    <a:masterClrMapping/>
+  </p:clrMapOvr>
+</p:sld>
+</file>
+
+<file path=ppt/slides/slide13.xml><?xml version="1.0" encoding="utf-8"?>
+<p:sld xmlns:a="http://schemas.openxmlformats.org/drawingml/2006/main" xmlns:r="http://schemas.openxmlformats.org/officeDocument/2006/relationships" xmlns:p="http://schemas.openxmlformats.org/presentationml/2006/main">
+  <p:cSld>
+    <p:spTree>
+      <p:nvGrpSpPr>
+        <p:cNvPr id="1" name=""/>
+        <p:cNvGrpSpPr/>
+        <p:nvPr/>
+      </p:nvGrpSpPr>
+      <p:grpSpPr>
+        <a:xfrm>
+          <a:off x="0" y="0"/>
+          <a:ext cx="0" cy="0"/>
+          <a:chOff x="0" y="0"/>
+          <a:chExt cx="0" cy="0"/>
+        </a:xfrm>
+      </p:grpSpPr>
+      <p:sp>
+        <p:nvSpPr>
+          <p:cNvPr id="2" name="Title 1"/>
+          <p:cNvSpPr>
+            <a:spLocks noGrp="1"/>
+          </p:cNvSpPr>
+          <p:nvPr>
+            <p:ph type="title"/>
+          </p:nvPr>
+        </p:nvSpPr>
+        <p:spPr/>
+        <p:txBody>
+          <a:bodyPr/>
+          <a:lstStyle/>
+          <a:p>
+            <a:r>
+              <a:rPr lang="en-US" dirty="0"/>
+              <a:t>Equivalence Partitioning</a:t>
+            </a:r>
+          </a:p>
+        </p:txBody>
+      </p:sp>
+      <p:sp>
+        <p:nvSpPr>
+          <p:cNvPr id="3" name="Content Placeholder 2"/>
+          <p:cNvSpPr>
+            <a:spLocks noGrp="1"/>
+          </p:cNvSpPr>
+          <p:nvPr>
+            <p:ph idx="1"/>
+          </p:nvPr>
+        </p:nvSpPr>
+        <p:spPr/>
+        <p:txBody>
+          <a:bodyPr>
+            <a:normAutofit fontScale="92500" lnSpcReduction="20000"/>
+          </a:bodyPr>
+          <a:lstStyle/>
+          <a:p>
+            <a:r>
+              <a:rPr lang="en-US" dirty="0"/>
+              <a:t>Possible arguments to your function typically fall into classes for which the program yields similar results.</a:t>
+            </a:r>
+          </a:p>
+          <a:p>
+            <a:r>
+              <a:rPr lang="en-US" dirty="0"/>
+              <a:t>Example: f2c had only 1 partition.</a:t>
+            </a:r>
+          </a:p>
+          <a:p>
+            <a:r>
+              <a:rPr lang="en-US" dirty="0"/>
+              <a:t>Example: ball-after-mouse depends on</a:t>
+            </a:r>
+          </a:p>
+          <a:p>
+            <a:pPr lvl="1"/>
+            <a:r>
+              <a:rPr lang="en-US" dirty="0"/>
+              <a:t>Which mouse event we’re dealing with</a:t>
+            </a:r>
+          </a:p>
+          <a:p>
+            <a:pPr lvl="1"/>
+            <a:r>
+              <a:rPr lang="en-US" dirty="0"/>
+              <a:t>Whether the mouse event is inside or outside the ball</a:t>
+            </a:r>
+          </a:p>
+          <a:p>
+            <a:pPr lvl="1"/>
+            <a:r>
+              <a:rPr lang="en-US" dirty="0"/>
+              <a:t>Whether the ball is selected</a:t>
+            </a:r>
+          </a:p>
+          <a:p>
+            <a:r>
+              <a:rPr lang="en-US" dirty="0"/>
+              <a:t>So we need 3 x 2 x 2 = 12 tests to cover all these combinations.</a:t>
+            </a:r>
+          </a:p>
+        </p:txBody>
+      </p:sp>
+      <p:sp>
+        <p:nvSpPr>
+          <p:cNvPr id="4" name="Slide Number Placeholder 3"/>
+          <p:cNvSpPr>
+            <a:spLocks noGrp="1"/>
+          </p:cNvSpPr>
+          <p:nvPr>
+            <p:ph type="sldNum" sz="quarter" idx="12"/>
+          </p:nvPr>
+        </p:nvSpPr>
+        <p:spPr/>
+        <p:txBody>
+          <a:bodyPr/>
+          <a:lstStyle/>
+          <a:p>
+            <a:fld id="{B6F15528-21DE-4FAA-801E-634DDDAF4B2B}" type="slidenum">
+              <a:rPr lang="en-US" smtClean="0"/>
+              <a:pPr/>
+              <a:t>13</a:t>
+            </a:fld>
+            <a:endParaRPr lang="en-US"/>
+          </a:p>
+        </p:txBody>
+      </p:sp>
+    </p:spTree>
+    <p:extLst>
+      <p:ext uri="{BB962C8B-B14F-4D97-AF65-F5344CB8AC3E}">
+        <p14:creationId xmlns:p14="http://schemas.microsoft.com/office/powerpoint/2010/main" val="1178833121"/>
+      </p:ext>
+    </p:extLst>
+  </p:cSld>
+  <p:clrMapOvr>
+    <a:masterClrMapping/>
+  </p:clrMapOvr>
+</p:sld>
+</file>
+
+<file path=ppt/slides/slide14.xml><?xml version="1.0" encoding="utf-8"?>
+<p:sld xmlns:a="http://schemas.openxmlformats.org/drawingml/2006/main" xmlns:r="http://schemas.openxmlformats.org/officeDocument/2006/relationships" xmlns:p="http://schemas.openxmlformats.org/presentationml/2006/main">
+  <p:cSld>
+    <p:spTree>
+      <p:nvGrpSpPr>
+        <p:cNvPr id="1" name=""/>
+        <p:cNvGrpSpPr/>
+        <p:nvPr/>
+      </p:nvGrpSpPr>
+      <p:grpSpPr>
+        <a:xfrm>
+          <a:off x="0" y="0"/>
+          <a:ext cx="0" cy="0"/>
+          <a:chOff x="0" y="0"/>
+          <a:chExt cx="0" cy="0"/>
+        </a:xfrm>
+      </p:grpSpPr>
+      <p:sp>
+        <p:nvSpPr>
+          <p:cNvPr id="2" name="Title 1"/>
+          <p:cNvSpPr>
+            <a:spLocks noGrp="1"/>
+          </p:cNvSpPr>
+          <p:nvPr>
+            <p:ph type="title"/>
+          </p:nvPr>
+        </p:nvSpPr>
+        <p:spPr/>
+        <p:txBody>
+          <a:bodyPr/>
+          <a:lstStyle/>
+          <a:p>
+            <a:r>
+              <a:rPr lang="en-US" dirty="0"/>
+              <a:t>Equivalence Partitioning</a:t>
+            </a:r>
+          </a:p>
+        </p:txBody>
+      </p:sp>
+      <p:sp>
+        <p:nvSpPr>
+          <p:cNvPr id="3" name="Slide Number Placeholder 2"/>
+          <p:cNvSpPr>
+            <a:spLocks noGrp="1"/>
+          </p:cNvSpPr>
+          <p:nvPr>
+            <p:ph type="sldNum" sz="quarter" idx="12"/>
+          </p:nvPr>
+        </p:nvSpPr>
+        <p:spPr/>
+        <p:txBody>
+          <a:bodyPr/>
+          <a:lstStyle/>
+          <a:p>
+            <a:fld id="{B6F15528-21DE-4FAA-801E-634DDDAF4B2B}" type="slidenum">
+              <a:rPr lang="en-US" smtClean="0"/>
+              <a:pPr/>
+              <a:t>14</a:t>
             </a:fld>
             <a:endParaRPr lang="en-US"/>
           </a:p>
@@ -6103,1413 +6673,6 @@
 </p:sld>
 </file>
 
-<file path=ppt/slides/slide12.xml><?xml version="1.0" encoding="utf-8"?>
-<p:sld xmlns:a="http://schemas.openxmlformats.org/drawingml/2006/main" xmlns:r="http://schemas.openxmlformats.org/officeDocument/2006/relationships" xmlns:p="http://schemas.openxmlformats.org/presentationml/2006/main">
-  <p:cSld>
-    <p:spTree>
-      <p:nvGrpSpPr>
-        <p:cNvPr id="1" name=""/>
-        <p:cNvGrpSpPr/>
-        <p:nvPr/>
-      </p:nvGrpSpPr>
-      <p:grpSpPr>
-        <a:xfrm>
-          <a:off x="0" y="0"/>
-          <a:ext cx="0" cy="0"/>
-          <a:chOff x="0" y="0"/>
-          <a:chExt cx="0" cy="0"/>
-        </a:xfrm>
-      </p:grpSpPr>
-      <p:sp>
-        <p:nvSpPr>
-          <p:cNvPr id="2" name="Title 1"/>
-          <p:cNvSpPr>
-            <a:spLocks noGrp="1"/>
-          </p:cNvSpPr>
-          <p:nvPr>
-            <p:ph type="title"/>
-          </p:nvPr>
-        </p:nvSpPr>
-        <p:spPr/>
-        <p:txBody>
-          <a:bodyPr/>
-          <a:lstStyle/>
-          <a:p>
-            <a:r>
-              <a:rPr lang="en-US" dirty="0"/>
-              <a:t>Boundary Testing</a:t>
-            </a:r>
-          </a:p>
-        </p:txBody>
-      </p:sp>
-      <p:sp>
-        <p:nvSpPr>
-          <p:cNvPr id="3" name="Slide Number Placeholder 2"/>
-          <p:cNvSpPr>
-            <a:spLocks noGrp="1"/>
-          </p:cNvSpPr>
-          <p:nvPr>
-            <p:ph type="sldNum" sz="quarter" idx="12"/>
-          </p:nvPr>
-        </p:nvSpPr>
-        <p:spPr/>
-        <p:txBody>
-          <a:bodyPr/>
-          <a:lstStyle/>
-          <a:p>
-            <a:fld id="{B6F15528-21DE-4FAA-801E-634DDDAF4B2B}" type="slidenum">
-              <a:rPr lang="en-US" smtClean="0"/>
-              <a:pPr/>
-              <a:t>12</a:t>
-            </a:fld>
-            <a:endParaRPr lang="en-US"/>
-          </a:p>
-        </p:txBody>
-      </p:sp>
-      <p:sp>
-        <p:nvSpPr>
-          <p:cNvPr id="6" name="Content Placeholder 2"/>
-          <p:cNvSpPr txBox="1">
-            <a:spLocks/>
-          </p:cNvSpPr>
-          <p:nvPr/>
-        </p:nvSpPr>
-        <p:spPr>
-          <a:xfrm>
-            <a:off x="457200" y="1600200"/>
-            <a:ext cx="8229600" cy="4525963"/>
-          </a:xfrm>
-          <a:prstGeom prst="rect">
-            <a:avLst/>
-          </a:prstGeom>
-        </p:spPr>
-        <p:txBody>
-          <a:bodyPr vert="horz" lIns="91440" tIns="45720" rIns="91440" bIns="45720" rtlCol="0">
-            <a:normAutofit fontScale="92500"/>
-          </a:bodyPr>
-          <a:lstStyle>
-            <a:lvl1pPr marL="342900" indent="-342900" algn="l" defTabSz="914400" rtl="0" eaLnBrk="1" latinLnBrk="0" hangingPunct="1">
-              <a:spcBef>
-                <a:spcPct val="20000"/>
-              </a:spcBef>
-              <a:buFont typeface="Arial" pitchFamily="34" charset="0"/>
-              <a:buChar char="•"/>
-              <a:defRPr sz="3200" kern="1200">
-                <a:solidFill>
-                  <a:schemeClr val="tx1"/>
-                </a:solidFill>
-                <a:latin typeface="+mn-lt"/>
-                <a:ea typeface="+mn-ea"/>
-                <a:cs typeface="+mn-cs"/>
-              </a:defRPr>
-            </a:lvl1pPr>
-            <a:lvl2pPr marL="742950" indent="-285750" algn="l" defTabSz="914400" rtl="0" eaLnBrk="1" latinLnBrk="0" hangingPunct="1">
-              <a:spcBef>
-                <a:spcPct val="20000"/>
-              </a:spcBef>
-              <a:buFont typeface="Arial" pitchFamily="34" charset="0"/>
-              <a:buChar char="–"/>
-              <a:defRPr sz="2800" kern="1200">
-                <a:solidFill>
-                  <a:schemeClr val="tx1"/>
-                </a:solidFill>
-                <a:latin typeface="+mn-lt"/>
-                <a:ea typeface="+mn-ea"/>
-                <a:cs typeface="+mn-cs"/>
-              </a:defRPr>
-            </a:lvl2pPr>
-            <a:lvl3pPr marL="1143000" indent="-228600" algn="l" defTabSz="914400" rtl="0" eaLnBrk="1" latinLnBrk="0" hangingPunct="1">
-              <a:spcBef>
-                <a:spcPct val="20000"/>
-              </a:spcBef>
-              <a:buFont typeface="Arial" pitchFamily="34" charset="0"/>
-              <a:buChar char="•"/>
-              <a:defRPr sz="2400" kern="1200">
-                <a:solidFill>
-                  <a:schemeClr val="tx1"/>
-                </a:solidFill>
-                <a:latin typeface="+mn-lt"/>
-                <a:ea typeface="+mn-ea"/>
-                <a:cs typeface="+mn-cs"/>
-              </a:defRPr>
-            </a:lvl3pPr>
-            <a:lvl4pPr marL="1600200" indent="-228600" algn="l" defTabSz="914400" rtl="0" eaLnBrk="1" latinLnBrk="0" hangingPunct="1">
-              <a:spcBef>
-                <a:spcPct val="20000"/>
-              </a:spcBef>
-              <a:buFont typeface="Arial" pitchFamily="34" charset="0"/>
-              <a:buChar char="–"/>
-              <a:defRPr sz="2000" kern="1200">
-                <a:solidFill>
-                  <a:schemeClr val="tx1"/>
-                </a:solidFill>
-                <a:latin typeface="+mn-lt"/>
-                <a:ea typeface="+mn-ea"/>
-                <a:cs typeface="+mn-cs"/>
-              </a:defRPr>
-            </a:lvl4pPr>
-            <a:lvl5pPr marL="2057400" indent="-228600" algn="l" defTabSz="914400" rtl="0" eaLnBrk="1" latinLnBrk="0" hangingPunct="1">
-              <a:spcBef>
-                <a:spcPct val="20000"/>
-              </a:spcBef>
-              <a:buFont typeface="Arial" pitchFamily="34" charset="0"/>
-              <a:buChar char="»"/>
-              <a:defRPr sz="2000" kern="1200">
-                <a:solidFill>
-                  <a:schemeClr val="tx1"/>
-                </a:solidFill>
-                <a:latin typeface="+mn-lt"/>
-                <a:ea typeface="+mn-ea"/>
-                <a:cs typeface="+mn-cs"/>
-              </a:defRPr>
-            </a:lvl5pPr>
-            <a:lvl6pPr marL="2514600" indent="-228600" algn="l" defTabSz="914400" rtl="0" eaLnBrk="1" latinLnBrk="0" hangingPunct="1">
-              <a:spcBef>
-                <a:spcPct val="20000"/>
-              </a:spcBef>
-              <a:buFont typeface="Arial" pitchFamily="34" charset="0"/>
-              <a:buChar char="•"/>
-              <a:defRPr sz="2000" kern="1200">
-                <a:solidFill>
-                  <a:schemeClr val="tx1"/>
-                </a:solidFill>
-                <a:latin typeface="+mn-lt"/>
-                <a:ea typeface="+mn-ea"/>
-                <a:cs typeface="+mn-cs"/>
-              </a:defRPr>
-            </a:lvl6pPr>
-            <a:lvl7pPr marL="2971800" indent="-228600" algn="l" defTabSz="914400" rtl="0" eaLnBrk="1" latinLnBrk="0" hangingPunct="1">
-              <a:spcBef>
-                <a:spcPct val="20000"/>
-              </a:spcBef>
-              <a:buFont typeface="Arial" pitchFamily="34" charset="0"/>
-              <a:buChar char="•"/>
-              <a:defRPr sz="2000" kern="1200">
-                <a:solidFill>
-                  <a:schemeClr val="tx1"/>
-                </a:solidFill>
-                <a:latin typeface="+mn-lt"/>
-                <a:ea typeface="+mn-ea"/>
-                <a:cs typeface="+mn-cs"/>
-              </a:defRPr>
-            </a:lvl7pPr>
-            <a:lvl8pPr marL="3429000" indent="-228600" algn="l" defTabSz="914400" rtl="0" eaLnBrk="1" latinLnBrk="0" hangingPunct="1">
-              <a:spcBef>
-                <a:spcPct val="20000"/>
-              </a:spcBef>
-              <a:buFont typeface="Arial" pitchFamily="34" charset="0"/>
-              <a:buChar char="•"/>
-              <a:defRPr sz="2000" kern="1200">
-                <a:solidFill>
-                  <a:schemeClr val="tx1"/>
-                </a:solidFill>
-                <a:latin typeface="+mn-lt"/>
-                <a:ea typeface="+mn-ea"/>
-                <a:cs typeface="+mn-cs"/>
-              </a:defRPr>
-            </a:lvl8pPr>
-            <a:lvl9pPr marL="3886200" indent="-228600" algn="l" defTabSz="914400" rtl="0" eaLnBrk="1" latinLnBrk="0" hangingPunct="1">
-              <a:spcBef>
-                <a:spcPct val="20000"/>
-              </a:spcBef>
-              <a:buFont typeface="Arial" pitchFamily="34" charset="0"/>
-              <a:buChar char="•"/>
-              <a:defRPr sz="2000" kern="1200">
-                <a:solidFill>
-                  <a:schemeClr val="tx1"/>
-                </a:solidFill>
-                <a:latin typeface="+mn-lt"/>
-                <a:ea typeface="+mn-ea"/>
-                <a:cs typeface="+mn-cs"/>
-              </a:defRPr>
-            </a:lvl9pPr>
-          </a:lstStyle>
-          <a:p>
-            <a:r>
-              <a:rPr lang="en-US" dirty="0"/>
-              <a:t>Want to make sure that the boundaries between these equivalence classes are in the right place.</a:t>
-            </a:r>
-          </a:p>
-          <a:p>
-            <a:r>
-              <a:rPr lang="en-US" dirty="0"/>
-              <a:t>Example: </a:t>
-            </a:r>
-            <a:r>
-              <a:rPr lang="en-US" dirty="0" err="1"/>
-              <a:t>int</a:t>
-            </a:r>
-            <a:r>
-              <a:rPr lang="en-US" dirty="0"/>
-              <a:t>-square-root</a:t>
-            </a:r>
-          </a:p>
-          <a:p>
-            <a:pPr lvl="1"/>
-            <a:r>
-              <a:rPr lang="en-US" b="1" dirty="0">
-                <a:latin typeface="Consolas" pitchFamily="49" charset="0"/>
-                <a:cs typeface="Consolas" pitchFamily="49" charset="0"/>
-              </a:rPr>
-              <a:t>(</a:t>
-            </a:r>
-            <a:r>
-              <a:rPr lang="en-US" b="1" dirty="0" err="1">
-                <a:latin typeface="Consolas" pitchFamily="49" charset="0"/>
-                <a:cs typeface="Consolas" pitchFamily="49" charset="0"/>
-              </a:rPr>
-              <a:t>int</a:t>
-            </a:r>
-            <a:r>
-              <a:rPr lang="en-US" b="1" dirty="0">
-                <a:latin typeface="Consolas" pitchFamily="49" charset="0"/>
-                <a:cs typeface="Consolas" pitchFamily="49" charset="0"/>
-              </a:rPr>
-              <a:t>-square-root 24) = 4</a:t>
-            </a:r>
-          </a:p>
-          <a:p>
-            <a:pPr lvl="1"/>
-            <a:r>
-              <a:rPr lang="en-US" b="1" dirty="0">
-                <a:latin typeface="Consolas" pitchFamily="49" charset="0"/>
-                <a:cs typeface="Consolas" pitchFamily="49" charset="0"/>
-              </a:rPr>
-              <a:t>(</a:t>
-            </a:r>
-            <a:r>
-              <a:rPr lang="en-US" b="1" dirty="0" err="1">
-                <a:latin typeface="Consolas" pitchFamily="49" charset="0"/>
-                <a:cs typeface="Consolas" pitchFamily="49" charset="0"/>
-              </a:rPr>
-              <a:t>int</a:t>
-            </a:r>
-            <a:r>
-              <a:rPr lang="en-US" b="1" dirty="0">
-                <a:latin typeface="Consolas" pitchFamily="49" charset="0"/>
-                <a:cs typeface="Consolas" pitchFamily="49" charset="0"/>
-              </a:rPr>
-              <a:t>-square-root 25) = 5</a:t>
-            </a:r>
-          </a:p>
-          <a:p>
-            <a:pPr lvl="1"/>
-            <a:r>
-              <a:rPr lang="en-US" b="1" dirty="0">
-                <a:latin typeface="Consolas" pitchFamily="49" charset="0"/>
-                <a:cs typeface="Consolas" pitchFamily="49" charset="0"/>
-              </a:rPr>
-              <a:t>(</a:t>
-            </a:r>
-            <a:r>
-              <a:rPr lang="en-US" b="1" dirty="0" err="1">
-                <a:latin typeface="Consolas" pitchFamily="49" charset="0"/>
-                <a:cs typeface="Consolas" pitchFamily="49" charset="0"/>
-              </a:rPr>
-              <a:t>int</a:t>
-            </a:r>
-            <a:r>
-              <a:rPr lang="en-US" b="1" dirty="0">
-                <a:latin typeface="Consolas" pitchFamily="49" charset="0"/>
-                <a:cs typeface="Consolas" pitchFamily="49" charset="0"/>
-              </a:rPr>
-              <a:t>-square-root 26) = 5</a:t>
-            </a:r>
-          </a:p>
-          <a:p>
-            <a:pPr lvl="1"/>
-            <a:r>
-              <a:rPr lang="en-US" b="1" dirty="0">
-                <a:latin typeface="Consolas" pitchFamily="49" charset="0"/>
-                <a:cs typeface="Consolas" pitchFamily="49" charset="0"/>
-              </a:rPr>
-              <a:t>...</a:t>
-            </a:r>
-          </a:p>
-          <a:p>
-            <a:pPr lvl="1"/>
-            <a:r>
-              <a:rPr lang="en-US" b="1" dirty="0">
-                <a:latin typeface="Consolas" pitchFamily="49" charset="0"/>
-                <a:cs typeface="Consolas" pitchFamily="49" charset="0"/>
-              </a:rPr>
-              <a:t>(</a:t>
-            </a:r>
-            <a:r>
-              <a:rPr lang="en-US" b="1" dirty="0" err="1">
-                <a:latin typeface="Consolas" pitchFamily="49" charset="0"/>
-                <a:cs typeface="Consolas" pitchFamily="49" charset="0"/>
-              </a:rPr>
-              <a:t>int</a:t>
-            </a:r>
-            <a:r>
-              <a:rPr lang="en-US" b="1" dirty="0">
-                <a:latin typeface="Consolas" pitchFamily="49" charset="0"/>
-                <a:cs typeface="Consolas" pitchFamily="49" charset="0"/>
-              </a:rPr>
-              <a:t>-square-root 35) = 5</a:t>
-            </a:r>
-          </a:p>
-          <a:p>
-            <a:pPr lvl="1"/>
-            <a:r>
-              <a:rPr lang="en-US" b="1" dirty="0">
-                <a:latin typeface="Consolas" pitchFamily="49" charset="0"/>
-                <a:cs typeface="Consolas" pitchFamily="49" charset="0"/>
-              </a:rPr>
-              <a:t>(</a:t>
-            </a:r>
-            <a:r>
-              <a:rPr lang="en-US" b="1" dirty="0" err="1">
-                <a:latin typeface="Consolas" pitchFamily="49" charset="0"/>
-                <a:cs typeface="Consolas" pitchFamily="49" charset="0"/>
-              </a:rPr>
-              <a:t>int</a:t>
-            </a:r>
-            <a:r>
-              <a:rPr lang="en-US" b="1" dirty="0">
-                <a:latin typeface="Consolas" pitchFamily="49" charset="0"/>
-                <a:cs typeface="Consolas" pitchFamily="49" charset="0"/>
-              </a:rPr>
-              <a:t>-square-root 36) = 6</a:t>
-            </a:r>
-          </a:p>
-        </p:txBody>
-      </p:sp>
-      <p:grpSp>
-        <p:nvGrpSpPr>
-          <p:cNvPr id="11" name="Group 10"/>
-          <p:cNvGrpSpPr/>
-          <p:nvPr/>
-        </p:nvGrpSpPr>
-        <p:grpSpPr>
-          <a:xfrm>
-            <a:off x="5648960" y="3429000"/>
-            <a:ext cx="2306320" cy="467360"/>
-            <a:chOff x="5648960" y="3429000"/>
-            <a:chExt cx="2306320" cy="467360"/>
-          </a:xfrm>
-        </p:grpSpPr>
-        <p:sp>
-          <p:nvSpPr>
-            <p:cNvPr id="7" name="Rectangle 6"/>
-            <p:cNvSpPr/>
-            <p:nvPr/>
-          </p:nvSpPr>
-          <p:spPr>
-            <a:xfrm>
-              <a:off x="6421120" y="3429000"/>
-              <a:ext cx="1534160" cy="467360"/>
-            </a:xfrm>
-            <a:prstGeom prst="rect">
-              <a:avLst/>
-            </a:prstGeom>
-          </p:spPr>
-          <p:style>
-            <a:lnRef idx="1">
-              <a:schemeClr val="accent1"/>
-            </a:lnRef>
-            <a:fillRef idx="2">
-              <a:schemeClr val="accent1"/>
-            </a:fillRef>
-            <a:effectRef idx="1">
-              <a:schemeClr val="accent1"/>
-            </a:effectRef>
-            <a:fontRef idx="minor">
-              <a:schemeClr val="dk1"/>
-            </a:fontRef>
-          </p:style>
-          <p:txBody>
-            <a:bodyPr rtlCol="0" anchor="ctr"/>
-            <a:lstStyle/>
-            <a:p>
-              <a:pPr algn="ctr"/>
-              <a:r>
-                <a:rPr lang="en-US" dirty="0"/>
-                <a:t>boundary</a:t>
-              </a:r>
-            </a:p>
-          </p:txBody>
-        </p:sp>
-        <p:cxnSp>
-          <p:nvCxnSpPr>
-            <p:cNvPr id="9" name="Straight Arrow Connector 8"/>
-            <p:cNvCxnSpPr>
-              <a:stCxn id="7" idx="1"/>
-            </p:cNvCxnSpPr>
-            <p:nvPr/>
-          </p:nvCxnSpPr>
-          <p:spPr>
-            <a:xfrm flipH="1">
-              <a:off x="5648960" y="3662680"/>
-              <a:ext cx="772160" cy="0"/>
-            </a:xfrm>
-            <a:prstGeom prst="straightConnector1">
-              <a:avLst/>
-            </a:prstGeom>
-            <a:ln>
-              <a:solidFill>
-                <a:schemeClr val="accent2"/>
-              </a:solidFill>
-              <a:tailEnd type="arrow"/>
-            </a:ln>
-          </p:spPr>
-          <p:style>
-            <a:lnRef idx="2">
-              <a:schemeClr val="accent1"/>
-            </a:lnRef>
-            <a:fillRef idx="0">
-              <a:schemeClr val="accent1"/>
-            </a:fillRef>
-            <a:effectRef idx="1">
-              <a:schemeClr val="accent1"/>
-            </a:effectRef>
-            <a:fontRef idx="minor">
-              <a:schemeClr val="tx1"/>
-            </a:fontRef>
-          </p:style>
-        </p:cxnSp>
-      </p:grpSp>
-      <p:grpSp>
-        <p:nvGrpSpPr>
-          <p:cNvPr id="12" name="Group 11"/>
-          <p:cNvGrpSpPr/>
-          <p:nvPr/>
-        </p:nvGrpSpPr>
-        <p:grpSpPr>
-          <a:xfrm>
-            <a:off x="5913120" y="5252720"/>
-            <a:ext cx="2306320" cy="467360"/>
-            <a:chOff x="5913120" y="5252720"/>
-            <a:chExt cx="2306320" cy="467360"/>
-          </a:xfrm>
-        </p:grpSpPr>
-        <p:sp>
-          <p:nvSpPr>
-            <p:cNvPr id="8" name="Rectangle 7"/>
-            <p:cNvSpPr/>
-            <p:nvPr/>
-          </p:nvSpPr>
-          <p:spPr>
-            <a:xfrm>
-              <a:off x="6685280" y="5252720"/>
-              <a:ext cx="1534160" cy="467360"/>
-            </a:xfrm>
-            <a:prstGeom prst="rect">
-              <a:avLst/>
-            </a:prstGeom>
-          </p:spPr>
-          <p:style>
-            <a:lnRef idx="1">
-              <a:schemeClr val="accent1"/>
-            </a:lnRef>
-            <a:fillRef idx="2">
-              <a:schemeClr val="accent1"/>
-            </a:fillRef>
-            <a:effectRef idx="1">
-              <a:schemeClr val="accent1"/>
-            </a:effectRef>
-            <a:fontRef idx="minor">
-              <a:schemeClr val="dk1"/>
-            </a:fontRef>
-          </p:style>
-          <p:txBody>
-            <a:bodyPr rtlCol="0" anchor="ctr"/>
-            <a:lstStyle/>
-            <a:p>
-              <a:pPr algn="ctr"/>
-              <a:r>
-                <a:rPr lang="en-US" dirty="0"/>
-                <a:t>boundary</a:t>
-              </a:r>
-            </a:p>
-          </p:txBody>
-        </p:sp>
-        <p:cxnSp>
-          <p:nvCxnSpPr>
-            <p:cNvPr id="10" name="Straight Arrow Connector 9"/>
-            <p:cNvCxnSpPr>
-              <a:stCxn id="8" idx="1"/>
-            </p:cNvCxnSpPr>
-            <p:nvPr/>
-          </p:nvCxnSpPr>
-          <p:spPr>
-            <a:xfrm flipH="1">
-              <a:off x="5913120" y="5486400"/>
-              <a:ext cx="772160" cy="0"/>
-            </a:xfrm>
-            <a:prstGeom prst="straightConnector1">
-              <a:avLst/>
-            </a:prstGeom>
-            <a:ln>
-              <a:solidFill>
-                <a:schemeClr val="accent2"/>
-              </a:solidFill>
-              <a:tailEnd type="arrow"/>
-            </a:ln>
-          </p:spPr>
-          <p:style>
-            <a:lnRef idx="2">
-              <a:schemeClr val="accent1"/>
-            </a:lnRef>
-            <a:fillRef idx="0">
-              <a:schemeClr val="accent1"/>
-            </a:fillRef>
-            <a:effectRef idx="1">
-              <a:schemeClr val="accent1"/>
-            </a:effectRef>
-            <a:fontRef idx="minor">
-              <a:schemeClr val="tx1"/>
-            </a:fontRef>
-          </p:style>
-        </p:cxnSp>
-      </p:grpSp>
-    </p:spTree>
-    <p:extLst>
-      <p:ext uri="{BB962C8B-B14F-4D97-AF65-F5344CB8AC3E}">
-        <p14:creationId xmlns:p14="http://schemas.microsoft.com/office/powerpoint/2010/main" val="2845942675"/>
-      </p:ext>
-    </p:extLst>
-  </p:cSld>
-  <p:clrMapOvr>
-    <a:masterClrMapping/>
-  </p:clrMapOvr>
-</p:sld>
-</file>
-
-<file path=ppt/slides/slide13.xml><?xml version="1.0" encoding="utf-8"?>
-<p:sld xmlns:a="http://schemas.openxmlformats.org/drawingml/2006/main" xmlns:r="http://schemas.openxmlformats.org/officeDocument/2006/relationships" xmlns:p="http://schemas.openxmlformats.org/presentationml/2006/main">
-  <p:cSld>
-    <p:spTree>
-      <p:nvGrpSpPr>
-        <p:cNvPr id="1" name=""/>
-        <p:cNvGrpSpPr/>
-        <p:nvPr/>
-      </p:nvGrpSpPr>
-      <p:grpSpPr>
-        <a:xfrm>
-          <a:off x="0" y="0"/>
-          <a:ext cx="0" cy="0"/>
-          <a:chOff x="0" y="0"/>
-          <a:chExt cx="0" cy="0"/>
-        </a:xfrm>
-      </p:grpSpPr>
-      <p:sp>
-        <p:nvSpPr>
-          <p:cNvPr id="2" name="Title 1"/>
-          <p:cNvSpPr>
-            <a:spLocks noGrp="1"/>
-          </p:cNvSpPr>
-          <p:nvPr>
-            <p:ph type="title"/>
-          </p:nvPr>
-        </p:nvSpPr>
-        <p:spPr/>
-        <p:txBody>
-          <a:bodyPr/>
-          <a:lstStyle/>
-          <a:p>
-            <a:r>
-              <a:rPr lang="en-US" dirty="0"/>
-              <a:t>Boundary Testing</a:t>
-            </a:r>
-          </a:p>
-        </p:txBody>
-      </p:sp>
-      <p:sp>
-        <p:nvSpPr>
-          <p:cNvPr id="3" name="Slide Number Placeholder 2"/>
-          <p:cNvSpPr>
-            <a:spLocks noGrp="1"/>
-          </p:cNvSpPr>
-          <p:nvPr>
-            <p:ph type="sldNum" sz="quarter" idx="12"/>
-          </p:nvPr>
-        </p:nvSpPr>
-        <p:spPr/>
-        <p:txBody>
-          <a:bodyPr/>
-          <a:lstStyle/>
-          <a:p>
-            <a:fld id="{B6F15528-21DE-4FAA-801E-634DDDAF4B2B}" type="slidenum">
-              <a:rPr lang="en-US" smtClean="0"/>
-              <a:pPr/>
-              <a:t>13</a:t>
-            </a:fld>
-            <a:endParaRPr lang="en-US"/>
-          </a:p>
-        </p:txBody>
-      </p:sp>
-      <p:sp>
-        <p:nvSpPr>
-          <p:cNvPr id="5" name="Rectangle 4"/>
-          <p:cNvSpPr/>
-          <p:nvPr/>
-        </p:nvSpPr>
-        <p:spPr>
-          <a:xfrm>
-            <a:off x="1873624" y="1649506"/>
-            <a:ext cx="5396753" cy="3908612"/>
-          </a:xfrm>
-          <a:prstGeom prst="rect">
-            <a:avLst/>
-          </a:prstGeom>
-        </p:spPr>
-        <p:style>
-          <a:lnRef idx="2">
-            <a:schemeClr val="dk1"/>
-          </a:lnRef>
-          <a:fillRef idx="1">
-            <a:schemeClr val="lt1"/>
-          </a:fillRef>
-          <a:effectRef idx="0">
-            <a:schemeClr val="dk1"/>
-          </a:effectRef>
-          <a:fontRef idx="minor">
-            <a:schemeClr val="dk1"/>
-          </a:fontRef>
-        </p:style>
-        <p:txBody>
-          <a:bodyPr rtlCol="0" anchor="ctr"/>
-          <a:lstStyle/>
-          <a:p>
-            <a:pPr algn="ctr"/>
-            <a:endParaRPr lang="en-US" dirty="0"/>
-          </a:p>
-        </p:txBody>
-      </p:sp>
-      <p:cxnSp>
-        <p:nvCxnSpPr>
-          <p:cNvPr id="7" name="Straight Connector 6"/>
-          <p:cNvCxnSpPr/>
-          <p:nvPr/>
-        </p:nvCxnSpPr>
-        <p:spPr>
-          <a:xfrm>
-            <a:off x="3639671" y="1649506"/>
-            <a:ext cx="1595717" cy="3908612"/>
-          </a:xfrm>
-          <a:prstGeom prst="line">
-            <a:avLst/>
-          </a:prstGeom>
-        </p:spPr>
-        <p:style>
-          <a:lnRef idx="2">
-            <a:schemeClr val="accent1"/>
-          </a:lnRef>
-          <a:fillRef idx="0">
-            <a:schemeClr val="accent1"/>
-          </a:fillRef>
-          <a:effectRef idx="1">
-            <a:schemeClr val="accent1"/>
-          </a:effectRef>
-          <a:fontRef idx="minor">
-            <a:schemeClr val="tx1"/>
-          </a:fontRef>
-        </p:style>
-      </p:cxnSp>
-      <p:cxnSp>
-        <p:nvCxnSpPr>
-          <p:cNvPr id="9" name="Straight Connector 8"/>
-          <p:cNvCxnSpPr/>
-          <p:nvPr/>
-        </p:nvCxnSpPr>
-        <p:spPr>
-          <a:xfrm flipH="1">
-            <a:off x="1873624" y="1649506"/>
-            <a:ext cx="4491317" cy="3316941"/>
-          </a:xfrm>
-          <a:prstGeom prst="line">
-            <a:avLst/>
-          </a:prstGeom>
-        </p:spPr>
-        <p:style>
-          <a:lnRef idx="2">
-            <a:schemeClr val="accent1"/>
-          </a:lnRef>
-          <a:fillRef idx="0">
-            <a:schemeClr val="accent1"/>
-          </a:fillRef>
-          <a:effectRef idx="1">
-            <a:schemeClr val="accent1"/>
-          </a:effectRef>
-          <a:fontRef idx="minor">
-            <a:schemeClr val="tx1"/>
-          </a:fontRef>
-        </p:style>
-      </p:cxnSp>
-      <p:cxnSp>
-        <p:nvCxnSpPr>
-          <p:cNvPr id="11" name="Straight Connector 10"/>
-          <p:cNvCxnSpPr/>
-          <p:nvPr/>
-        </p:nvCxnSpPr>
-        <p:spPr>
-          <a:xfrm>
-            <a:off x="5593976" y="2223247"/>
-            <a:ext cx="1676401" cy="3334871"/>
-          </a:xfrm>
-          <a:prstGeom prst="line">
-            <a:avLst/>
-          </a:prstGeom>
-        </p:spPr>
-        <p:style>
-          <a:lnRef idx="2">
-            <a:schemeClr val="accent1"/>
-          </a:lnRef>
-          <a:fillRef idx="0">
-            <a:schemeClr val="accent1"/>
-          </a:fillRef>
-          <a:effectRef idx="1">
-            <a:schemeClr val="accent1"/>
-          </a:effectRef>
-          <a:fontRef idx="minor">
-            <a:schemeClr val="tx1"/>
-          </a:fontRef>
-        </p:style>
-      </p:cxnSp>
-      <p:cxnSp>
-        <p:nvCxnSpPr>
-          <p:cNvPr id="13" name="Straight Connector 12"/>
-          <p:cNvCxnSpPr/>
-          <p:nvPr/>
-        </p:nvCxnSpPr>
-        <p:spPr>
-          <a:xfrm flipV="1">
-            <a:off x="1873624" y="2850776"/>
-            <a:ext cx="5396753" cy="53789"/>
-          </a:xfrm>
-          <a:prstGeom prst="line">
-            <a:avLst/>
-          </a:prstGeom>
-        </p:spPr>
-        <p:style>
-          <a:lnRef idx="2">
-            <a:schemeClr val="accent1"/>
-          </a:lnRef>
-          <a:fillRef idx="0">
-            <a:schemeClr val="accent1"/>
-          </a:fillRef>
-          <a:effectRef idx="1">
-            <a:schemeClr val="accent1"/>
-          </a:effectRef>
-          <a:fontRef idx="minor">
-            <a:schemeClr val="tx1"/>
-          </a:fontRef>
-        </p:style>
-      </p:cxnSp>
-      <p:sp>
-        <p:nvSpPr>
-          <p:cNvPr id="14" name="TextBox 13"/>
-          <p:cNvSpPr txBox="1"/>
-          <p:nvPr/>
-        </p:nvSpPr>
-        <p:spPr>
-          <a:xfrm>
-            <a:off x="457200" y="1093694"/>
-            <a:ext cx="2715936" cy="369332"/>
-          </a:xfrm>
-          <a:prstGeom prst="rect">
-            <a:avLst/>
-          </a:prstGeom>
-        </p:spPr>
-        <p:style>
-          <a:lnRef idx="1">
-            <a:schemeClr val="accent1"/>
-          </a:lnRef>
-          <a:fillRef idx="2">
-            <a:schemeClr val="accent1"/>
-          </a:fillRef>
-          <a:effectRef idx="1">
-            <a:schemeClr val="accent1"/>
-          </a:effectRef>
-          <a:fontRef idx="minor">
-            <a:schemeClr val="dk1"/>
-          </a:fontRef>
-        </p:style>
-        <p:txBody>
-          <a:bodyPr wrap="none" rtlCol="0">
-            <a:spAutoFit/>
-          </a:bodyPr>
-          <a:lstStyle/>
-          <a:p>
-            <a:r>
-              <a:rPr lang="en-US" dirty="0"/>
-              <a:t>Regions of similar behavior</a:t>
-            </a:r>
-          </a:p>
-        </p:txBody>
-      </p:sp>
-      <p:sp>
-        <p:nvSpPr>
-          <p:cNvPr id="17" name="Oval 16"/>
-          <p:cNvSpPr/>
-          <p:nvPr/>
-        </p:nvSpPr>
-        <p:spPr>
-          <a:xfrm>
-            <a:off x="2084295" y="2514599"/>
-            <a:ext cx="282388" cy="295836"/>
-          </a:xfrm>
-          <a:prstGeom prst="ellipse">
-            <a:avLst/>
-          </a:prstGeom>
-          <a:solidFill>
-            <a:schemeClr val="tx1"/>
-          </a:solidFill>
-        </p:spPr>
-        <p:style>
-          <a:lnRef idx="1">
-            <a:schemeClr val="accent1"/>
-          </a:lnRef>
-          <a:fillRef idx="3">
-            <a:schemeClr val="accent1"/>
-          </a:fillRef>
-          <a:effectRef idx="2">
-            <a:schemeClr val="accent1"/>
-          </a:effectRef>
-          <a:fontRef idx="minor">
-            <a:schemeClr val="lt1"/>
-          </a:fontRef>
-        </p:style>
-        <p:txBody>
-          <a:bodyPr rtlCol="0" anchor="ctr"/>
-          <a:lstStyle/>
-          <a:p>
-            <a:pPr algn="ctr"/>
-            <a:endParaRPr lang="en-US"/>
-          </a:p>
-        </p:txBody>
-      </p:sp>
-      <p:sp>
-        <p:nvSpPr>
-          <p:cNvPr id="18" name="Oval 17"/>
-          <p:cNvSpPr/>
-          <p:nvPr/>
-        </p:nvSpPr>
-        <p:spPr>
-          <a:xfrm>
-            <a:off x="2084295" y="3012140"/>
-            <a:ext cx="282388" cy="295836"/>
-          </a:xfrm>
-          <a:prstGeom prst="ellipse">
-            <a:avLst/>
-          </a:prstGeom>
-          <a:solidFill>
-            <a:schemeClr val="tx1"/>
-          </a:solidFill>
-        </p:spPr>
-        <p:style>
-          <a:lnRef idx="1">
-            <a:schemeClr val="accent1"/>
-          </a:lnRef>
-          <a:fillRef idx="3">
-            <a:schemeClr val="accent1"/>
-          </a:fillRef>
-          <a:effectRef idx="2">
-            <a:schemeClr val="accent1"/>
-          </a:effectRef>
-          <a:fontRef idx="minor">
-            <a:schemeClr val="lt1"/>
-          </a:fontRef>
-        </p:style>
-        <p:txBody>
-          <a:bodyPr rtlCol="0" anchor="ctr"/>
-          <a:lstStyle/>
-          <a:p>
-            <a:pPr algn="ctr"/>
-            <a:endParaRPr lang="en-US"/>
-          </a:p>
-        </p:txBody>
-      </p:sp>
-      <p:sp>
-        <p:nvSpPr>
-          <p:cNvPr id="15" name="Oval 14"/>
-          <p:cNvSpPr/>
-          <p:nvPr/>
-        </p:nvSpPr>
-        <p:spPr>
-          <a:xfrm>
-            <a:off x="2342031" y="4123765"/>
-            <a:ext cx="282388" cy="295836"/>
-          </a:xfrm>
-          <a:prstGeom prst="ellipse">
-            <a:avLst/>
-          </a:prstGeom>
-          <a:solidFill>
-            <a:schemeClr val="tx1"/>
-          </a:solidFill>
-        </p:spPr>
-        <p:style>
-          <a:lnRef idx="1">
-            <a:schemeClr val="accent1"/>
-          </a:lnRef>
-          <a:fillRef idx="3">
-            <a:schemeClr val="accent1"/>
-          </a:fillRef>
-          <a:effectRef idx="2">
-            <a:schemeClr val="accent1"/>
-          </a:effectRef>
-          <a:fontRef idx="minor">
-            <a:schemeClr val="lt1"/>
-          </a:fontRef>
-        </p:style>
-        <p:txBody>
-          <a:bodyPr rtlCol="0" anchor="ctr"/>
-          <a:lstStyle/>
-          <a:p>
-            <a:pPr algn="ctr"/>
-            <a:endParaRPr lang="en-US"/>
-          </a:p>
-        </p:txBody>
-      </p:sp>
-      <p:sp>
-        <p:nvSpPr>
-          <p:cNvPr id="16" name="Oval 15"/>
-          <p:cNvSpPr/>
-          <p:nvPr/>
-        </p:nvSpPr>
-        <p:spPr>
-          <a:xfrm>
-            <a:off x="2624420" y="4419602"/>
-            <a:ext cx="282388" cy="295836"/>
-          </a:xfrm>
-          <a:prstGeom prst="ellipse">
-            <a:avLst/>
-          </a:prstGeom>
-          <a:solidFill>
-            <a:schemeClr val="tx1"/>
-          </a:solidFill>
-        </p:spPr>
-        <p:style>
-          <a:lnRef idx="1">
-            <a:schemeClr val="accent1"/>
-          </a:lnRef>
-          <a:fillRef idx="3">
-            <a:schemeClr val="accent1"/>
-          </a:fillRef>
-          <a:effectRef idx="2">
-            <a:schemeClr val="accent1"/>
-          </a:effectRef>
-          <a:fontRef idx="minor">
-            <a:schemeClr val="lt1"/>
-          </a:fontRef>
-        </p:style>
-        <p:txBody>
-          <a:bodyPr rtlCol="0" anchor="ctr"/>
-          <a:lstStyle/>
-          <a:p>
-            <a:pPr algn="ctr"/>
-            <a:endParaRPr lang="en-US"/>
-          </a:p>
-        </p:txBody>
-      </p:sp>
-      <p:sp>
-        <p:nvSpPr>
-          <p:cNvPr id="22" name="Oval 21"/>
-          <p:cNvSpPr/>
-          <p:nvPr/>
-        </p:nvSpPr>
-        <p:spPr>
-          <a:xfrm>
-            <a:off x="5311588" y="2514599"/>
-            <a:ext cx="282388" cy="295836"/>
-          </a:xfrm>
-          <a:prstGeom prst="ellipse">
-            <a:avLst/>
-          </a:prstGeom>
-          <a:solidFill>
-            <a:schemeClr val="tx1"/>
-          </a:solidFill>
-        </p:spPr>
-        <p:style>
-          <a:lnRef idx="1">
-            <a:schemeClr val="accent1"/>
-          </a:lnRef>
-          <a:fillRef idx="3">
-            <a:schemeClr val="accent1"/>
-          </a:fillRef>
-          <a:effectRef idx="2">
-            <a:schemeClr val="accent1"/>
-          </a:effectRef>
-          <a:fontRef idx="minor">
-            <a:schemeClr val="lt1"/>
-          </a:fontRef>
-        </p:style>
-        <p:txBody>
-          <a:bodyPr rtlCol="0" anchor="ctr"/>
-          <a:lstStyle/>
-          <a:p>
-            <a:pPr algn="ctr"/>
-            <a:endParaRPr lang="en-US"/>
-          </a:p>
-        </p:txBody>
-      </p:sp>
-      <p:sp>
-        <p:nvSpPr>
-          <p:cNvPr id="23" name="Oval 22"/>
-          <p:cNvSpPr/>
-          <p:nvPr/>
-        </p:nvSpPr>
-        <p:spPr>
-          <a:xfrm>
-            <a:off x="5320553" y="2900083"/>
-            <a:ext cx="282388" cy="295836"/>
-          </a:xfrm>
-          <a:prstGeom prst="ellipse">
-            <a:avLst/>
-          </a:prstGeom>
-          <a:solidFill>
-            <a:schemeClr val="tx1"/>
-          </a:solidFill>
-        </p:spPr>
-        <p:style>
-          <a:lnRef idx="1">
-            <a:schemeClr val="accent1"/>
-          </a:lnRef>
-          <a:fillRef idx="3">
-            <a:schemeClr val="accent1"/>
-          </a:fillRef>
-          <a:effectRef idx="2">
-            <a:schemeClr val="accent1"/>
-          </a:effectRef>
-          <a:fontRef idx="minor">
-            <a:schemeClr val="lt1"/>
-          </a:fontRef>
-        </p:style>
-        <p:txBody>
-          <a:bodyPr rtlCol="0" anchor="ctr"/>
-          <a:lstStyle/>
-          <a:p>
-            <a:pPr algn="ctr"/>
-            <a:endParaRPr lang="en-US"/>
-          </a:p>
-        </p:txBody>
-      </p:sp>
-      <p:sp>
-        <p:nvSpPr>
-          <p:cNvPr id="24" name="Oval 23"/>
-          <p:cNvSpPr/>
-          <p:nvPr/>
-        </p:nvSpPr>
-        <p:spPr>
-          <a:xfrm>
-            <a:off x="4713194" y="3975848"/>
-            <a:ext cx="282388" cy="295836"/>
-          </a:xfrm>
-          <a:prstGeom prst="ellipse">
-            <a:avLst/>
-          </a:prstGeom>
-          <a:solidFill>
-            <a:schemeClr val="tx1"/>
-          </a:solidFill>
-        </p:spPr>
-        <p:style>
-          <a:lnRef idx="1">
-            <a:schemeClr val="accent1"/>
-          </a:lnRef>
-          <a:fillRef idx="3">
-            <a:schemeClr val="accent1"/>
-          </a:fillRef>
-          <a:effectRef idx="2">
-            <a:schemeClr val="accent1"/>
-          </a:effectRef>
-          <a:fontRef idx="minor">
-            <a:schemeClr val="lt1"/>
-          </a:fontRef>
-        </p:style>
-        <p:txBody>
-          <a:bodyPr rtlCol="0" anchor="ctr"/>
-          <a:lstStyle/>
-          <a:p>
-            <a:pPr algn="ctr"/>
-            <a:endParaRPr lang="en-US"/>
-          </a:p>
-        </p:txBody>
-      </p:sp>
-      <p:sp>
-        <p:nvSpPr>
-          <p:cNvPr id="25" name="Oval 24"/>
-          <p:cNvSpPr/>
-          <p:nvPr/>
-        </p:nvSpPr>
-        <p:spPr>
-          <a:xfrm>
-            <a:off x="4430806" y="4271684"/>
-            <a:ext cx="282388" cy="295836"/>
-          </a:xfrm>
-          <a:prstGeom prst="ellipse">
-            <a:avLst/>
-          </a:prstGeom>
-          <a:solidFill>
-            <a:schemeClr val="tx1"/>
-          </a:solidFill>
-        </p:spPr>
-        <p:style>
-          <a:lnRef idx="1">
-            <a:schemeClr val="accent1"/>
-          </a:lnRef>
-          <a:fillRef idx="3">
-            <a:schemeClr val="accent1"/>
-          </a:fillRef>
-          <a:effectRef idx="2">
-            <a:schemeClr val="accent1"/>
-          </a:effectRef>
-          <a:fontRef idx="minor">
-            <a:schemeClr val="lt1"/>
-          </a:fontRef>
-        </p:style>
-        <p:txBody>
-          <a:bodyPr rtlCol="0" anchor="ctr"/>
-          <a:lstStyle/>
-          <a:p>
-            <a:pPr algn="ctr"/>
-            <a:endParaRPr lang="en-US"/>
-          </a:p>
-        </p:txBody>
-      </p:sp>
-    </p:spTree>
-    <p:extLst>
-      <p:ext uri="{BB962C8B-B14F-4D97-AF65-F5344CB8AC3E}">
-        <p14:creationId xmlns:p14="http://schemas.microsoft.com/office/powerpoint/2010/main" val="4172607115"/>
-      </p:ext>
-    </p:extLst>
-  </p:cSld>
-  <p:clrMapOvr>
-    <a:masterClrMapping/>
-  </p:clrMapOvr>
-</p:sld>
-</file>
-
-<file path=ppt/slides/slide14.xml><?xml version="1.0" encoding="utf-8"?>
-<p:sld xmlns:a="http://schemas.openxmlformats.org/drawingml/2006/main" xmlns:r="http://schemas.openxmlformats.org/officeDocument/2006/relationships" xmlns:p="http://schemas.openxmlformats.org/presentationml/2006/main">
-  <p:cSld>
-    <p:spTree>
-      <p:nvGrpSpPr>
-        <p:cNvPr id="1" name=""/>
-        <p:cNvGrpSpPr/>
-        <p:nvPr/>
-      </p:nvGrpSpPr>
-      <p:grpSpPr>
-        <a:xfrm>
-          <a:off x="0" y="0"/>
-          <a:ext cx="0" cy="0"/>
-          <a:chOff x="0" y="0"/>
-          <a:chExt cx="0" cy="0"/>
-        </a:xfrm>
-      </p:grpSpPr>
-      <p:sp>
-        <p:nvSpPr>
-          <p:cNvPr id="4" name="Title 3"/>
-          <p:cNvSpPr>
-            <a:spLocks noGrp="1"/>
-          </p:cNvSpPr>
-          <p:nvPr>
-            <p:ph type="title"/>
-          </p:nvPr>
-        </p:nvSpPr>
-        <p:spPr/>
-        <p:txBody>
-          <a:bodyPr>
-            <a:normAutofit/>
-          </a:bodyPr>
-          <a:lstStyle/>
-          <a:p>
-            <a:r>
-              <a:rPr lang="en-US" dirty="0"/>
-              <a:t>Mechanics of Testing</a:t>
-            </a:r>
-          </a:p>
-        </p:txBody>
-      </p:sp>
-      <p:sp>
-        <p:nvSpPr>
-          <p:cNvPr id="3" name="Content Placeholder 2"/>
-          <p:cNvSpPr>
-            <a:spLocks noGrp="1"/>
-          </p:cNvSpPr>
-          <p:nvPr>
-            <p:ph idx="1"/>
-          </p:nvPr>
-        </p:nvSpPr>
-        <p:spPr/>
-        <p:txBody>
-          <a:bodyPr>
-            <a:normAutofit fontScale="85000" lnSpcReduction="20000"/>
-          </a:bodyPr>
-          <a:lstStyle/>
-          <a:p>
-            <a:r>
-              <a:rPr lang="en-US" dirty="0"/>
-              <a:t>We will give you a file called </a:t>
-            </a:r>
-            <a:r>
-              <a:rPr lang="en-US" b="1" dirty="0" err="1">
-                <a:hlinkClick r:id="rId3" action="ppaction://hlinkfile"/>
-              </a:rPr>
-              <a:t>extras.rkt</a:t>
-            </a:r>
-            <a:r>
-              <a:rPr lang="en-US" dirty="0"/>
-              <a:t> that you should put in the folder with your work.</a:t>
-            </a:r>
-          </a:p>
-          <a:p>
-            <a:r>
-              <a:rPr lang="en-US" dirty="0"/>
-              <a:t>Near the top of your file, write</a:t>
-            </a:r>
-          </a:p>
-          <a:p>
-            <a:pPr marL="400050" lvl="1" indent="0">
-              <a:buNone/>
-            </a:pPr>
-            <a:r>
-              <a:rPr lang="en-US" sz="2400" b="1" dirty="0">
-                <a:latin typeface="Consolas" pitchFamily="49" charset="0"/>
-                <a:cs typeface="Consolas" pitchFamily="49" charset="0"/>
-              </a:rPr>
-              <a:t>(require </a:t>
-            </a:r>
-            <a:r>
-              <a:rPr lang="en-US" sz="2400" b="1" dirty="0" err="1">
-                <a:latin typeface="Consolas" pitchFamily="49" charset="0"/>
-                <a:cs typeface="Consolas" pitchFamily="49" charset="0"/>
-              </a:rPr>
-              <a:t>rackunit</a:t>
-            </a:r>
-            <a:r>
-              <a:rPr lang="en-US" sz="2400" b="1" dirty="0">
-                <a:latin typeface="Consolas" pitchFamily="49" charset="0"/>
-                <a:cs typeface="Consolas" pitchFamily="49" charset="0"/>
-              </a:rPr>
-              <a:t>) </a:t>
-            </a:r>
-          </a:p>
-          <a:p>
-            <a:pPr marL="400050" lvl="1" indent="0">
-              <a:buNone/>
-            </a:pPr>
-            <a:r>
-              <a:rPr lang="en-US" sz="2400" b="1" dirty="0">
-                <a:latin typeface="Consolas" pitchFamily="49" charset="0"/>
-                <a:cs typeface="Consolas" pitchFamily="49" charset="0"/>
-              </a:rPr>
-              <a:t>(require "</a:t>
-            </a:r>
-            <a:r>
-              <a:rPr lang="en-US" sz="2400" b="1" dirty="0" err="1">
-                <a:latin typeface="Consolas" pitchFamily="49" charset="0"/>
-                <a:cs typeface="Consolas" pitchFamily="49" charset="0"/>
-              </a:rPr>
-              <a:t>extras.rkt</a:t>
-            </a:r>
-            <a:r>
-              <a:rPr lang="en-US" sz="2400" b="1" dirty="0">
-                <a:latin typeface="Consolas" pitchFamily="49" charset="0"/>
-                <a:cs typeface="Consolas" pitchFamily="49" charset="0"/>
-              </a:rPr>
-              <a:t>")</a:t>
-            </a:r>
-          </a:p>
-          <a:p>
-            <a:pPr marL="0" indent="0">
-              <a:buNone/>
-            </a:pPr>
-            <a:r>
-              <a:rPr lang="en-US" dirty="0">
-                <a:cs typeface="Consolas" pitchFamily="49" charset="0"/>
-              </a:rPr>
-              <a:t>   to load our testing framework.</a:t>
-            </a:r>
-          </a:p>
-          <a:p>
-            <a:r>
-              <a:rPr lang="en-US" dirty="0"/>
-              <a:t>Tests live in the file with the code </a:t>
-            </a:r>
-          </a:p>
-          <a:p>
-            <a:r>
-              <a:rPr lang="en-US" dirty="0"/>
-              <a:t>That way they get run every time the code is loaded</a:t>
-            </a:r>
-          </a:p>
-          <a:p>
-            <a:pPr lvl="1"/>
-            <a:r>
-              <a:rPr lang="en-US" dirty="0"/>
-              <a:t>This accomplishes regression testing.</a:t>
-            </a:r>
-          </a:p>
-          <a:p>
-            <a:r>
-              <a:rPr lang="en-US" dirty="0"/>
-              <a:t>Wrap your tests in </a:t>
-            </a:r>
-            <a:r>
-              <a:rPr lang="en-US" sz="2800" b="1" dirty="0">
-                <a:latin typeface="Consolas" panose="020B0609020204030204" pitchFamily="49" charset="0"/>
-                <a:cs typeface="Consolas" panose="020B0609020204030204" pitchFamily="49" charset="0"/>
-              </a:rPr>
-              <a:t>(begin-for-test ....)</a:t>
-            </a:r>
-          </a:p>
-          <a:p>
-            <a:pPr lvl="1"/>
-            <a:r>
-              <a:rPr lang="en-US" dirty="0"/>
-              <a:t>that way you can put the tests anywhere in your file, and they will be run at the end of the file</a:t>
-            </a:r>
-          </a:p>
-          <a:p>
-            <a:pPr marL="0" indent="0">
-              <a:buNone/>
-            </a:pPr>
-            <a:endParaRPr lang="en-US" sz="2400" b="1" dirty="0">
-              <a:latin typeface="Consolas" pitchFamily="49" charset="0"/>
-              <a:cs typeface="Consolas" pitchFamily="49" charset="0"/>
-            </a:endParaRPr>
-          </a:p>
-        </p:txBody>
-      </p:sp>
-      <p:sp>
-        <p:nvSpPr>
-          <p:cNvPr id="2" name="Slide Number Placeholder 1"/>
-          <p:cNvSpPr>
-            <a:spLocks noGrp="1"/>
-          </p:cNvSpPr>
-          <p:nvPr>
-            <p:ph type="sldNum" sz="quarter" idx="12"/>
-          </p:nvPr>
-        </p:nvSpPr>
-        <p:spPr/>
-        <p:txBody>
-          <a:bodyPr/>
-          <a:lstStyle/>
-          <a:p>
-            <a:fld id="{B6F15528-21DE-4FAA-801E-634DDDAF4B2B}" type="slidenum">
-              <a:rPr lang="en-US" smtClean="0"/>
-              <a:pPr/>
-              <a:t>14</a:t>
-            </a:fld>
-            <a:endParaRPr lang="en-US"/>
-          </a:p>
-        </p:txBody>
-      </p:sp>
-    </p:spTree>
-    <p:extLst>
-      <p:ext uri="{BB962C8B-B14F-4D97-AF65-F5344CB8AC3E}">
-        <p14:creationId xmlns:p14="http://schemas.microsoft.com/office/powerpoint/2010/main" val="3804961615"/>
-      </p:ext>
-    </p:extLst>
-  </p:cSld>
-  <p:clrMapOvr>
-    <a:masterClrMapping/>
-  </p:clrMapOvr>
-</p:sld>
-</file>
-
 <file path=ppt/slides/slide15.xml><?xml version="1.0" encoding="utf-8"?>
 <p:sld xmlns:a="http://schemas.openxmlformats.org/drawingml/2006/main" xmlns:r="http://schemas.openxmlformats.org/officeDocument/2006/relationships" xmlns:p="http://schemas.openxmlformats.org/presentationml/2006/main">
   <p:cSld>
@@ -7561,14 +6724,10 @@
         </p:nvSpPr>
         <p:spPr/>
         <p:txBody>
-          <a:bodyPr/>
-          <a:lstStyle/>
-          <a:p>
-            <a:r>
-              <a:rPr lang="en-US" dirty="0"/>
-              <a:t>We’ll concentrate on the equivalence partitioning.</a:t>
-            </a:r>
-          </a:p>
+          <a:bodyPr>
+            <a:normAutofit lnSpcReduction="10000"/>
+          </a:bodyPr>
+          <a:lstStyle/>
           <a:p>
             <a:r>
               <a:rPr lang="en-US" dirty="0"/>
@@ -7578,7 +6737,13 @@
           <a:p>
             <a:r>
               <a:rPr lang="en-US" dirty="0"/>
-              <a:t>Then give mnemonic names to the input and output values in each partition.  You can put these definitions with your data definitions, so you can use the names in your examples.</a:t>
+              <a:t>Pick some input and output values for each partition.  Give mnemonic names to each of them.  You can put these definitions with your data definitions, so you can use the names in your examples.</a:t>
+            </a:r>
+          </a:p>
+          <a:p>
+            <a:r>
+              <a:rPr lang="en-US" dirty="0"/>
+              <a:t>Then write your tests using the mnemonic names.</a:t>
             </a:r>
           </a:p>
         </p:txBody>
@@ -8668,42 +7833,25 @@
           <a:p>
             <a:r>
               <a:rPr lang="en-US" dirty="0"/>
-              <a:t>This lesson covers testing in more detail</a:t>
-            </a:r>
-          </a:p>
-          <a:p>
-            <a:r>
-              <a:rPr lang="en-US" dirty="0"/>
-              <a:t>We will learn about</a:t>
-            </a:r>
-          </a:p>
-          <a:p>
-            <a:pPr lvl="1"/>
-            <a:r>
-              <a:rPr lang="en-US" dirty="0"/>
-              <a:t>different kinds of testing</a:t>
-            </a:r>
-          </a:p>
-          <a:p>
-            <a:pPr lvl="1"/>
-            <a:r>
-              <a:rPr lang="en-US" dirty="0"/>
-              <a:t>the </a:t>
-            </a:r>
-            <a:r>
-              <a:rPr lang="en-US" dirty="0" err="1"/>
-              <a:t>rackunit</a:t>
-            </a:r>
-            <a:r>
-              <a:rPr lang="en-US" dirty="0"/>
-              <a:t> test framework that we will use in this course</a:t>
-            </a:r>
-          </a:p>
-          <a:p>
-            <a:pPr lvl="1"/>
-            <a:r>
-              <a:rPr lang="en-US" dirty="0"/>
-              <a:t>how to use testing to help in debugging.</a:t>
+              <a:t>What do we test?</a:t>
+            </a:r>
+          </a:p>
+          <a:p>
+            <a:r>
+              <a:rPr lang="en-US" dirty="0"/>
+              <a:t>How do we test them?</a:t>
+            </a:r>
+          </a:p>
+          <a:p>
+            <a:r>
+              <a:rPr lang="en-US" dirty="0"/>
+              <a:t>How do we choose and write test cases?</a:t>
+            </a:r>
+          </a:p>
+          <a:p>
+            <a:r>
+              <a:rPr lang="en-US" dirty="0"/>
+              <a:t>How do we go about debugging using tests?</a:t>
             </a:r>
           </a:p>
         </p:txBody>
@@ -8829,7 +7977,7 @@
             <a:pPr lvl="1"/>
             <a:r>
               <a:rPr lang="en-US" dirty="0"/>
-              <a:t>will see how to do this later</a:t>
+              <a:t>use property testing to handle this situation.</a:t>
             </a:r>
           </a:p>
         </p:txBody>
@@ -9448,7 +8596,7 @@
           <a:p>
             <a:r>
               <a:rPr lang="en-US" dirty="0"/>
-              <a:t>Once you’ve written the deliverables for the 6 steps of the design recipe, it’s time to run the program.</a:t>
+              <a:t>Once you’ve written the deliverables for the first five steps of the design recipe, it’s time to run the program. (Program Review will come later)</a:t>
             </a:r>
           </a:p>
           <a:p>
@@ -9770,13 +8918,9 @@
             </a:r>
           </a:p>
           <a:p>
-            <a:pPr lvl="2"/>
-            <a:r>
-              <a:rPr lang="en-US" dirty="0"/>
-              <a:t>We’ll see how to do this in a minute.</a:t>
-            </a:r>
-          </a:p>
-          <a:p>
+            <a:pPr marL="0" indent="0">
+              <a:buNone/>
+            </a:pPr>
             <a:endParaRPr lang="en-US" dirty="0"/>
           </a:p>
         </p:txBody>
@@ -9847,7 +8991,9 @@
         </p:nvSpPr>
         <p:spPr/>
         <p:txBody>
-          <a:bodyPr/>
+          <a:bodyPr>
+            <a:normAutofit/>
+          </a:bodyPr>
           <a:lstStyle/>
           <a:p>
             <a:r>
@@ -9870,7 +9016,7 @@
         <p:spPr/>
         <p:txBody>
           <a:bodyPr>
-            <a:normAutofit fontScale="85000" lnSpcReduction="10000"/>
+            <a:normAutofit fontScale="77500" lnSpcReduction="20000"/>
           </a:bodyPr>
           <a:lstStyle/>
           <a:p>
@@ -9934,21 +9080,35 @@
             <a:pPr lvl="2"/>
             <a:r>
               <a:rPr lang="en-US" dirty="0"/>
-              <a:t>Did your function call the right helper?</a:t>
+              <a:t>Add a test to see if your function called the right helper?</a:t>
             </a:r>
           </a:p>
           <a:p>
             <a:pPr lvl="3"/>
             <a:r>
               <a:rPr lang="en-US" dirty="0"/>
-              <a:t>yes: test the helper</a:t>
+              <a:t>yes: the helper is the one giving the wrong answer.  Test the helper and fix it.</a:t>
             </a:r>
           </a:p>
           <a:p>
             <a:pPr lvl="3"/>
             <a:r>
               <a:rPr lang="en-US" dirty="0"/>
-              <a:t>no: test the predicate</a:t>
+              <a:t>no: your original function didn’t call the helper as it should.  </a:t>
+            </a:r>
+          </a:p>
+          <a:p>
+            <a:pPr lvl="4"/>
+            <a:r>
+              <a:rPr lang="en-US" dirty="0"/>
+              <a:t>The call to the helper is probably guarded by a predicate.  Test the predicate to see if it is returning the right value. </a:t>
+            </a:r>
+          </a:p>
+          <a:p>
+            <a:pPr lvl="4"/>
+            <a:r>
+              <a:rPr lang="en-US" dirty="0"/>
+              <a:t>Did it pass the right arguments?  Write some more tests to see.</a:t>
             </a:r>
           </a:p>
         </p:txBody>
@@ -10026,7 +9186,7 @@
           <a:p>
             <a:r>
               <a:rPr lang="en-US" dirty="0"/>
-              <a:t>Example: Debugging by Testing</a:t>
+              <a:t>Debugging by Testing: Example</a:t>
             </a:r>
           </a:p>
         </p:txBody>
@@ -10939,7 +10099,14 @@
             <a:pPr lvl="1"/>
             <a:r>
               <a:rPr lang="en-US" dirty="0"/>
-              <a:t>list and explain four different testing goals and two different kinds of testing.</a:t>
+              <a:t>examine a test and see what it is testing for</a:t>
+            </a:r>
+          </a:p>
+          <a:p>
+            <a:pPr lvl="1"/>
+            <a:r>
+              <a:rPr lang="en-US" dirty="0"/>
+              <a:t>use the concept of equivalence classes to get 100% expression coverage</a:t>
             </a:r>
           </a:p>
           <a:p>
@@ -11359,28 +10526,6 @@
         </p:nvSpPr>
         <p:spPr/>
         <p:txBody>
-          <a:bodyPr/>
-          <a:lstStyle/>
-          <a:p>
-            <a:r>
-              <a:rPr lang="en-US" dirty="0"/>
-              <a:t>What else could have gone wrong?</a:t>
-            </a:r>
-          </a:p>
-        </p:txBody>
-      </p:sp>
-      <p:sp>
-        <p:nvSpPr>
-          <p:cNvPr id="3" name="Content Placeholder 2"/>
-          <p:cNvSpPr>
-            <a:spLocks noGrp="1"/>
-          </p:cNvSpPr>
-          <p:nvPr>
-            <p:ph idx="1"/>
-          </p:nvPr>
-        </p:nvSpPr>
-        <p:spPr/>
-        <p:txBody>
           <a:bodyPr>
             <a:normAutofit/>
           </a:bodyPr>
@@ -11388,13 +10533,35 @@
           <a:p>
             <a:r>
               <a:rPr lang="en-US" dirty="0"/>
-              <a:t>You could have called your help function with the wrong arguments.</a:t>
-            </a:r>
-          </a:p>
-          <a:p>
-            <a:r>
-              <a:rPr lang="en-US" dirty="0"/>
-              <a:t>You can use the same techniques to identify this.</a:t>
+              <a:t>Keep your bug from re-appearing</a:t>
+            </a:r>
+          </a:p>
+        </p:txBody>
+      </p:sp>
+      <p:sp>
+        <p:nvSpPr>
+          <p:cNvPr id="3" name="Content Placeholder 2"/>
+          <p:cNvSpPr>
+            <a:spLocks noGrp="1"/>
+          </p:cNvSpPr>
+          <p:nvPr>
+            <p:ph idx="1"/>
+          </p:nvPr>
+        </p:nvSpPr>
+        <p:spPr/>
+        <p:txBody>
+          <a:bodyPr/>
+          <a:lstStyle/>
+          <a:p>
+            <a:r>
+              <a:rPr lang="en-US" dirty="0"/>
+              <a:t>Leave the extra tests in your file</a:t>
+            </a:r>
+          </a:p>
+          <a:p>
+            <a:r>
+              <a:rPr lang="en-US" dirty="0"/>
+              <a:t>That way if your bug reappears you will have the detective work all set up.</a:t>
             </a:r>
           </a:p>
         </p:txBody>
@@ -11426,7 +10593,7 @@
     </p:spTree>
     <p:extLst>
       <p:ext uri="{BB962C8B-B14F-4D97-AF65-F5344CB8AC3E}">
-        <p14:creationId xmlns:p14="http://schemas.microsoft.com/office/powerpoint/2010/main" val="2609706510"/>
+        <p14:creationId xmlns:p14="http://schemas.microsoft.com/office/powerpoint/2010/main" val="582737510"/>
       </p:ext>
     </p:extLst>
   </p:cSld>
@@ -11465,43 +10632,52 @@
         </p:nvSpPr>
         <p:spPr/>
         <p:txBody>
+          <a:bodyPr/>
+          <a:lstStyle/>
+          <a:p>
+            <a:r>
+              <a:rPr lang="en-US" dirty="0"/>
+              <a:t>Disclaimer</a:t>
+            </a:r>
+          </a:p>
+        </p:txBody>
+      </p:sp>
+      <p:sp>
+        <p:nvSpPr>
+          <p:cNvPr id="3" name="Content Placeholder 2"/>
+          <p:cNvSpPr>
+            <a:spLocks noGrp="1"/>
+          </p:cNvSpPr>
+          <p:nvPr>
+            <p:ph idx="1"/>
+          </p:nvPr>
+        </p:nvSpPr>
+        <p:spPr/>
+        <p:txBody>
           <a:bodyPr>
-            <a:normAutofit/>
+            <a:normAutofit lnSpcReduction="10000"/>
           </a:bodyPr>
           <a:lstStyle/>
           <a:p>
             <a:r>
               <a:rPr lang="en-US" dirty="0"/>
-              <a:t>Keep your bug from re-appearing</a:t>
-            </a:r>
-          </a:p>
-        </p:txBody>
-      </p:sp>
-      <p:sp>
-        <p:nvSpPr>
-          <p:cNvPr id="3" name="Content Placeholder 2"/>
-          <p:cNvSpPr>
-            <a:spLocks noGrp="1"/>
-          </p:cNvSpPr>
-          <p:nvPr>
-            <p:ph idx="1"/>
-          </p:nvPr>
-        </p:nvSpPr>
-        <p:spPr/>
-        <p:txBody>
-          <a:bodyPr/>
-          <a:lstStyle/>
-          <a:p>
-            <a:r>
-              <a:rPr lang="en-US" dirty="0"/>
-              <a:t>Leave the extra tests in your file</a:t>
-            </a:r>
-          </a:p>
-          <a:p>
-            <a:r>
-              <a:rPr lang="en-US" dirty="0"/>
-              <a:t>That way if your bug reappears you will have the detective work all set up.</a:t>
-            </a:r>
+              <a:t>Our presentation has been specific to Racket and to this course, but the ideas and techniques are adaptable to other settings and other languages.</a:t>
+            </a:r>
+          </a:p>
+          <a:p>
+            <a:r>
+              <a:rPr lang="en-US" dirty="0"/>
+              <a:t>Your employer may have different conventions for managing tests.  </a:t>
+            </a:r>
+          </a:p>
+          <a:p>
+            <a:r>
+              <a:rPr lang="en-US" dirty="0"/>
+              <a:t>If your employer does not have conventions for systematic testing, you should urge him (or her) to introduce one.</a:t>
+            </a:r>
+          </a:p>
+          <a:p>
+            <a:endParaRPr lang="en-US" dirty="0"/>
           </a:p>
         </p:txBody>
       </p:sp>
@@ -11532,7 +10708,7 @@
     </p:spTree>
     <p:extLst>
       <p:ext uri="{BB962C8B-B14F-4D97-AF65-F5344CB8AC3E}">
-        <p14:creationId xmlns:p14="http://schemas.microsoft.com/office/powerpoint/2010/main" val="582737510"/>
+        <p14:creationId xmlns:p14="http://schemas.microsoft.com/office/powerpoint/2010/main" val="1885062638"/>
       </p:ext>
     </p:extLst>
   </p:cSld>
@@ -11576,7 +10752,7 @@
           <a:p>
             <a:r>
               <a:rPr lang="en-US" dirty="0"/>
-              <a:t>Disclaimer</a:t>
+              <a:t>Learning Objectives</a:t>
             </a:r>
           </a:p>
         </p:txBody>
@@ -11593,30 +10769,57 @@
         </p:nvSpPr>
         <p:spPr/>
         <p:txBody>
-          <a:bodyPr>
-            <a:normAutofit lnSpcReduction="10000"/>
-          </a:bodyPr>
-          <a:lstStyle/>
-          <a:p>
-            <a:r>
-              <a:rPr lang="en-US" dirty="0"/>
-              <a:t>Our presentation has been specific to Racket and to this course, but the ideas and techniques are adaptable to other settings and other languages.</a:t>
-            </a:r>
-          </a:p>
-          <a:p>
-            <a:r>
-              <a:rPr lang="en-US" dirty="0"/>
-              <a:t>Your employer may have different conventions for managing tests.  </a:t>
-            </a:r>
-          </a:p>
-          <a:p>
-            <a:r>
-              <a:rPr lang="en-US" dirty="0"/>
-              <a:t>If your employer does not have conventions for systematic testing, you should urge him (or her) to introduce one.</a:t>
-            </a:r>
-          </a:p>
-          <a:p>
-            <a:endParaRPr lang="en-US" dirty="0"/>
+          <a:bodyPr/>
+          <a:lstStyle/>
+          <a:p>
+            <a:r>
+              <a:rPr lang="en-US" dirty="0"/>
+              <a:t>At the end of this lesson, the student should be able to:</a:t>
+            </a:r>
+          </a:p>
+          <a:p>
+            <a:pPr lvl="1"/>
+            <a:r>
+              <a:rPr lang="en-US" dirty="0"/>
+              <a:t>examine a test and see what it is testing for</a:t>
+            </a:r>
+          </a:p>
+          <a:p>
+            <a:pPr lvl="1"/>
+            <a:r>
+              <a:rPr lang="en-US" dirty="0"/>
+              <a:t>use the concept of equivalence classes to get 100% expression coverage</a:t>
+            </a:r>
+          </a:p>
+          <a:p>
+            <a:pPr lvl="1"/>
+            <a:r>
+              <a:rPr lang="en-US" dirty="0"/>
+              <a:t>use the </a:t>
+            </a:r>
+            <a:r>
+              <a:rPr lang="en-US" dirty="0" err="1"/>
+              <a:t>rackunit</a:t>
+            </a:r>
+            <a:r>
+              <a:rPr lang="en-US" dirty="0"/>
+              <a:t> framework to write test suites for simple programming problems</a:t>
+            </a:r>
+          </a:p>
+          <a:p>
+            <a:pPr lvl="1"/>
+            <a:r>
+              <a:rPr lang="en-US" dirty="0"/>
+              <a:t>use the </a:t>
+            </a:r>
+            <a:r>
+              <a:rPr lang="en-US" dirty="0" err="1"/>
+              <a:t>rackunit</a:t>
+            </a:r>
+            <a:r>
+              <a:rPr lang="en-US" dirty="0"/>
+              <a:t> framework to help in debugging simple programs</a:t>
+            </a:r>
           </a:p>
         </p:txBody>
       </p:sp>
@@ -11647,7 +10850,7 @@
     </p:spTree>
     <p:extLst>
       <p:ext uri="{BB962C8B-B14F-4D97-AF65-F5344CB8AC3E}">
-        <p14:creationId xmlns:p14="http://schemas.microsoft.com/office/powerpoint/2010/main" val="1885062638"/>
+        <p14:creationId xmlns:p14="http://schemas.microsoft.com/office/powerpoint/2010/main" val="1093670472"/>
       </p:ext>
     </p:extLst>
   </p:cSld>
@@ -11712,12 +10915,8 @@
           <a:lstStyle/>
           <a:p>
             <a:r>
-              <a:rPr lang="en-US"/>
-              <a:t>Study 02-6-ball-after-mouse-with-tests.rkt </a:t>
-            </a:r>
-            <a:r>
-              <a:rPr lang="en-US" dirty="0"/>
-              <a:t>.</a:t>
+              <a:rPr lang="en-US" dirty="0"/>
+              <a:t>Study 02-6-test-quadratics.rkt and 02-7-ball-after-mouse-with-tests.rkt .</a:t>
             </a:r>
           </a:p>
           <a:p>
@@ -11805,7 +11004,7 @@
           <a:p>
             <a:r>
               <a:rPr lang="en-US" dirty="0"/>
-              <a:t>Goals of Testing</a:t>
+              <a:t>What do we want to test?</a:t>
             </a:r>
           </a:p>
         </p:txBody>
@@ -11822,134 +11021,74 @@
         </p:nvSpPr>
         <p:spPr/>
         <p:txBody>
-          <a:bodyPr>
-            <a:normAutofit fontScale="85000" lnSpcReduction="20000"/>
-          </a:bodyPr>
-          <a:lstStyle/>
-          <a:p>
-            <a:r>
-              <a:rPr lang="en-US" i="1" dirty="0">
+          <a:bodyPr/>
+          <a:lstStyle/>
+          <a:p>
+            <a:r>
+              <a:rPr lang="en-US" dirty="0"/>
+              <a:t>Lots of things we could want to test, but for now we’ll keep it simple:</a:t>
+            </a:r>
+          </a:p>
+          <a:p>
+            <a:r>
+              <a:rPr lang="en-US" dirty="0"/>
+              <a:t>We want to make sure the answers from our functions are correct.</a:t>
+            </a:r>
+          </a:p>
+          <a:p>
+            <a:r>
+              <a:rPr lang="en-US" dirty="0"/>
+              <a:t>But what makes an answer correct?</a:t>
+            </a:r>
+          </a:p>
+          <a:p>
+            <a:r>
+              <a:rPr lang="en-US" dirty="0"/>
+              <a:t>And how do you convince a reader that your tests are testing the right thing?</a:t>
+            </a:r>
+          </a:p>
+        </p:txBody>
+      </p:sp>
+      <p:sp>
+        <p:nvSpPr>
+          <p:cNvPr id="4" name="Slide Number Placeholder 3"/>
+          <p:cNvSpPr>
+            <a:spLocks noGrp="1"/>
+          </p:cNvSpPr>
+          <p:nvPr>
+            <p:ph type="sldNum" sz="quarter" idx="12"/>
+          </p:nvPr>
+        </p:nvSpPr>
+        <p:spPr/>
+        <p:txBody>
+          <a:bodyPr/>
+          <a:lstStyle/>
+          <a:p>
+            <a:fld id="{2AF3B5EA-18B6-4040-9F78-6052AF49C681}" type="slidenum">
+              <a:rPr lang="en-US" smtClean="0">
                 <a:solidFill>
-                  <a:srgbClr val="FF0000"/>
+                  <a:prstClr val="black">
+                    <a:tint val="75000"/>
+                  </a:prstClr>
                 </a:solidFill>
               </a:rPr>
-              <a:t>Qualification Testing: </a:t>
-            </a:r>
-            <a:r>
-              <a:rPr lang="en-US" dirty="0"/>
-              <a:t>Make sure program is ready for more serious testing</a:t>
-            </a:r>
-            <a:endParaRPr lang="en-US" i="1" dirty="0">
-              <a:solidFill>
-                <a:srgbClr val="FF0000"/>
-              </a:solidFill>
-            </a:endParaRPr>
-          </a:p>
-          <a:p>
-            <a:r>
-              <a:rPr lang="en-US" i="1" dirty="0">
-                <a:solidFill>
-                  <a:srgbClr val="FF0000"/>
-                </a:solidFill>
-              </a:rPr>
-              <a:t>Acceptance Testing: </a:t>
-            </a:r>
-            <a:r>
-              <a:rPr lang="en-US" dirty="0"/>
-              <a:t>Make sure program works on the given examples or use cases</a:t>
-            </a:r>
-            <a:endParaRPr lang="en-US" i="1" dirty="0">
-              <a:solidFill>
-                <a:srgbClr val="FF0000"/>
-              </a:solidFill>
-            </a:endParaRPr>
-          </a:p>
-          <a:p>
-            <a:r>
-              <a:rPr lang="en-US" i="1" dirty="0">
-                <a:solidFill>
-                  <a:srgbClr val="FF0000"/>
-                </a:solidFill>
-              </a:rPr>
-              <a:t>Requirements Testing</a:t>
-            </a:r>
-            <a:r>
-              <a:rPr lang="en-US" dirty="0"/>
-              <a:t>: Make sure program works as intended on other examples</a:t>
-            </a:r>
-          </a:p>
-          <a:p>
-            <a:r>
-              <a:rPr lang="en-US" i="1" dirty="0">
-                <a:solidFill>
-                  <a:srgbClr val="FF0000"/>
-                </a:solidFill>
-              </a:rPr>
-              <a:t>Regression Testing</a:t>
-            </a:r>
-            <a:r>
-              <a:rPr lang="en-US" dirty="0"/>
-              <a:t>: Make sure that a change hasn’t broken anything.</a:t>
-            </a:r>
-          </a:p>
-          <a:p>
-            <a:r>
-              <a:rPr lang="en-US" i="1" dirty="0">
-                <a:solidFill>
-                  <a:srgbClr val="FF0000"/>
-                </a:solidFill>
-              </a:rPr>
-              <a:t>Stress Testing</a:t>
-            </a:r>
-            <a:r>
-              <a:rPr lang="en-US" dirty="0"/>
-              <a:t>: How does the program perform for large inputs, heavy loads, etc.?</a:t>
-            </a:r>
-          </a:p>
-          <a:p>
-            <a:r>
-              <a:rPr lang="en-US" i="1" dirty="0">
-                <a:solidFill>
-                  <a:srgbClr val="FF0000"/>
-                </a:solidFill>
-              </a:rPr>
-              <a:t>Usability Testing</a:t>
-            </a:r>
-            <a:r>
-              <a:rPr lang="en-US" dirty="0"/>
-              <a:t>: Is the program usable by its intended audience?</a:t>
-            </a:r>
-          </a:p>
-        </p:txBody>
-      </p:sp>
-      <p:sp>
-        <p:nvSpPr>
-          <p:cNvPr id="4" name="Slide Number Placeholder 3"/>
-          <p:cNvSpPr>
-            <a:spLocks noGrp="1"/>
-          </p:cNvSpPr>
-          <p:nvPr>
-            <p:ph type="sldNum" sz="quarter" idx="12"/>
-          </p:nvPr>
-        </p:nvSpPr>
-        <p:spPr/>
-        <p:txBody>
-          <a:bodyPr/>
-          <a:lstStyle/>
-          <a:p>
-            <a:fld id="{B6F15528-21DE-4FAA-801E-634DDDAF4B2B}" type="slidenum">
-              <a:rPr lang="en-US" smtClean="0"/>
               <a:pPr/>
               <a:t>4</a:t>
             </a:fld>
-            <a:endParaRPr lang="en-US"/>
+            <a:endParaRPr lang="en-US">
+              <a:solidFill>
+                <a:prstClr val="black">
+                  <a:tint val="75000"/>
+                </a:prstClr>
+              </a:solidFill>
+            </a:endParaRPr>
           </a:p>
         </p:txBody>
       </p:sp>
     </p:spTree>
     <p:extLst>
       <p:ext uri="{BB962C8B-B14F-4D97-AF65-F5344CB8AC3E}">
-        <p14:creationId xmlns:p14="http://schemas.microsoft.com/office/powerpoint/2010/main" val="1590780086"/>
+        <p14:creationId xmlns:p14="http://schemas.microsoft.com/office/powerpoint/2010/main" val="2933201502"/>
       </p:ext>
     </p:extLst>
   </p:cSld>
@@ -12137,6 +11276,12 @@
               <a:t>Sometimes the requirements are more complicated, so you'll have to make up examples to check the requirements.</a:t>
             </a:r>
           </a:p>
+          <a:p>
+            <a:r>
+              <a:rPr lang="en-US" dirty="0"/>
+              <a:t>This is our primary focus</a:t>
+            </a:r>
+          </a:p>
         </p:txBody>
       </p:sp>
       <p:sp>
@@ -12160,79 +11305,6 @@
               <a:t>6</a:t>
             </a:fld>
             <a:endParaRPr lang="en-US"/>
-          </a:p>
-        </p:txBody>
-      </p:sp>
-      <p:sp>
-        <p:nvSpPr>
-          <p:cNvPr id="5" name="Rectangle 4"/>
-          <p:cNvSpPr/>
-          <p:nvPr/>
-        </p:nvSpPr>
-        <p:spPr>
-          <a:xfrm>
-            <a:off x="2209800" y="4495800"/>
-            <a:ext cx="4648200" cy="1752600"/>
-          </a:xfrm>
-          <a:prstGeom prst="rect">
-            <a:avLst/>
-          </a:prstGeom>
-          <a:solidFill>
-            <a:schemeClr val="accent3">
-              <a:lumMod val="40000"/>
-              <a:lumOff val="60000"/>
-            </a:schemeClr>
-          </a:solidFill>
-          <a:ln/>
-        </p:spPr>
-        <p:style>
-          <a:lnRef idx="2">
-            <a:schemeClr val="accent1"/>
-          </a:lnRef>
-          <a:fillRef idx="1">
-            <a:schemeClr val="lt1"/>
-          </a:fillRef>
-          <a:effectRef idx="0">
-            <a:schemeClr val="accent1"/>
-          </a:effectRef>
-          <a:fontRef idx="minor">
-            <a:schemeClr val="dk1"/>
-          </a:fontRef>
-        </p:style>
-        <p:txBody>
-          <a:bodyPr rot="0" spcFirstLastPara="0" vertOverflow="overflow" horzOverflow="overflow" vert="horz" wrap="square" lIns="91440" tIns="45720" rIns="91440" bIns="45720" numCol="1" spcCol="0" rtlCol="0" fromWordArt="0" anchor="ctr" anchorCtr="0" forceAA="0" compatLnSpc="1">
-            <a:prstTxWarp prst="textNoShape">
-              <a:avLst/>
-            </a:prstTxWarp>
-            <a:noAutofit/>
-          </a:bodyPr>
-          <a:lstStyle/>
-          <a:p>
-            <a:pPr algn="ctr"/>
-            <a:r>
-              <a:rPr lang="en-US" dirty="0">
-                <a:solidFill>
-                  <a:schemeClr val="tx1"/>
-                </a:solidFill>
-              </a:rPr>
-              <a:t>Talk more about acceptance testing.  Exercise: write a tester for quadratic-root (tester a b c x) should return true </a:t>
-            </a:r>
-            <a:r>
-              <a:rPr lang="en-US" dirty="0" err="1">
-                <a:solidFill>
-                  <a:schemeClr val="tx1"/>
-                </a:solidFill>
-              </a:rPr>
-              <a:t>iff</a:t>
-            </a:r>
-            <a:r>
-              <a:rPr lang="en-US" dirty="0">
-                <a:solidFill>
-                  <a:schemeClr val="tx1"/>
-                </a:solidFill>
-              </a:rPr>
-              <a:t> ax^2+bx+c = 0.</a:t>
-            </a:r>
           </a:p>
         </p:txBody>
       </p:sp>
@@ -12268,7 +11340,7 @@
       </p:grpSpPr>
       <p:sp>
         <p:nvSpPr>
-          <p:cNvPr id="2" name="Title 1"/>
+          <p:cNvPr id="4" name="Title 3"/>
           <p:cNvSpPr>
             <a:spLocks noGrp="1"/>
           </p:cNvSpPr>
@@ -12279,13 +11351,13 @@
         <p:spPr/>
         <p:txBody>
           <a:bodyPr>
-            <a:normAutofit fontScale="90000"/>
+            <a:normAutofit/>
           </a:bodyPr>
           <a:lstStyle/>
           <a:p>
             <a:r>
               <a:rPr lang="en-US" dirty="0"/>
-              <a:t>Another classification: Kinds of Testing</a:t>
+              <a:t>Mechanics of Testing</a:t>
             </a:r>
           </a:p>
         </p:txBody>
@@ -12303,71 +11375,147 @@
         <p:spPr/>
         <p:txBody>
           <a:bodyPr>
-            <a:normAutofit fontScale="92500" lnSpcReduction="20000"/>
+            <a:normAutofit fontScale="85000" lnSpcReduction="20000"/>
           </a:bodyPr>
           <a:lstStyle/>
           <a:p>
             <a:r>
-              <a:rPr lang="en-US" i="1" dirty="0">
-                <a:solidFill>
-                  <a:srgbClr val="FF0000"/>
-                </a:solidFill>
-              </a:rPr>
-              <a:t>Black-box testing</a:t>
-            </a:r>
-            <a:r>
-              <a:rPr lang="en-US" dirty="0"/>
-              <a:t>: Tests where we don’t know anything about the internals of the program</a:t>
-            </a:r>
-          </a:p>
-          <a:p>
-            <a:r>
-              <a:rPr lang="en-US" i="1" dirty="0">
-                <a:solidFill>
-                  <a:srgbClr val="FF0000"/>
-                </a:solidFill>
-              </a:rPr>
-              <a:t>White-box testing</a:t>
-            </a:r>
-            <a:r>
-              <a:rPr lang="en-US" dirty="0"/>
-              <a:t>: Tests where we take advantage of what we know about the program or the requirements</a:t>
+              <a:rPr lang="en-US" dirty="0"/>
+              <a:t>We will give you a file called </a:t>
+            </a:r>
+            <a:r>
+              <a:rPr lang="en-US" b="1" dirty="0" err="1">
+                <a:hlinkClick r:id="rId3" action="ppaction://hlinkfile"/>
+              </a:rPr>
+              <a:t>extras.rkt</a:t>
+            </a:r>
+            <a:r>
+              <a:rPr lang="en-US" dirty="0"/>
+              <a:t> that you should put in the folder with your work.</a:t>
+            </a:r>
+          </a:p>
+          <a:p>
+            <a:r>
+              <a:rPr lang="en-US" dirty="0"/>
+              <a:t>Near the top of your file, write</a:t>
+            </a:r>
+          </a:p>
+          <a:p>
+            <a:pPr marL="400050" lvl="1" indent="0">
+              <a:buNone/>
+            </a:pPr>
+            <a:r>
+              <a:rPr lang="en-US" sz="2400" b="1" dirty="0">
+                <a:latin typeface="Consolas" pitchFamily="49" charset="0"/>
+                <a:cs typeface="Consolas" pitchFamily="49" charset="0"/>
+              </a:rPr>
+              <a:t>(require </a:t>
+            </a:r>
+            <a:r>
+              <a:rPr lang="en-US" sz="2400" b="1" dirty="0" err="1">
+                <a:latin typeface="Consolas" pitchFamily="49" charset="0"/>
+                <a:cs typeface="Consolas" pitchFamily="49" charset="0"/>
+              </a:rPr>
+              <a:t>rackunit</a:t>
+            </a:r>
+            <a:r>
+              <a:rPr lang="en-US" sz="2400" b="1" dirty="0">
+                <a:latin typeface="Consolas" pitchFamily="49" charset="0"/>
+                <a:cs typeface="Consolas" pitchFamily="49" charset="0"/>
+              </a:rPr>
+              <a:t>) </a:t>
+            </a:r>
+          </a:p>
+          <a:p>
+            <a:pPr marL="400050" lvl="1" indent="0">
+              <a:buNone/>
+            </a:pPr>
+            <a:r>
+              <a:rPr lang="en-US" sz="2400" b="1" dirty="0">
+                <a:latin typeface="Consolas" pitchFamily="49" charset="0"/>
+                <a:cs typeface="Consolas" pitchFamily="49" charset="0"/>
+              </a:rPr>
+              <a:t>(require "</a:t>
+            </a:r>
+            <a:r>
+              <a:rPr lang="en-US" sz="2400" b="1" dirty="0" err="1">
+                <a:latin typeface="Consolas" pitchFamily="49" charset="0"/>
+                <a:cs typeface="Consolas" pitchFamily="49" charset="0"/>
+              </a:rPr>
+              <a:t>extras.rkt</a:t>
+            </a:r>
+            <a:r>
+              <a:rPr lang="en-US" sz="2400" b="1" dirty="0">
+                <a:latin typeface="Consolas" pitchFamily="49" charset="0"/>
+                <a:cs typeface="Consolas" pitchFamily="49" charset="0"/>
+              </a:rPr>
+              <a:t>")</a:t>
+            </a:r>
+          </a:p>
+          <a:p>
+            <a:pPr marL="0" indent="0">
+              <a:buNone/>
+            </a:pPr>
+            <a:r>
+              <a:rPr lang="en-US" dirty="0">
+                <a:cs typeface="Consolas" pitchFamily="49" charset="0"/>
+              </a:rPr>
+              <a:t>   to load our testing framework.</a:t>
+            </a:r>
+          </a:p>
+          <a:p>
+            <a:r>
+              <a:rPr lang="en-US" dirty="0"/>
+              <a:t>Tests live in the file with the code </a:t>
+            </a:r>
+          </a:p>
+          <a:p>
+            <a:r>
+              <a:rPr lang="en-US" dirty="0"/>
+              <a:t>That way they get run every time the code is loaded</a:t>
             </a:r>
           </a:p>
           <a:p>
             <a:pPr lvl="1"/>
             <a:r>
               <a:rPr lang="en-US" dirty="0"/>
-              <a:t>Example: our tests for f2c took advantage of the fact that f2c was a linear relationship: if the program worked for two values, we can be confident that it will work for others </a:t>
-            </a:r>
-          </a:p>
-          <a:p>
-            <a:pPr lvl="2"/>
-            <a:r>
-              <a:rPr lang="en-US" dirty="0"/>
-              <a:t>Except for overflow, etc. </a:t>
-            </a:r>
-            <a:r>
-              <a:rPr lang="en-US" dirty="0">
-                <a:sym typeface="Wingdings" pitchFamily="2" charset="2"/>
-              </a:rPr>
-              <a:t></a:t>
-            </a:r>
-          </a:p>
-          <a:p>
-            <a:r>
-              <a:rPr lang="en-US" dirty="0">
-                <a:sym typeface="Wingdings" pitchFamily="2" charset="2"/>
-              </a:rPr>
-              <a:t>We will do mostly white-box testing.</a:t>
-            </a:r>
-            <a:endParaRPr lang="en-US" dirty="0"/>
-          </a:p>
-        </p:txBody>
-      </p:sp>
-      <p:sp>
-        <p:nvSpPr>
-          <p:cNvPr id="4" name="Slide Number Placeholder 3"/>
+              <a:t>This accomplishes regression testing.</a:t>
+            </a:r>
+          </a:p>
+          <a:p>
+            <a:r>
+              <a:rPr lang="en-US" dirty="0"/>
+              <a:t>Wrap your tests in </a:t>
+            </a:r>
+            <a:r>
+              <a:rPr lang="en-US" sz="2800" b="1" dirty="0">
+                <a:latin typeface="Consolas" panose="020B0609020204030204" pitchFamily="49" charset="0"/>
+                <a:cs typeface="Consolas" panose="020B0609020204030204" pitchFamily="49" charset="0"/>
+              </a:rPr>
+              <a:t>(begin-for-test ....)</a:t>
+            </a:r>
+          </a:p>
+          <a:p>
+            <a:pPr lvl="1"/>
+            <a:r>
+              <a:rPr lang="en-US" dirty="0"/>
+              <a:t>that way you can put the tests anywhere in your file, and they will be run at the end of the file</a:t>
+            </a:r>
+          </a:p>
+          <a:p>
+            <a:pPr marL="0" indent="0">
+              <a:buNone/>
+            </a:pPr>
+            <a:endParaRPr lang="en-US" sz="2400" b="1" dirty="0">
+              <a:latin typeface="Consolas" pitchFamily="49" charset="0"/>
+              <a:cs typeface="Consolas" pitchFamily="49" charset="0"/>
+            </a:endParaRPr>
+          </a:p>
+        </p:txBody>
+      </p:sp>
+      <p:sp>
+        <p:nvSpPr>
+          <p:cNvPr id="2" name="Slide Number Placeholder 1"/>
           <p:cNvSpPr>
             <a:spLocks noGrp="1"/>
           </p:cNvSpPr>
@@ -12392,7 +11540,7 @@
     </p:spTree>
     <p:extLst>
       <p:ext uri="{BB962C8B-B14F-4D97-AF65-F5344CB8AC3E}">
-        <p14:creationId xmlns:p14="http://schemas.microsoft.com/office/powerpoint/2010/main" val="1880916034"/>
+        <p14:creationId xmlns:p14="http://schemas.microsoft.com/office/powerpoint/2010/main" val="3804961615"/>
       </p:ext>
     </p:extLst>
   </p:cSld>
@@ -12431,14 +11579,12 @@
         </p:nvSpPr>
         <p:spPr/>
         <p:txBody>
-          <a:bodyPr>
-            <a:normAutofit fontScale="90000"/>
-          </a:bodyPr>
-          <a:lstStyle/>
-          <a:p>
-            <a:r>
-              <a:rPr lang="en-US" dirty="0"/>
-              <a:t>Still another classification: unit testing vs. integration testing</a:t>
+          <a:bodyPr/>
+          <a:lstStyle/>
+          <a:p>
+            <a:r>
+              <a:rPr lang="en-US" dirty="0"/>
+              <a:t>The simplest test cases</a:t>
             </a:r>
           </a:p>
         </p:txBody>
@@ -12455,49 +11601,86 @@
         </p:nvSpPr>
         <p:spPr/>
         <p:txBody>
-          <a:bodyPr>
-            <a:normAutofit fontScale="92500"/>
-          </a:bodyPr>
-          <a:lstStyle/>
-          <a:p>
-            <a:r>
-              <a:rPr lang="en-US" i="1" dirty="0">
-                <a:solidFill>
-                  <a:srgbClr val="FF0000"/>
-                </a:solidFill>
-              </a:rPr>
-              <a:t>Unit testing </a:t>
-            </a:r>
-            <a:r>
-              <a:rPr lang="en-US" dirty="0"/>
-              <a:t>is about testing single functions or small groups of functions.</a:t>
-            </a:r>
-          </a:p>
-          <a:p>
-            <a:r>
-              <a:rPr lang="en-US" i="1" dirty="0">
-                <a:solidFill>
-                  <a:srgbClr val="FF0000"/>
-                </a:solidFill>
-              </a:rPr>
-              <a:t>Integration testing </a:t>
-            </a:r>
-            <a:r>
-              <a:rPr lang="en-US" dirty="0"/>
-              <a:t>is about checking to see that larger pieces of the system fit together.</a:t>
-            </a:r>
-          </a:p>
-          <a:p>
-            <a:r>
-              <a:rPr lang="en-US" dirty="0"/>
-              <a:t>We will do mostly unit testing.  For us, a unit is either a single function or a small group of functions.</a:t>
-            </a:r>
-          </a:p>
-          <a:p>
-            <a:r>
-              <a:rPr lang="en-US" dirty="0"/>
-              <a:t>It’s important to understand just what function(s) your test is testing.  More on this shortly.</a:t>
-            </a:r>
+          <a:bodyPr/>
+          <a:lstStyle/>
+          <a:p>
+            <a:r>
+              <a:rPr lang="en-US" dirty="0"/>
+              <a:t>Compute the right answer by hand, and make up test cases to match</a:t>
+            </a:r>
+          </a:p>
+          <a:p>
+            <a:endParaRPr lang="en-US" dirty="0"/>
+          </a:p>
+          <a:p>
+            <a:pPr>
+              <a:buNone/>
+            </a:pPr>
+            <a:r>
+              <a:rPr lang="en-US" sz="2000" b="1" dirty="0">
+                <a:latin typeface="Consolas" pitchFamily="49" charset="0"/>
+                <a:cs typeface="Consolas" pitchFamily="49" charset="0"/>
+              </a:rPr>
+              <a:t>(begin-for-test</a:t>
+            </a:r>
+          </a:p>
+          <a:p>
+            <a:pPr>
+              <a:buNone/>
+            </a:pPr>
+            <a:r>
+              <a:rPr lang="en-US" sz="2000" b="1" dirty="0">
+                <a:latin typeface="Consolas" pitchFamily="49" charset="0"/>
+                <a:cs typeface="Consolas" pitchFamily="49" charset="0"/>
+              </a:rPr>
+              <a:t>  (check-equal? (f2c 32) 0 </a:t>
+            </a:r>
+          </a:p>
+          <a:p>
+            <a:pPr>
+              <a:buNone/>
+            </a:pPr>
+            <a:r>
+              <a:rPr lang="en-US" sz="2000" b="1" dirty="0">
+                <a:latin typeface="Consolas" pitchFamily="49" charset="0"/>
+                <a:cs typeface="Consolas" pitchFamily="49" charset="0"/>
+              </a:rPr>
+              <a:t>    "32 Fahrenheit was not 0 Celsius")</a:t>
+            </a:r>
+          </a:p>
+          <a:p>
+            <a:pPr>
+              <a:buNone/>
+            </a:pPr>
+            <a:r>
+              <a:rPr lang="en-US" sz="2000" b="1" dirty="0">
+                <a:latin typeface="Consolas" pitchFamily="49" charset="0"/>
+                <a:cs typeface="Consolas" pitchFamily="49" charset="0"/>
+              </a:rPr>
+              <a:t>  (check-equal? (f2c 212) 100 </a:t>
+            </a:r>
+          </a:p>
+          <a:p>
+            <a:pPr>
+              <a:buNone/>
+            </a:pPr>
+            <a:r>
+              <a:rPr lang="en-US" sz="2000" b="1" dirty="0">
+                <a:latin typeface="Consolas" pitchFamily="49" charset="0"/>
+                <a:cs typeface="Consolas" pitchFamily="49" charset="0"/>
+              </a:rPr>
+              <a:t>    "212 Fahrenheit was not 100 Celsius"))</a:t>
+            </a:r>
+            <a:endParaRPr lang="en-US" sz="2000" b="1" dirty="0">
+              <a:latin typeface="Courier New" pitchFamily="49" charset="0"/>
+              <a:cs typeface="Courier New" pitchFamily="49" charset="0"/>
+            </a:endParaRPr>
+          </a:p>
+          <a:p>
+            <a:pPr marL="0" indent="0">
+              <a:buNone/>
+            </a:pPr>
+            <a:endParaRPr lang="en-US" dirty="0"/>
           </a:p>
         </p:txBody>
       </p:sp>
@@ -12540,7 +11723,7 @@
     </p:spTree>
     <p:extLst>
       <p:ext uri="{BB962C8B-B14F-4D97-AF65-F5344CB8AC3E}">
-        <p14:creationId xmlns:p14="http://schemas.microsoft.com/office/powerpoint/2010/main" val="1758965103"/>
+        <p14:creationId xmlns:p14="http://schemas.microsoft.com/office/powerpoint/2010/main" val="4207347293"/>
       </p:ext>
     </p:extLst>
   </p:cSld>
@@ -12584,7 +11767,7 @@
           <a:p>
             <a:r>
               <a:rPr lang="en-US" dirty="0"/>
-              <a:t>Test Coverage</a:t>
+              <a:t>This may not be enough</a:t>
             </a:r>
           </a:p>
         </p:txBody>
@@ -12602,101 +11785,77 @@
         <p:spPr/>
         <p:txBody>
           <a:bodyPr>
-            <a:normAutofit lnSpcReduction="10000"/>
+            <a:normAutofit/>
           </a:bodyPr>
           <a:lstStyle/>
           <a:p>
             <a:r>
               <a:rPr lang="en-US" dirty="0"/>
-              <a:t>How much of the possible behaviors have we tested?</a:t>
-            </a:r>
-          </a:p>
-          <a:p>
-            <a:r>
-              <a:rPr lang="en-US" dirty="0"/>
-              <a:t>Want every line in the program exercised.  This is called </a:t>
-            </a:r>
-            <a:r>
-              <a:rPr lang="en-US" i="1" dirty="0">
+              <a:t>Did I do the hand-computation right?</a:t>
+            </a:r>
+          </a:p>
+          <a:p>
+            <a:pPr lvl="1"/>
+            <a:r>
+              <a:rPr lang="en-US" dirty="0"/>
+              <a:t>If you’re lucky, the problem set said what the answer should be.</a:t>
+            </a:r>
+          </a:p>
+          <a:p>
+            <a:pPr lvl="1"/>
+            <a:r>
+              <a:rPr lang="en-US" dirty="0"/>
+              <a:t>Otherwise, how does the reader know I didn’t just take the result of my function and paste it into the test?</a:t>
+            </a:r>
+          </a:p>
+          <a:p>
+            <a:r>
+              <a:rPr lang="en-US" dirty="0"/>
+              <a:t>Maybe there’s more than one correct answer!</a:t>
+            </a:r>
+          </a:p>
+        </p:txBody>
+      </p:sp>
+      <p:sp>
+        <p:nvSpPr>
+          <p:cNvPr id="4" name="Slide Number Placeholder 3"/>
+          <p:cNvSpPr>
+            <a:spLocks noGrp="1"/>
+          </p:cNvSpPr>
+          <p:nvPr>
+            <p:ph type="sldNum" sz="quarter" idx="12"/>
+          </p:nvPr>
+        </p:nvSpPr>
+        <p:spPr/>
+        <p:txBody>
+          <a:bodyPr/>
+          <a:lstStyle/>
+          <a:p>
+            <a:fld id="{2AF3B5EA-18B6-4040-9F78-6052AF49C681}" type="slidenum">
+              <a:rPr lang="en-US" smtClean="0">
                 <a:solidFill>
-                  <a:srgbClr val="FF0000"/>
+                  <a:prstClr val="black">
+                    <a:tint val="75000"/>
+                  </a:prstClr>
                 </a:solidFill>
               </a:rPr>
-              <a:t>100% expression coverage</a:t>
-            </a:r>
-            <a:r>
-              <a:rPr lang="en-US" dirty="0"/>
-              <a:t>.</a:t>
-            </a:r>
-          </a:p>
-          <a:p>
-            <a:r>
-              <a:rPr lang="en-US" dirty="0"/>
-              <a:t>This is our </a:t>
-            </a:r>
-            <a:r>
-              <a:rPr lang="en-US" b="1" dirty="0"/>
-              <a:t>minimum</a:t>
-            </a:r>
-            <a:r>
-              <a:rPr lang="en-US" dirty="0"/>
-              <a:t> testing requirement.</a:t>
-            </a:r>
-          </a:p>
-          <a:p>
-            <a:r>
-              <a:rPr lang="en-US" dirty="0"/>
-              <a:t>But this doesn’t necessarily test all the desired behaviors of our program.</a:t>
-            </a:r>
-          </a:p>
-          <a:p>
-            <a:r>
-              <a:rPr lang="en-US" dirty="0"/>
-              <a:t>To get a better handle on this, we introduce the idea of </a:t>
-            </a:r>
-            <a:r>
-              <a:rPr lang="en-US" i="1" dirty="0">
-                <a:solidFill>
-                  <a:srgbClr val="FF0000"/>
-                </a:solidFill>
-              </a:rPr>
-              <a:t>equivalence partitioning</a:t>
-            </a:r>
-            <a:r>
-              <a:rPr lang="en-US" dirty="0"/>
-              <a:t>.</a:t>
-            </a:r>
-          </a:p>
-        </p:txBody>
-      </p:sp>
-      <p:sp>
-        <p:nvSpPr>
-          <p:cNvPr id="4" name="Slide Number Placeholder 3"/>
-          <p:cNvSpPr>
-            <a:spLocks noGrp="1"/>
-          </p:cNvSpPr>
-          <p:nvPr>
-            <p:ph type="sldNum" sz="quarter" idx="12"/>
-          </p:nvPr>
-        </p:nvSpPr>
-        <p:spPr/>
-        <p:txBody>
-          <a:bodyPr/>
-          <a:lstStyle/>
-          <a:p>
-            <a:fld id="{B6F15528-21DE-4FAA-801E-634DDDAF4B2B}" type="slidenum">
-              <a:rPr lang="en-US" smtClean="0"/>
               <a:pPr/>
               <a:t>9</a:t>
             </a:fld>
-            <a:endParaRPr lang="en-US"/>
+            <a:endParaRPr lang="en-US">
+              <a:solidFill>
+                <a:prstClr val="black">
+                  <a:tint val="75000"/>
+                </a:prstClr>
+              </a:solidFill>
+            </a:endParaRPr>
           </a:p>
         </p:txBody>
       </p:sp>
     </p:spTree>
     <p:extLst>
       <p:ext uri="{BB962C8B-B14F-4D97-AF65-F5344CB8AC3E}">
-        <p14:creationId xmlns:p14="http://schemas.microsoft.com/office/powerpoint/2010/main" val="2299138388"/>
+        <p14:creationId xmlns:p14="http://schemas.microsoft.com/office/powerpoint/2010/main" val="4233369243"/>
       </p:ext>
     </p:extLst>
   </p:cSld>
